--- a/CalmBot.pptx
+++ b/CalmBot.pptx
@@ -14,12 +14,11 @@
     <p:sldId id="275" r:id="rId7"/>
     <p:sldId id="277" r:id="rId8"/>
     <p:sldId id="278" r:id="rId9"/>
-    <p:sldId id="282" r:id="rId10"/>
-    <p:sldId id="283" r:id="rId11"/>
-    <p:sldId id="285" r:id="rId12"/>
-    <p:sldId id="287" r:id="rId13"/>
-    <p:sldId id="270" r:id="rId14"/>
-    <p:sldId id="261" r:id="rId15"/>
+    <p:sldId id="283" r:id="rId10"/>
+    <p:sldId id="285" r:id="rId11"/>
+    <p:sldId id="287" r:id="rId12"/>
+    <p:sldId id="270" r:id="rId13"/>
+    <p:sldId id="261" r:id="rId14"/>
   </p:sldIdLst>
   <p:sldSz cx="12192000" cy="6858000"/>
   <p:notesSz cx="6858000" cy="9144000"/>
@@ -598,36 +597,11 @@
           <a:p>
             <a:r>
               <a:rPr lang="en-US" altLang="zh-CN"/>
-              <a:t>Looking forward, I have identified four key areas for further development:</a:t>
+              <a:t>Here are the references that supported the CalmBot project.</a:t>
             </a:r>
             <a:endParaRPr lang="en-US" altLang="zh-CN"/>
           </a:p>
           <a:p>
-            <a:r>
-              <a:rPr lang="en-US" altLang="zh-CN"/>
-              <a:t>First, upgrading to larger fine-tuned LLMs like GPT-4 or Mistral-7B to improve empathy and coherence.</a:t>
-            </a:r>
-            <a:endParaRPr lang="en-US" altLang="zh-CN"/>
-          </a:p>
-          <a:p>
-            <a:r>
-              <a:rPr lang="en-US" altLang="zh-CN"/>
-              <a:t>Second, developing a custom, multi-label emotion classifier with more nuanced emotional detection.</a:t>
-            </a:r>
-            <a:endParaRPr lang="en-US" altLang="zh-CN"/>
-          </a:p>
-          <a:p>
-            <a:r>
-              <a:rPr lang="en-US" altLang="zh-CN"/>
-              <a:t>Third, enhancing hotline recommendation using semantic search to match resources based on real context.</a:t>
-            </a:r>
-            <a:endParaRPr lang="en-US" altLang="zh-CN"/>
-          </a:p>
-          <a:p>
-            <a:r>
-              <a:rPr lang="en-US" altLang="zh-CN"/>
-              <a:t>And fourth, implementing memory-augmented dialogue systems to support empathetic, multi-turn interactions.</a:t>
-            </a:r>
             <a:endParaRPr lang="en-US" altLang="zh-CN"/>
           </a:p>
         </p:txBody>
@@ -641,72 +615,6 @@
 </file>
 
 <file path=ppt/notesSlides/notesSlide11.xml><?xml version="1.0" encoding="utf-8"?>
-<p:notes xmlns:a="http://schemas.openxmlformats.org/drawingml/2006/main" xmlns:r="http://schemas.openxmlformats.org/officeDocument/2006/relationships" xmlns:p="http://schemas.openxmlformats.org/presentationml/2006/main">
-  <p:cSld>
-    <p:spTree>
-      <p:nvGrpSpPr>
-        <p:cNvPr id="1" name=""/>
-        <p:cNvGrpSpPr/>
-        <p:nvPr/>
-      </p:nvGrpSpPr>
-      <p:grpSpPr/>
-      <p:sp>
-        <p:nvSpPr>
-          <p:cNvPr id="2" name="幻灯片图像占位符 1"/>
-          <p:cNvSpPr>
-            <a:spLocks noGrp="1"/>
-          </p:cNvSpPr>
-          <p:nvPr>
-            <p:ph type="sldImg" idx="2"/>
-          </p:nvPr>
-        </p:nvSpPr>
-        <p:spPr/>
-      </p:sp>
-      <p:sp>
-        <p:nvSpPr>
-          <p:cNvPr id="3" name="文本占位符 2"/>
-          <p:cNvSpPr>
-            <a:spLocks noGrp="1"/>
-          </p:cNvSpPr>
-          <p:nvPr>
-            <p:ph type="body" idx="3"/>
-          </p:nvPr>
-        </p:nvSpPr>
-        <p:spPr/>
-        <p:txBody>
-          <a:bodyPr/>
-          <a:p>
-            <a:r>
-              <a:rPr lang="en-US" altLang="zh-CN"/>
-              <a:t>Here are the references that supported the CalmBot project.</a:t>
-            </a:r>
-            <a:endParaRPr lang="en-US" altLang="zh-CN"/>
-          </a:p>
-          <a:p>
-            <a:r>
-              <a:rPr lang="en-US" altLang="zh-CN"/>
-              <a:t>These include mental health statistics, reports on access barriers, and research studies on AI and human collaboration in therapy support contexts.</a:t>
-            </a:r>
-            <a:endParaRPr lang="en-US" altLang="zh-CN"/>
-          </a:p>
-          <a:p>
-            <a:r>
-              <a:rPr lang="en-US" altLang="zh-CN"/>
-              <a:t>I based CalmBot’s design on both real-world mental health needs and the latest research in empathetic AI systems.</a:t>
-            </a:r>
-            <a:endParaRPr lang="en-US" altLang="zh-CN"/>
-          </a:p>
-        </p:txBody>
-      </p:sp>
-    </p:spTree>
-  </p:cSld>
-  <p:clrMapOvr>
-    <a:masterClrMapping/>
-  </p:clrMapOvr>
-</p:notes>
-</file>
-
-<file path=ppt/notesSlides/notesSlide12.xml><?xml version="1.0" encoding="utf-8"?>
 <p:notes xmlns:a="http://schemas.openxmlformats.org/drawingml/2006/main" xmlns:r="http://schemas.openxmlformats.org/officeDocument/2006/relationships" xmlns:p="http://schemas.openxmlformats.org/presentationml/2006/main">
   <p:cSld>
     <p:spTree>
@@ -796,42 +704,49 @@
           <a:p>
             <a:r>
               <a:rPr lang="en-US" altLang="zh-CN"/>
-              <a:t>Mental health is a critical issue in the U.S., with 1 in 5 adults experiencing mental illness annually — approximately 59.3 million people.</a:t>
+              <a:t>Mental health remains a major crisis in the United States.</a:t>
             </a:r>
             <a:endParaRPr lang="en-US" altLang="zh-CN"/>
           </a:p>
           <a:p>
             <a:r>
               <a:rPr lang="en-US" altLang="zh-CN"/>
-              <a:t>However, over half of these individuals do not receive timely treatment.</a:t>
+              <a:t>According to the National Institute of Mental Health, one in five adults experienced mental illness in 2022, amounting to nearly 59 million people.</a:t>
             </a:r>
             <a:endParaRPr lang="en-US" altLang="zh-CN"/>
           </a:p>
           <a:p>
             <a:r>
               <a:rPr lang="en-US" altLang="zh-CN"/>
-              <a:t>In crisis moments involving emotions like fear, sadness, or anxiety, individuals often cannot clearly express their needs.</a:t>
+              <a:t>Unfortunately, over half of these individuals did not receive timely treatment, often due to barriers like workforce shortages, high costs, and social stigma.</a:t>
             </a:r>
             <a:endParaRPr lang="en-US" altLang="zh-CN"/>
           </a:p>
           <a:p>
             <a:r>
               <a:rPr lang="en-US" altLang="zh-CN"/>
-              <a:t>Traditional AI chatbots are inadequate for real-time, empathetic crisis support.</a:t>
+              <a:t>In moments of acute emotional distress, such as fear, sadness, or anxiety, individuals often struggle to clearly express their needs.</a:t>
             </a:r>
             <a:endParaRPr lang="en-US" altLang="zh-CN"/>
           </a:p>
           <a:p>
             <a:r>
               <a:rPr lang="en-US" altLang="zh-CN"/>
-              <a:t>Without immediate intervention, there is a serious risk of self-harm or worsening mental health.</a:t>
+              <a:t>Traditional AI chatbots are not equipped to provide real-time, empathetic support in such situations.</a:t>
             </a:r>
             <a:endParaRPr lang="en-US" altLang="zh-CN"/>
           </a:p>
           <a:p>
             <a:r>
               <a:rPr lang="en-US" altLang="zh-CN"/>
-              <a:t>This situation highlighted the urgent need for fast, empathetic, and accessible emotional assistance, which inspired me to create CalmBot.</a:t>
+              <a:t>Without immediate intervention, the risks of self-harm and worsening mental health escalate dramatically.</a:t>
+            </a:r>
+            <a:endParaRPr lang="en-US" altLang="zh-CN"/>
+          </a:p>
+          <a:p>
+            <a:r>
+              <a:rPr lang="en-US" altLang="zh-CN"/>
+              <a:t>Recognizing this gap, there is a critical need for fast, empathetic, and accessible emotional assistance.</a:t>
             </a:r>
             <a:endParaRPr lang="en-US" altLang="zh-CN"/>
           </a:p>
@@ -883,35 +798,21 @@
           <a:p>
             <a:r>
               <a:rPr lang="en-US" altLang="zh-CN"/>
-              <a:t>I designed CalmBot as an AI-driven emotional first aid assistant.</a:t>
+              <a:t>To address this urgent need, I designed CalmBot — an AI-driven emotional first aid assistant.</a:t>
             </a:r>
             <a:endParaRPr lang="en-US" altLang="zh-CN"/>
           </a:p>
           <a:p>
             <a:r>
               <a:rPr lang="en-US" altLang="zh-CN"/>
-              <a:t>CalmBot detects the user's emotions using fine-tuned NLP models.</a:t>
+              <a:t>CalmBot detects the user's emotions through fine-tuned NLP models, generates supportive and empathetic responses using lightweight LLMs, and recommends appropriate crisis hotlines if the distress level is deemed severe.</a:t>
             </a:r>
             <a:endParaRPr lang="en-US" altLang="zh-CN"/>
           </a:p>
           <a:p>
             <a:r>
               <a:rPr lang="en-US" altLang="zh-CN"/>
-              <a:t>It generates warm, supportive responses through lightweight language models.</a:t>
-            </a:r>
-            <a:endParaRPr lang="en-US" altLang="zh-CN"/>
-          </a:p>
-          <a:p>
-            <a:r>
-              <a:rPr lang="en-US" altLang="zh-CN"/>
-              <a:t>If severe distress is detected, CalmBot recommends relevant national hotlines.</a:t>
-            </a:r>
-            <a:endParaRPr lang="en-US" altLang="zh-CN"/>
-          </a:p>
-          <a:p>
-            <a:r>
-              <a:rPr lang="en-US" altLang="zh-CN"/>
-              <a:t>Additionally, CalmBot is built as an AI-human hybrid system: it provides immediate AI-driven support and suggests escalation to human services when necessary.</a:t>
+              <a:t>Importantly, CalmBot follows an AI-human hybrid model: it provides immediate AI support while escalating to human services when necessary, ensuring users receive the right help at the right time.</a:t>
             </a:r>
             <a:endParaRPr lang="en-US" altLang="zh-CN"/>
           </a:p>
@@ -963,35 +864,51 @@
           <a:p>
             <a:r>
               <a:rPr lang="en-US" altLang="zh-CN"/>
-              <a:t>This slide shows the high-level structure of CalmBot’s methodology.</a:t>
+              <a:t>CalmBot’s workflow follows a simple and streamlined pipeline.</a:t>
+            </a:r>
+            <a:endParaRPr lang="en-US" altLang="zh-CN"/>
+          </a:p>
+          <a:p>
+            <a:endParaRPr lang="en-US" altLang="zh-CN"/>
+          </a:p>
+          <a:p>
+            <a:r>
+              <a:rPr lang="en-US" altLang="zh-CN"/>
+              <a:t>First, I prepared the environment by installing the necessary Python libraries.</a:t>
             </a:r>
             <a:endParaRPr lang="en-US" altLang="zh-CN"/>
           </a:p>
           <a:p>
             <a:r>
               <a:rPr lang="en-US" altLang="zh-CN"/>
-              <a:t>First, the user submits an emotional message.</a:t>
+              <a:t>Then, CalmBot detects the user’s emotion using a lightweight classification model, identifying both the emotional label and its intensity.</a:t>
             </a:r>
             <a:endParaRPr lang="en-US" altLang="zh-CN"/>
           </a:p>
           <a:p>
             <a:r>
               <a:rPr lang="en-US" altLang="zh-CN"/>
-              <a:t>CalmBot detects the dominant emotion and evaluates its intensity.</a:t>
+              <a:t>Based on this, it generates an empathetic response through Falcon-RW-1B model, using a structured prompt to guide the tone and content.</a:t>
             </a:r>
+            <a:endParaRPr lang="en-US" altLang="zh-CN"/>
+          </a:p>
+          <a:p>
             <a:endParaRPr lang="en-US" altLang="zh-CN"/>
           </a:p>
           <a:p>
             <a:r>
               <a:rPr lang="en-US" altLang="zh-CN"/>
-              <a:t>Based on these findings, CalmBot generates an empathetic, supportive response.</a:t>
+              <a:t>In parallel, a hotline database is set up, allowing CalmBot to recommend crisis resources if the user's emotional intensity is high and certain keywords are detected.</a:t>
             </a:r>
+            <a:endParaRPr lang="en-US" altLang="zh-CN"/>
+          </a:p>
+          <a:p>
             <a:endParaRPr lang="en-US" altLang="zh-CN"/>
           </a:p>
           <a:p>
             <a:r>
               <a:rPr lang="en-US" altLang="zh-CN"/>
-              <a:t>If the emotional intensity crosses a critical threshold, CalmBot recommends a hotline resource suitable for the user's situation.</a:t>
+              <a:t>Finally, all these steps are integrated into a complete interaction flow, ensuring users receive both immediate support and, when necessary, professional resource guidance.</a:t>
             </a:r>
             <a:endParaRPr lang="en-US" altLang="zh-CN"/>
           </a:p>
@@ -1043,70 +960,7 @@
           <a:p>
             <a:r>
               <a:rPr lang="en-US" altLang="zh-CN"/>
-              <a:t>This slide presents the first half of Step 6, which covers emotion detection, prompt construction, response generation, and output cleaning.</a:t>
-            </a:r>
-            <a:endParaRPr lang="en-US" altLang="zh-CN"/>
-          </a:p>
-          <a:p>
-            <a:r>
-              <a:rPr lang="en-US" altLang="zh-CN"/>
-              <a:t>First, in Step 1, CalmBot uses a fine-tuned DistilRoBERTa emotion classifier to process the user input and predict the primary emotional label, along with its confidence score.</a:t>
-            </a:r>
-            <a:endParaRPr lang="en-US" altLang="zh-CN"/>
-          </a:p>
-          <a:p>
-            <a:r>
-              <a:rPr lang="en-US" altLang="zh-CN"/>
-              <a:t>The system sorts the emotion scores to identify the most dominant emotion and prepares this information for subsequent steps.</a:t>
-            </a:r>
-            <a:endParaRPr lang="en-US" altLang="zh-CN"/>
-          </a:p>
-          <a:p>
-            <a:r>
-              <a:rPr lang="en-US" altLang="zh-CN"/>
-              <a:t>Next, in Step 2, CalmBot constructs a prompt dynamically.</a:t>
-            </a:r>
-            <a:endParaRPr lang="en-US" altLang="zh-CN"/>
-          </a:p>
-          <a:p>
-            <a:r>
-              <a:rPr lang="en-US" altLang="zh-CN"/>
-              <a:t>The prompt explicitly defines CalmBot’s role as a compassionate counselor and instructs the model to acknowledge feelings, suggest a calming technique, and remind users they are not alone, all within 2 to 4 sentences.</a:t>
-            </a:r>
-            <a:endParaRPr lang="en-US" altLang="zh-CN"/>
-          </a:p>
-          <a:p>
-            <a:r>
-              <a:rPr lang="en-US" altLang="zh-CN"/>
-              <a:t>Then, in Step 3, the structured prompt is passed into the Falcon-RW-1B text generation model.</a:t>
-            </a:r>
-            <a:endParaRPr lang="en-US" altLang="zh-CN"/>
-          </a:p>
-          <a:p>
-            <a:r>
-              <a:rPr lang="en-US" altLang="zh-CN"/>
-              <a:t>Specific generation parameters like maximum token length, temperature, and repetition penalty are configured to promote focused and emotionally appropriate outputs.</a:t>
-            </a:r>
-            <a:endParaRPr lang="en-US" altLang="zh-CN"/>
-          </a:p>
-          <a:p>
-            <a:r>
-              <a:rPr lang="en-US" altLang="zh-CN"/>
-              <a:t>Finally, in Step 4, the generated text is post-processed.</a:t>
-            </a:r>
-            <a:endParaRPr lang="en-US" altLang="zh-CN"/>
-          </a:p>
-          <a:p>
-            <a:r>
-              <a:rPr lang="en-US" altLang="zh-CN"/>
-              <a:t>Using regular expression splitting, the long output is divided into individual sentences to facilitate cleaner and more readable responses.</a:t>
-            </a:r>
-            <a:endParaRPr lang="en-US" altLang="zh-CN"/>
-          </a:p>
-          <a:p>
-            <a:r>
-              <a:rPr lang="en-US" altLang="zh-CN"/>
-              <a:t>Only non-empty sentences are printed to ensure that CalmBot’s reply remains concise and clear.</a:t>
+              <a:t>In the following two slides, I provide additional technical details about Step 6.</a:t>
             </a:r>
             <a:endParaRPr lang="en-US" altLang="zh-CN"/>
           </a:p>
@@ -1114,6 +968,10 @@
             <a:endParaRPr lang="en-US" altLang="zh-CN"/>
           </a:p>
           <a:p>
+            <a:r>
+              <a:rPr lang="en-US" altLang="zh-CN"/>
+              <a:t>The first part covers how CalmBot processes emotion detection, builds dynamic prompts, generates text responses, and cleans outputs into clear sentences.</a:t>
+            </a:r>
             <a:endParaRPr lang="en-US" altLang="zh-CN"/>
           </a:p>
         </p:txBody>
@@ -1164,64 +1022,11 @@
           <a:p>
             <a:r>
               <a:rPr lang="en-US" altLang="zh-CN"/>
-              <a:t>This slide covers the second half of Step 6, which focuses on crisis hotline recommendation based on emotional severity and user context.</a:t>
+              <a:t>The second part explains how CalmBot matches detected emotions and keywords to recommend the right crisis hotlines when needed.</a:t>
             </a:r>
             <a:endParaRPr lang="en-US" altLang="zh-CN"/>
           </a:p>
           <a:p>
-            <a:r>
-              <a:rPr lang="en-US" altLang="zh-CN"/>
-              <a:t>In Step 5, CalmBot scans the user input against a set of pre-defined keyword categories.</a:t>
-            </a:r>
-            <a:endParaRPr lang="en-US" altLang="zh-CN"/>
-          </a:p>
-          <a:p>
-            <a:r>
-              <a:rPr lang="en-US" altLang="zh-CN"/>
-              <a:t>Categories such as family, relationships, youth, LGBTQ, veterans, substance abuse, eating disorders, and gambling are defined.</a:t>
-            </a:r>
-            <a:endParaRPr lang="en-US" altLang="zh-CN"/>
-          </a:p>
-          <a:p>
-            <a:r>
-              <a:rPr lang="en-US" altLang="zh-CN"/>
-              <a:t>If keywords associated with a particular crisis category are detected in the input, CalmBot assigns that category as the user’s context.</a:t>
-            </a:r>
-            <a:endParaRPr lang="en-US" altLang="zh-CN"/>
-          </a:p>
-          <a:p>
-            <a:r>
-              <a:rPr lang="en-US" altLang="zh-CN"/>
-              <a:t>Then, in Step 6, CalmBot evaluates the severity of the user’s emotional state.</a:t>
-            </a:r>
-            <a:endParaRPr lang="en-US" altLang="zh-CN"/>
-          </a:p>
-          <a:p>
-            <a:r>
-              <a:rPr lang="en-US" altLang="zh-CN"/>
-              <a:t>If the detected emotion’s confidence score exceeds a critical threshold — specifically 0.75 — CalmBot proactively triggers a hotline recommendation.</a:t>
-            </a:r>
-            <a:endParaRPr lang="en-US" altLang="zh-CN"/>
-          </a:p>
-          <a:p>
-            <a:r>
-              <a:rPr lang="en-US" altLang="zh-CN"/>
-              <a:t>The system searches for relevant hotlines associated with the detected context and prints out structured hotline information, including the name, phone number, and website.</a:t>
-            </a:r>
-            <a:endParaRPr lang="en-US" altLang="zh-CN"/>
-          </a:p>
-          <a:p>
-            <a:r>
-              <a:rPr lang="en-US" altLang="zh-CN"/>
-              <a:t>If the severity threshold is not met, CalmBot simply reassures the user that there is no immediate crisis requiring external intervention.</a:t>
-            </a:r>
-            <a:endParaRPr lang="en-US" altLang="zh-CN"/>
-          </a:p>
-          <a:p>
-            <a:r>
-              <a:rPr lang="en-US" altLang="zh-CN"/>
-              <a:t>This structure ensures that CalmBot not only provides emotional support but also connects users to specialized human help when necessary.</a:t>
-            </a:r>
             <a:endParaRPr lang="en-US" altLang="zh-CN"/>
           </a:p>
         </p:txBody>
@@ -1272,50 +1077,35 @@
           <a:p>
             <a:r>
               <a:rPr lang="en-US" altLang="zh-CN"/>
-              <a:t>In this example, the user expresses a profound sense of hopelessness, stating, "I don't see a future for myself anymore. Everything just feels meaningless."</a:t>
+              <a:t>Here, I present a test example where the user describes experiencing nightmares following military service, a classic PTSD symptom.</a:t>
             </a:r>
             <a:endParaRPr lang="en-US" altLang="zh-CN"/>
           </a:p>
           <a:p>
             <a:r>
               <a:rPr lang="en-US" altLang="zh-CN"/>
-              <a:t>CalmBot successfully detects the dominant emotion as sadness, with a high confidence score of 0.91.</a:t>
+              <a:t>CalmBot accurately detects fear with a high score.</a:t>
             </a:r>
             <a:endParaRPr lang="en-US" altLang="zh-CN"/>
           </a:p>
           <a:p>
             <a:r>
               <a:rPr lang="en-US" altLang="zh-CN"/>
-              <a:t>The generated response begins with an empathetic acknowledgment of the user's feelings, followed by a simple calming technique suggestion, encouraging the user to practice deep breathing and maintain positive thoughts.</a:t>
+              <a:t>Although the reply is slightly condensed due to token limit settings to prevent output drift, The response acknowledges the veteran’s ongoing struggles, gently suggests monitoring for additional symptoms, and provides supportive reassurance.</a:t>
             </a:r>
             <a:endParaRPr lang="en-US" altLang="zh-CN"/>
           </a:p>
           <a:p>
             <a:r>
               <a:rPr lang="en-US" altLang="zh-CN"/>
-              <a:t>While the overall emotional tone is appropriate and the structure follows the prompt design well, it is important to note some limitations.</a:t>
+              <a:t>Recognizing the high distress level, CalmBot recommends the specialized Veterans Crisis Line, offering a highly appropriate escalation path.</a:t>
             </a:r>
             <a:endParaRPr lang="en-US" altLang="zh-CN"/>
           </a:p>
           <a:p>
-            <a:r>
-              <a:rPr lang="en-US" altLang="zh-CN"/>
-              <a:t>Due to the configured token limit during generation (to prevent excessive or drifting output), the response may sometimes feel slightly abrupt or less elaborated toward the end.</a:t>
-            </a:r>
             <a:endParaRPr lang="en-US" altLang="zh-CN"/>
           </a:p>
           <a:p>
-            <a:r>
-              <a:rPr lang="en-US" altLang="zh-CN"/>
-              <a:t>Minor language imperfections, such as small typographical errors ("enought o" instead of "enough to"), are also present, reflecting the limitations of using lightweight models like Falcon-RW-1B.</a:t>
-            </a:r>
-            <a:endParaRPr lang="en-US" altLang="zh-CN"/>
-          </a:p>
-          <a:p>
-            <a:r>
-              <a:rPr lang="en-US" altLang="zh-CN"/>
-              <a:t>Despite these issues, CalmBot effectively transitions into recommending appropriate national hotlines, providing four different crisis support options tailored to the severity of the detected emotion.</a:t>
-            </a:r>
             <a:endParaRPr lang="en-US" altLang="zh-CN"/>
           </a:p>
         </p:txBody>
@@ -1329,100 +1119,6 @@
 </file>
 
 <file path=ppt/notesSlides/notesSlide8.xml><?xml version="1.0" encoding="utf-8"?>
-<p:notes xmlns:a="http://schemas.openxmlformats.org/drawingml/2006/main" xmlns:r="http://schemas.openxmlformats.org/officeDocument/2006/relationships" xmlns:p="http://schemas.openxmlformats.org/presentationml/2006/main">
-  <p:cSld>
-    <p:spTree>
-      <p:nvGrpSpPr>
-        <p:cNvPr id="1" name=""/>
-        <p:cNvGrpSpPr/>
-        <p:nvPr/>
-      </p:nvGrpSpPr>
-      <p:grpSpPr/>
-      <p:sp>
-        <p:nvSpPr>
-          <p:cNvPr id="2" name="幻灯片图像占位符 1"/>
-          <p:cNvSpPr>
-            <a:spLocks noGrp="1"/>
-          </p:cNvSpPr>
-          <p:nvPr>
-            <p:ph type="sldImg" idx="2"/>
-          </p:nvPr>
-        </p:nvSpPr>
-        <p:spPr/>
-      </p:sp>
-      <p:sp>
-        <p:nvSpPr>
-          <p:cNvPr id="3" name="文本占位符 2"/>
-          <p:cNvSpPr>
-            <a:spLocks noGrp="1"/>
-          </p:cNvSpPr>
-          <p:nvPr>
-            <p:ph type="body" idx="3"/>
-          </p:nvPr>
-        </p:nvSpPr>
-        <p:spPr/>
-        <p:txBody>
-          <a:bodyPr/>
-          <a:p>
-            <a:r>
-              <a:rPr lang="en-US" altLang="zh-CN"/>
-              <a:t>This example involves a user describing persistent nightmares after returning from military service, a classic symptom associated with PTSD.</a:t>
-            </a:r>
-            <a:endParaRPr lang="en-US" altLang="zh-CN"/>
-          </a:p>
-          <a:p>
-            <a:r>
-              <a:rPr lang="en-US" altLang="zh-CN"/>
-              <a:t>CalmBot correctly identifies the primary emotion as fear, with an exceptionally high confidence score of 0.98.</a:t>
-            </a:r>
-            <a:endParaRPr lang="en-US" altLang="zh-CN"/>
-          </a:p>
-          <a:p>
-            <a:r>
-              <a:rPr lang="en-US" altLang="zh-CN"/>
-              <a:t>The response begins with empathetic validation, acknowledges the user's ongoing struggles, and offers a practical calming technique — suggesting a breathing exercise to manage anxiety symptoms.</a:t>
-            </a:r>
-            <a:endParaRPr lang="en-US" altLang="zh-CN"/>
-          </a:p>
-          <a:p>
-            <a:r>
-              <a:rPr lang="en-US" altLang="zh-CN"/>
-              <a:t>The generated text flows naturally for the most part; however, as with the previous case, the imposed token limit can occasionally result in slightly condensed or truncated expressions, particularly in longer or more detailed sentences.</a:t>
-            </a:r>
-            <a:endParaRPr lang="en-US" altLang="zh-CN"/>
-          </a:p>
-          <a:p>
-            <a:r>
-              <a:rPr lang="en-US" altLang="zh-CN"/>
-              <a:t>Overall, the emotional resonance and supportive tone are preserved effectively.</a:t>
-            </a:r>
-            <a:endParaRPr lang="en-US" altLang="zh-CN"/>
-          </a:p>
-          <a:p>
-            <a:r>
-              <a:rPr lang="en-US" altLang="zh-CN"/>
-              <a:t>Notably, CalmBot recommends the specialized Veterans Crisis Line, which is a highly accurate and context-sensitive resource given the user's background.</a:t>
-            </a:r>
-            <a:endParaRPr lang="en-US" altLang="zh-CN"/>
-          </a:p>
-          <a:p>
-            <a:r>
-              <a:rPr lang="en-US" altLang="zh-CN"/>
-              <a:t>This example demonstrates CalmBot's capability to provide relevant emotional support and connect users to specific crisis intervention services, while also highlighting some inherent constraints in generation depth due to lightweight model and token limit settings..</a:t>
-            </a:r>
-            <a:endParaRPr lang="en-US" altLang="zh-CN"/>
-          </a:p>
-        </p:txBody>
-      </p:sp>
-    </p:spTree>
-  </p:cSld>
-  <p:clrMapOvr>
-    <a:masterClrMapping/>
-  </p:clrMapOvr>
-</p:notes>
-</file>
-
-<file path=ppt/notesSlides/notesSlide9.xml><?xml version="1.0" encoding="utf-8"?>
 <p:notes xmlns:a="http://schemas.openxmlformats.org/drawingml/2006/main" xmlns:r="http://schemas.openxmlformats.org/officeDocument/2006/relationships" xmlns:p="http://schemas.openxmlformats.org/presentationml/2006/main">
   <p:cSld>
     <p:spTree>
@@ -1468,36 +1164,42 @@
           <a:p>
             <a:r>
               <a:rPr lang="en-US" altLang="zh-CN" dirty="0"/>
-              <a:t>During this project, I faced several major challenges:</a:t>
+              <a:t>Throughout the project, I faced several significant challenges.</a:t>
             </a:r>
             <a:endParaRPr lang="en-US" altLang="zh-CN" dirty="0"/>
           </a:p>
           <a:p>
             <a:r>
               <a:rPr lang="en-US" altLang="zh-CN" dirty="0"/>
-              <a:t>First, I was unable to run large models like Mistral-7B due to Colab memory limitations, so I shifted to lightweight models like DistilRoBERTa and Falcon-RW-1B.</a:t>
+              <a:t>First, due to hardware limitations, I was unable to use large models like Mistral-7B and instead optimized the system for lightweight models such as DistilRoBERTa and Falcon-RW-1B.</a:t>
             </a:r>
             <a:endParaRPr lang="en-US" altLang="zh-CN" dirty="0"/>
           </a:p>
           <a:p>
             <a:r>
               <a:rPr lang="en-US" altLang="zh-CN" dirty="0"/>
-              <a:t>Second, my early prompt designs were too verbose, causing inconsistent outputs; I resolved this by creating a standardized, structured prompt format.</a:t>
+              <a:t>Early prompt designs were verbose and unstable, which led me to standardize prompt structures for consistent output.</a:t>
             </a:r>
             <a:endParaRPr lang="en-US" altLang="zh-CN" dirty="0"/>
           </a:p>
           <a:p>
             <a:r>
               <a:rPr lang="en-US" altLang="zh-CN" dirty="0"/>
-              <a:t>Third, output drift remained a persistent issue, where responses sometimes included irrelevant or repetitive endings, despite parameter tuning.</a:t>
+              <a:t>Although tuning generation parameters helped, output drift — where responses trail off into unrelated content — could not be fully eliminated.</a:t>
             </a:r>
             <a:endParaRPr lang="en-US" altLang="zh-CN" dirty="0"/>
           </a:p>
           <a:p>
             <a:r>
               <a:rPr lang="en-US" altLang="zh-CN" dirty="0"/>
-              <a:t>Finally, small models inherently lacked conversational depth, which I partially addressed through prompt optimization, but recognized as a hardware-driven limitation.</a:t>
+              <a:t>Finally, I accepted that small models naturally offer limited conversational depth compared to large LLMs.</a:t>
             </a:r>
+            <a:endParaRPr lang="en-US" altLang="zh-CN" dirty="0"/>
+          </a:p>
+          <a:p>
+            <a:endParaRPr lang="en-US" altLang="zh-CN" dirty="0"/>
+          </a:p>
+          <a:p>
             <a:endParaRPr lang="en-US" altLang="zh-CN" dirty="0"/>
           </a:p>
         </p:txBody>
@@ -1521,6 +1223,86 @@
               <a:rPr lang="zh-CN" altLang="en-US" smtClean="0"/>
             </a:fld>
             <a:endParaRPr lang="zh-CN" altLang="en-US"/>
+          </a:p>
+        </p:txBody>
+      </p:sp>
+    </p:spTree>
+  </p:cSld>
+  <p:clrMapOvr>
+    <a:masterClrMapping/>
+  </p:clrMapOvr>
+</p:notes>
+</file>
+
+<file path=ppt/notesSlides/notesSlide9.xml><?xml version="1.0" encoding="utf-8"?>
+<p:notes xmlns:a="http://schemas.openxmlformats.org/drawingml/2006/main" xmlns:r="http://schemas.openxmlformats.org/officeDocument/2006/relationships" xmlns:p="http://schemas.openxmlformats.org/presentationml/2006/main">
+  <p:cSld>
+    <p:spTree>
+      <p:nvGrpSpPr>
+        <p:cNvPr id="1" name=""/>
+        <p:cNvGrpSpPr/>
+        <p:nvPr/>
+      </p:nvGrpSpPr>
+      <p:grpSpPr/>
+      <p:sp>
+        <p:nvSpPr>
+          <p:cNvPr id="2" name="幻灯片图像占位符 1"/>
+          <p:cNvSpPr>
+            <a:spLocks noGrp="1"/>
+          </p:cNvSpPr>
+          <p:nvPr>
+            <p:ph type="sldImg" idx="2"/>
+          </p:nvPr>
+        </p:nvSpPr>
+        <p:spPr/>
+      </p:sp>
+      <p:sp>
+        <p:nvSpPr>
+          <p:cNvPr id="3" name="文本占位符 2"/>
+          <p:cNvSpPr>
+            <a:spLocks noGrp="1"/>
+          </p:cNvSpPr>
+          <p:nvPr>
+            <p:ph type="body" idx="3"/>
+          </p:nvPr>
+        </p:nvSpPr>
+        <p:spPr/>
+        <p:txBody>
+          <a:bodyPr/>
+          <a:p>
+            <a:r>
+              <a:rPr lang="en-US" altLang="zh-CN"/>
+              <a:t>Looking ahead, several areas could greatly enhance CalmBot’s capabilities.</a:t>
+            </a:r>
+            <a:endParaRPr lang="en-US" altLang="zh-CN"/>
+          </a:p>
+          <a:p>
+            <a:r>
+              <a:rPr lang="en-US" altLang="zh-CN"/>
+              <a:t>First, upgrading to larger, fine-tuned LLMs like GPT-4 or Mistral-7B would significantly improve emotional nuance and coherence.</a:t>
+            </a:r>
+            <a:endParaRPr lang="en-US" altLang="zh-CN"/>
+          </a:p>
+          <a:p>
+            <a:r>
+              <a:rPr lang="en-US" altLang="zh-CN"/>
+              <a:t>Second, developing a custom multi-label emotion classifier would allow more granular detection of complex emotional states.</a:t>
+            </a:r>
+            <a:endParaRPr lang="en-US" altLang="zh-CN"/>
+          </a:p>
+          <a:p>
+            <a:r>
+              <a:rPr lang="en-US" altLang="zh-CN"/>
+              <a:t>Third, integrating semantic search would improve hotline matching accuracy based on user context.</a:t>
+            </a:r>
+            <a:endParaRPr lang="en-US" altLang="zh-CN"/>
+          </a:p>
+          <a:p>
+            <a:r>
+              <a:rPr lang="en-US" altLang="zh-CN"/>
+              <a:t>Finally, building memory-augmented dialogue systems would support coherent, empathetic multi-turn interactions over time.</a:t>
+            </a:r>
+            <a:endParaRPr lang="en-US" altLang="zh-CN"/>
           </a:p>
         </p:txBody>
       </p:sp>
@@ -21321,6 +21103,2792 @@
 </file>
 
 <file path=ppt/slides/slide10.xml><?xml version="1.0" encoding="utf-8"?>
+<p:sld xmlns:a="http://schemas.openxmlformats.org/drawingml/2006/main" xmlns:r="http://schemas.openxmlformats.org/officeDocument/2006/relationships" xmlns:p="http://schemas.openxmlformats.org/presentationml/2006/main">
+  <p:cSld>
+    <p:spTree>
+      <p:nvGrpSpPr>
+        <p:cNvPr id="1" name=""/>
+        <p:cNvGrpSpPr/>
+        <p:nvPr/>
+      </p:nvGrpSpPr>
+      <p:grpSpPr/>
+      <p:sp>
+        <p:nvSpPr>
+          <p:cNvPr id="2" name="标题 1"/>
+          <p:cNvSpPr>
+            <a:spLocks noGrp="1"/>
+          </p:cNvSpPr>
+          <p:nvPr>
+            <p:ph type="title"/>
+          </p:nvPr>
+        </p:nvSpPr>
+        <p:spPr/>
+        <p:txBody>
+          <a:bodyPr/>
+          <a:p>
+            <a:r>
+              <a:rPr lang="en-US" altLang="zh-CN">
+                <a:sym typeface="+mn-ea"/>
+              </a:rPr>
+              <a:t>Works Cited</a:t>
+            </a:r>
+            <a:endParaRPr lang="zh-CN" altLang="en-US"/>
+          </a:p>
+        </p:txBody>
+      </p:sp>
+      <p:sp>
+        <p:nvSpPr>
+          <p:cNvPr id="3" name="文本框 2"/>
+          <p:cNvSpPr txBox="1"/>
+          <p:nvPr/>
+        </p:nvSpPr>
+        <p:spPr>
+          <a:xfrm>
+            <a:off x="365125" y="1659255"/>
+            <a:ext cx="11394440" cy="4313555"/>
+          </a:xfrm>
+          <a:prstGeom prst="rect">
+            <a:avLst/>
+          </a:prstGeom>
+        </p:spPr>
+        <p:txBody>
+          <a:bodyPr wrap="square">
+            <a:noAutofit/>
+          </a:bodyPr>
+          <a:p>
+            <a:pPr marL="285750" indent="-285750" algn="l" fontAlgn="auto">
+              <a:lnSpc>
+                <a:spcPct val="150000"/>
+              </a:lnSpc>
+              <a:buClrTx/>
+              <a:buSzTx/>
+              <a:buFont typeface="Arial" panose="020B0604020202020204"/>
+              <a:buChar char="•"/>
+            </a:pPr>
+            <a:r>
+              <a:rPr lang="en-US" altLang="zh-CN" sz="1600"/>
+              <a:t>National Institute of Mental Health (NIMH). Mental Illness. 2022. </a:t>
+            </a:r>
+            <a:r>
+              <a:rPr lang="en-US" altLang="zh-CN" sz="1600">
+                <a:hlinkClick r:id="rId1"/>
+              </a:rPr>
+              <a:t>https://www.nimh.nih.gov/health/statistics/mental-illness</a:t>
+            </a:r>
+            <a:r>
+              <a:rPr lang="en-US" altLang="zh-CN" sz="1600"/>
+              <a:t>.</a:t>
+            </a:r>
+            <a:endParaRPr lang="en-US" altLang="zh-CN" sz="1600"/>
+          </a:p>
+          <a:p>
+            <a:pPr marL="285750" indent="-285750" algn="l" fontAlgn="auto">
+              <a:lnSpc>
+                <a:spcPct val="150000"/>
+              </a:lnSpc>
+              <a:buClrTx/>
+              <a:buSzTx/>
+              <a:buFont typeface="Arial" panose="020B0604020202020204"/>
+              <a:buChar char="•"/>
+            </a:pPr>
+            <a:r>
+              <a:rPr lang="en-US" altLang="zh-CN" sz="1600"/>
+              <a:t>Project HOPE. “Global Mental Health: Frequently Asked Questions.” 2023. </a:t>
+            </a:r>
+            <a:r>
+              <a:rPr lang="en-US" altLang="zh-CN" sz="1600">
+                <a:hlinkClick r:id="rId2"/>
+              </a:rPr>
+              <a:t>https://www.projecthope.org</a:t>
+            </a:r>
+            <a:r>
+              <a:rPr lang="en-US" altLang="zh-CN" sz="1600"/>
+              <a:t>.</a:t>
+            </a:r>
+            <a:endParaRPr lang="en-US" altLang="zh-CN" sz="1600"/>
+          </a:p>
+          <a:p>
+            <a:pPr marL="285750" indent="-285750" fontAlgn="auto">
+              <a:lnSpc>
+                <a:spcPct val="150000"/>
+              </a:lnSpc>
+              <a:buFont typeface="Arial" panose="020B0604020202020204"/>
+              <a:buChar char="•"/>
+            </a:pPr>
+            <a:r>
+              <a:rPr lang="en-US" altLang="zh-CN" sz="1600"/>
+              <a:t>Time. “The U.S. Faces a Shortage of Mental Health Professionals.” 2023. </a:t>
+            </a:r>
+            <a:r>
+              <a:rPr lang="en-US" altLang="zh-CN" sz="1600">
+                <a:hlinkClick r:id="rId3"/>
+              </a:rPr>
+              <a:t>https://time.com</a:t>
+            </a:r>
+            <a:r>
+              <a:rPr lang="en-US" altLang="zh-CN" sz="1600"/>
+              <a:t>.</a:t>
+            </a:r>
+            <a:endParaRPr lang="en-US" altLang="zh-CN" sz="1600"/>
+          </a:p>
+          <a:p>
+            <a:pPr marL="285750" indent="-285750" fontAlgn="auto">
+              <a:lnSpc>
+                <a:spcPct val="150000"/>
+              </a:lnSpc>
+              <a:buFont typeface="Arial" panose="020B0604020202020204"/>
+              <a:buChar char="•"/>
+            </a:pPr>
+            <a:r>
+              <a:rPr lang="en-US" altLang="zh-CN" sz="1600"/>
+              <a:t>Bonterra Tech. “State of Mental Health in the U.S.: Access and Barriers.” 2023. </a:t>
+            </a:r>
+            <a:r>
+              <a:rPr lang="en-US" altLang="zh-CN" sz="1600">
+                <a:hlinkClick r:id="rId4"/>
+              </a:rPr>
+              <a:t>https://bonterratech.com</a:t>
+            </a:r>
+            <a:r>
+              <a:rPr lang="en-US" altLang="zh-CN" sz="1600"/>
+              <a:t>.</a:t>
+            </a:r>
+            <a:endParaRPr lang="en-US" altLang="zh-CN" sz="1600"/>
+          </a:p>
+          <a:p>
+            <a:pPr marL="285750" indent="-285750" fontAlgn="auto">
+              <a:lnSpc>
+                <a:spcPct val="150000"/>
+              </a:lnSpc>
+              <a:buFont typeface="Arial" panose="020B0604020202020204"/>
+              <a:buChar char="•"/>
+            </a:pPr>
+            <a:r>
+              <a:rPr lang="en-US" altLang="zh-CN" sz="1600"/>
+              <a:t>NAMI (National Alliance on Mental Illness). Mental Health by the Numbers. 2023. </a:t>
+            </a:r>
+            <a:r>
+              <a:rPr lang="en-US" altLang="zh-CN" sz="1600">
+                <a:hlinkClick r:id="rId5" action="ppaction://hlinkfile"/>
+              </a:rPr>
+              <a:t>https://www.nami.org/mhstats</a:t>
+            </a:r>
+            <a:r>
+              <a:rPr lang="en-US" altLang="zh-CN" sz="1600"/>
+              <a:t>.</a:t>
+            </a:r>
+            <a:endParaRPr lang="en-US" altLang="zh-CN" sz="1600"/>
+          </a:p>
+          <a:p>
+            <a:pPr marL="285750" indent="-285750" fontAlgn="auto">
+              <a:lnSpc>
+                <a:spcPct val="150000"/>
+              </a:lnSpc>
+              <a:buFont typeface="Arial" panose="020B0604020202020204"/>
+              <a:buChar char="•"/>
+            </a:pPr>
+            <a:r>
+              <a:rPr lang="en-US" altLang="zh-CN" sz="1600"/>
+              <a:t>Built In. “The Role of AI in Mental Health Support.” 2023. </a:t>
+            </a:r>
+            <a:r>
+              <a:rPr lang="en-US" altLang="zh-CN" sz="1600">
+                <a:hlinkClick r:id="rId6" action="ppaction://hlinkfile"/>
+              </a:rPr>
+              <a:t>https://builtin.com/artificial-intelligence/ai-mental-health</a:t>
+            </a:r>
+            <a:r>
+              <a:rPr lang="en-US" altLang="zh-CN" sz="1600"/>
+              <a:t>.</a:t>
+            </a:r>
+            <a:endParaRPr lang="en-US" altLang="zh-CN" sz="1600"/>
+          </a:p>
+          <a:p>
+            <a:pPr marL="285750" indent="-285750" fontAlgn="auto">
+              <a:lnSpc>
+                <a:spcPct val="150000"/>
+              </a:lnSpc>
+              <a:buFont typeface="Arial" panose="020B0604020202020204" pitchFamily="34" charset="0"/>
+              <a:buChar char="•"/>
+            </a:pPr>
+            <a:r>
+              <a:rPr lang="en-US" altLang="zh-CN" sz="1600"/>
+              <a:t>PMC (PubMed Central). “Barriers to Mental Health Care and Use of Mental Health Services.” 2022. </a:t>
+            </a:r>
+            <a:r>
+              <a:rPr lang="en-US" altLang="zh-CN" sz="1600">
+                <a:hlinkClick r:id="rId7"/>
+              </a:rPr>
+              <a:t>https://www.ncbi.nlm.nih.gov/pmc/articles/PMC</a:t>
+            </a:r>
+            <a:r>
+              <a:rPr lang="en-US" altLang="zh-CN" sz="1600"/>
+              <a:t>.</a:t>
+            </a:r>
+            <a:endParaRPr lang="en-US" altLang="zh-CN" sz="1600"/>
+          </a:p>
+          <a:p>
+            <a:pPr marL="285750" indent="-285750" fontAlgn="auto">
+              <a:lnSpc>
+                <a:spcPct val="150000"/>
+              </a:lnSpc>
+              <a:buFont typeface="Arial" panose="020B0604020202020204"/>
+              <a:buChar char="•"/>
+            </a:pPr>
+            <a:r>
+              <a:rPr lang="en-US" altLang="zh-CN" sz="1600"/>
+              <a:t>Nature Digital Medicine. “Human-AI Collaboration Improves Empathic Engagement in Therapy Support Tools.” 2022. </a:t>
+            </a:r>
+            <a:r>
+              <a:rPr lang="en-US" altLang="zh-CN" sz="1600">
+                <a:hlinkClick r:id="rId8"/>
+              </a:rPr>
+              <a:t>https://www.nature.com/articles/s41746-022-00589-7</a:t>
+            </a:r>
+            <a:r>
+              <a:rPr lang="en-US" altLang="zh-CN" sz="1600"/>
+              <a:t>.</a:t>
+            </a:r>
+            <a:endParaRPr lang="en-US" altLang="zh-CN" sz="1600"/>
+          </a:p>
+        </p:txBody>
+      </p:sp>
+    </p:spTree>
+    <p:custDataLst>
+      <p:tags r:id="rId9"/>
+    </p:custDataLst>
+  </p:cSld>
+  <p:clrMapOvr>
+    <a:masterClrMapping/>
+  </p:clrMapOvr>
+</p:sld>
+</file>
+
+<file path=ppt/slides/slide11.xml><?xml version="1.0" encoding="utf-8"?>
+<p:sld xmlns:a="http://schemas.openxmlformats.org/drawingml/2006/main" xmlns:r="http://schemas.openxmlformats.org/officeDocument/2006/relationships" xmlns:p="http://schemas.openxmlformats.org/presentationml/2006/main">
+  <p:cSld>
+    <p:spTree>
+      <p:nvGrpSpPr>
+        <p:cNvPr id="1" name=""/>
+        <p:cNvGrpSpPr/>
+        <p:nvPr/>
+      </p:nvGrpSpPr>
+      <p:grpSpPr>
+        <a:xfrm>
+          <a:off x="0" y="0"/>
+          <a:ext cx="0" cy="0"/>
+          <a:chOff x="0" y="0"/>
+          <a:chExt cx="0" cy="0"/>
+        </a:xfrm>
+      </p:grpSpPr>
+      <p:sp>
+        <p:nvSpPr>
+          <p:cNvPr id="4" name="标题"/>
+          <p:cNvSpPr>
+            <a:spLocks noGrp="1"/>
+          </p:cNvSpPr>
+          <p:nvPr>
+            <p:ph type="ctrTitle"/>
+            <p:custDataLst>
+              <p:tags r:id="rId1"/>
+            </p:custDataLst>
+          </p:nvPr>
+        </p:nvSpPr>
+        <p:spPr>
+          <a:xfrm>
+            <a:off x="991870" y="1899920"/>
+            <a:ext cx="6128385" cy="1226820"/>
+          </a:xfrm>
+        </p:spPr>
+        <p:txBody>
+          <a:bodyPr/>
+          <a:lstStyle/>
+          <a:p>
+            <a:r>
+              <a:rPr lang="en-US" altLang="zh-CN"/>
+              <a:t>THANK YOU</a:t>
+            </a:r>
+            <a:endParaRPr lang="en-US" altLang="zh-CN"/>
+          </a:p>
+        </p:txBody>
+      </p:sp>
+    </p:spTree>
+    <p:custDataLst>
+      <p:tags r:id="rId2"/>
+    </p:custDataLst>
+  </p:cSld>
+  <p:clrMapOvr>
+    <a:masterClrMapping/>
+  </p:clrMapOvr>
+</p:sld>
+</file>
+
+<file path=ppt/slides/slide2.xml><?xml version="1.0" encoding="utf-8"?>
+<p:sld xmlns:a="http://schemas.openxmlformats.org/drawingml/2006/main" xmlns:r="http://schemas.openxmlformats.org/officeDocument/2006/relationships" xmlns:p="http://schemas.openxmlformats.org/presentationml/2006/main">
+  <p:cSld>
+    <p:spTree>
+      <p:nvGrpSpPr>
+        <p:cNvPr id="1" name=""/>
+        <p:cNvGrpSpPr/>
+        <p:nvPr/>
+      </p:nvGrpSpPr>
+      <p:grpSpPr>
+        <a:xfrm>
+          <a:off x="0" y="0"/>
+          <a:ext cx="0" cy="0"/>
+          <a:chOff x="0" y="0"/>
+          <a:chExt cx="0" cy="0"/>
+        </a:xfrm>
+      </p:grpSpPr>
+      <p:sp>
+        <p:nvSpPr>
+          <p:cNvPr id="2" name="标题"/>
+          <p:cNvSpPr>
+            <a:spLocks noGrp="1"/>
+          </p:cNvSpPr>
+          <p:nvPr>
+            <p:ph type="title"/>
+            <p:custDataLst>
+              <p:tags r:id="rId1"/>
+            </p:custDataLst>
+          </p:nvPr>
+        </p:nvSpPr>
+        <p:spPr>
+          <a:xfrm>
+            <a:off x="838200" y="545420"/>
+            <a:ext cx="10515600" cy="864000"/>
+          </a:xfrm>
+        </p:spPr>
+        <p:txBody>
+          <a:bodyPr>
+            <a:normAutofit fontScale="90000"/>
+          </a:bodyPr>
+          <a:lstStyle/>
+          <a:p>
+            <a:r>
+              <a:rPr lang="en-US" altLang="zh-CN" sz="3555"/>
+              <a:t>Problem Statement</a:t>
+            </a:r>
+            <a:br>
+              <a:rPr lang="en-US" altLang="zh-CN" sz="3555"/>
+            </a:br>
+            <a:endParaRPr lang="en-US" altLang="zh-CN" sz="3555"/>
+          </a:p>
+        </p:txBody>
+      </p:sp>
+      <p:sp>
+        <p:nvSpPr>
+          <p:cNvPr id="3" name="正文"/>
+          <p:cNvSpPr>
+            <a:spLocks noGrp="1"/>
+          </p:cNvSpPr>
+          <p:nvPr>
+            <p:ph idx="1"/>
+            <p:custDataLst>
+              <p:tags r:id="rId2"/>
+            </p:custDataLst>
+          </p:nvPr>
+        </p:nvSpPr>
+        <p:spPr>
+          <a:xfrm>
+            <a:off x="520700" y="1409700"/>
+            <a:ext cx="11273790" cy="4368165"/>
+          </a:xfrm>
+        </p:spPr>
+        <p:txBody>
+          <a:bodyPr>
+            <a:noAutofit/>
+          </a:bodyPr>
+          <a:lstStyle/>
+          <a:p>
+            <a:pPr fontAlgn="auto">
+              <a:lnSpc>
+                <a:spcPct val="100000"/>
+              </a:lnSpc>
+            </a:pPr>
+            <a:r>
+              <a:rPr lang="en-US" altLang="zh-CN" sz="2000" b="1"/>
+              <a:t>Mental Health Issues in the U.S.:</a:t>
+            </a:r>
+            <a:endParaRPr lang="en-US" altLang="zh-CN" sz="2000" b="1"/>
+          </a:p>
+          <a:p>
+            <a:pPr marL="0" indent="0" fontAlgn="auto">
+              <a:lnSpc>
+                <a:spcPct val="100000"/>
+              </a:lnSpc>
+              <a:buNone/>
+            </a:pPr>
+            <a:r>
+              <a:rPr lang="en-US" altLang="zh-CN" sz="2000"/>
+              <a:t>- 1 in 5 adults experienced mental illness in 2022 (~59.3 million people). (NIMH)</a:t>
+            </a:r>
+            <a:endParaRPr lang="en-US" altLang="zh-CN" sz="2000"/>
+          </a:p>
+          <a:p>
+            <a:pPr marL="0" indent="0" fontAlgn="auto">
+              <a:lnSpc>
+                <a:spcPct val="100000"/>
+              </a:lnSpc>
+              <a:buNone/>
+            </a:pPr>
+            <a:r>
+              <a:rPr lang="en-US" altLang="zh-CN" sz="2000"/>
+              <a:t>- Over half did not receive timely treatment. (NIMH) Barriers include workforce shortages, high costs, stigma (BonterraTech, 2023).</a:t>
+            </a:r>
+            <a:endParaRPr lang="en-US" altLang="zh-CN" sz="2000"/>
+          </a:p>
+          <a:p>
+            <a:pPr fontAlgn="auto">
+              <a:lnSpc>
+                <a:spcPct val="100000"/>
+              </a:lnSpc>
+            </a:pPr>
+            <a:r>
+              <a:rPr lang="en-US" altLang="zh-CN" sz="2000" b="1"/>
+              <a:t>Crisis Moments:</a:t>
+            </a:r>
+            <a:endParaRPr lang="en-US" altLang="zh-CN" sz="2000" b="1"/>
+          </a:p>
+          <a:p>
+            <a:pPr marL="0" indent="0" fontAlgn="auto">
+              <a:lnSpc>
+                <a:spcPct val="100000"/>
+              </a:lnSpc>
+              <a:buNone/>
+            </a:pPr>
+            <a:r>
+              <a:rPr lang="en-US" altLang="zh-CN" sz="2000"/>
+              <a:t>- Individuals in acute emotional distress (fear, sadness, anxiety) often cannot clearly express their needs.</a:t>
+            </a:r>
+            <a:endParaRPr lang="en-US" altLang="zh-CN" sz="2000"/>
+          </a:p>
+          <a:p>
+            <a:pPr marL="0" indent="0" fontAlgn="auto">
+              <a:lnSpc>
+                <a:spcPct val="100000"/>
+              </a:lnSpc>
+              <a:buNone/>
+            </a:pPr>
+            <a:r>
+              <a:rPr lang="en-US" altLang="zh-CN" sz="2000"/>
+              <a:t>- Traditional AI chatbots are inadequate for real-time crisis support.</a:t>
+            </a:r>
+            <a:endParaRPr lang="en-US" altLang="zh-CN" sz="2000"/>
+          </a:p>
+          <a:p>
+            <a:pPr fontAlgn="auto">
+              <a:lnSpc>
+                <a:spcPct val="100000"/>
+              </a:lnSpc>
+            </a:pPr>
+            <a:r>
+              <a:rPr lang="en-US" altLang="zh-CN" sz="2000" b="1"/>
+              <a:t>Urgency:</a:t>
+            </a:r>
+            <a:endParaRPr lang="en-US" altLang="zh-CN" sz="2000" b="1"/>
+          </a:p>
+          <a:p>
+            <a:pPr marL="0" indent="0" fontAlgn="auto">
+              <a:lnSpc>
+                <a:spcPct val="100000"/>
+              </a:lnSpc>
+              <a:buNone/>
+            </a:pPr>
+            <a:r>
+              <a:rPr lang="en-US" altLang="zh-CN" sz="2000"/>
+              <a:t>- Without immediate intervention, risks of self-harm or worsening mental health escalate.</a:t>
+            </a:r>
+            <a:endParaRPr lang="en-US" altLang="zh-CN" sz="2000"/>
+          </a:p>
+          <a:p>
+            <a:pPr marL="0" indent="0" fontAlgn="auto">
+              <a:lnSpc>
+                <a:spcPct val="100000"/>
+              </a:lnSpc>
+              <a:buNone/>
+            </a:pPr>
+            <a:r>
+              <a:rPr lang="en-US" altLang="zh-CN" sz="2000"/>
+              <a:t>- There is a critical need for fast, empathetic, and accessible support.</a:t>
+            </a:r>
+            <a:endParaRPr lang="en-US" altLang="zh-CN" sz="2000"/>
+          </a:p>
+        </p:txBody>
+      </p:sp>
+    </p:spTree>
+    <p:custDataLst>
+      <p:tags r:id="rId3"/>
+    </p:custDataLst>
+  </p:cSld>
+  <p:clrMapOvr>
+    <a:masterClrMapping/>
+  </p:clrMapOvr>
+</p:sld>
+</file>
+
+<file path=ppt/slides/slide3.xml><?xml version="1.0" encoding="utf-8"?>
+<p:sld xmlns:a="http://schemas.openxmlformats.org/drawingml/2006/main" xmlns:r="http://schemas.openxmlformats.org/officeDocument/2006/relationships" xmlns:p="http://schemas.openxmlformats.org/presentationml/2006/main">
+  <p:cSld>
+    <p:bg>
+      <p:bgPr>
+        <a:noFill/>
+        <a:effectLst/>
+      </p:bgPr>
+    </p:bg>
+    <p:spTree>
+      <p:nvGrpSpPr>
+        <p:cNvPr id="1" name=""/>
+        <p:cNvGrpSpPr/>
+        <p:nvPr/>
+      </p:nvGrpSpPr>
+      <p:grpSpPr>
+        <a:xfrm>
+          <a:off x="0" y="0"/>
+          <a:ext cx="0" cy="0"/>
+          <a:chOff x="0" y="0"/>
+          <a:chExt cx="0" cy="0"/>
+        </a:xfrm>
+      </p:grpSpPr>
+      <p:sp>
+        <p:nvSpPr>
+          <p:cNvPr id="3" name="文本框 2"/>
+          <p:cNvSpPr txBox="1"/>
+          <p:nvPr/>
+        </p:nvSpPr>
+        <p:spPr>
+          <a:xfrm>
+            <a:off x="514350" y="281940"/>
+            <a:ext cx="7410450" cy="829945"/>
+          </a:xfrm>
+          <a:prstGeom prst="rect">
+            <a:avLst/>
+          </a:prstGeom>
+        </p:spPr>
+        <p:txBody>
+          <a:bodyPr wrap="square">
+            <a:spAutoFit/>
+          </a:bodyPr>
+          <a:p>
+            <a:pPr marL="0" indent="0">
+              <a:spcBef>
+                <a:spcPct val="0"/>
+              </a:spcBef>
+              <a:spcAft>
+                <a:spcPct val="0"/>
+              </a:spcAft>
+            </a:pPr>
+            <a:r>
+              <a:rPr lang="en-US" altLang="zh-CN" sz="4800" b="1" i="0" dirty="0">
+                <a:solidFill>
+                  <a:schemeClr val="accent6"/>
+                </a:solidFill>
+                <a:latin typeface="+mj-lt"/>
+                <a:ea typeface="+mj-ea"/>
+                <a:cs typeface="+mj-cs"/>
+              </a:rPr>
+              <a:t>Proposed Solution</a:t>
+            </a:r>
+            <a:endParaRPr lang="en-US" altLang="zh-CN" sz="3600" b="0" i="0">
+              <a:solidFill>
+                <a:srgbClr val="000000"/>
+              </a:solidFill>
+              <a:latin typeface="Roboto"/>
+              <a:ea typeface="Roboto"/>
+            </a:endParaRPr>
+          </a:p>
+        </p:txBody>
+      </p:sp>
+      <p:sp>
+        <p:nvSpPr>
+          <p:cNvPr id="5" name="文本框 4"/>
+          <p:cNvSpPr txBox="1"/>
+          <p:nvPr/>
+        </p:nvSpPr>
+        <p:spPr>
+          <a:xfrm>
+            <a:off x="514350" y="1111885"/>
+            <a:ext cx="7978140" cy="521970"/>
+          </a:xfrm>
+          <a:prstGeom prst="rect">
+            <a:avLst/>
+          </a:prstGeom>
+        </p:spPr>
+        <p:txBody>
+          <a:bodyPr wrap="square">
+            <a:spAutoFit/>
+          </a:bodyPr>
+          <a:p>
+            <a:pPr marL="0" indent="0">
+              <a:spcBef>
+                <a:spcPct val="0"/>
+              </a:spcBef>
+              <a:spcAft>
+                <a:spcPts val="1800"/>
+              </a:spcAft>
+            </a:pPr>
+            <a:r>
+              <a:rPr lang="en-US" altLang="zh-CN" sz="2800" b="0" i="0">
+                <a:solidFill>
+                  <a:srgbClr val="666666"/>
+                </a:solidFill>
+                <a:latin typeface="Roboto"/>
+                <a:ea typeface="Roboto"/>
+              </a:rPr>
+              <a:t>CalmBot: An AI-Driven Emotional First Aid Assistant</a:t>
+            </a:r>
+            <a:endParaRPr lang="en-US" altLang="zh-CN" sz="2800" b="0" i="0">
+              <a:solidFill>
+                <a:srgbClr val="666666"/>
+              </a:solidFill>
+              <a:latin typeface="Roboto"/>
+              <a:ea typeface="Roboto"/>
+            </a:endParaRPr>
+          </a:p>
+        </p:txBody>
+      </p:sp>
+      <p:sp>
+        <p:nvSpPr>
+          <p:cNvPr id="7" name="文本框 6"/>
+          <p:cNvSpPr txBox="1"/>
+          <p:nvPr/>
+        </p:nvSpPr>
+        <p:spPr>
+          <a:xfrm>
+            <a:off x="514350" y="1809115"/>
+            <a:ext cx="7256145" cy="3659505"/>
+          </a:xfrm>
+          <a:prstGeom prst="rect">
+            <a:avLst/>
+          </a:prstGeom>
+        </p:spPr>
+        <p:txBody>
+          <a:bodyPr>
+            <a:noAutofit/>
+          </a:bodyPr>
+          <a:p>
+            <a:pPr indent="0" fontAlgn="auto">
+              <a:lnSpc>
+                <a:spcPct val="100000"/>
+              </a:lnSpc>
+              <a:spcBef>
+                <a:spcPct val="0"/>
+              </a:spcBef>
+              <a:spcAft>
+                <a:spcPts val="1200"/>
+              </a:spcAft>
+              <a:buFont typeface="Arial" panose="020B0604020202020204"/>
+              <a:buChar char="•"/>
+            </a:pPr>
+            <a:r>
+              <a:rPr lang="en-US" altLang="zh-CN" sz="2800" b="0" i="0">
+                <a:solidFill>
+                  <a:srgbClr val="1F2728"/>
+                </a:solidFill>
+                <a:latin typeface="Roboto"/>
+                <a:ea typeface="Roboto"/>
+              </a:rPr>
+              <a:t> Emotion Detection: Classifies user emotions (e.g., fear, sadness) using fine-tuned NLP.</a:t>
+            </a:r>
+            <a:endParaRPr lang="en-US" altLang="zh-CN" sz="2800" b="0" i="0">
+              <a:solidFill>
+                <a:srgbClr val="1F2728"/>
+              </a:solidFill>
+              <a:latin typeface="Roboto"/>
+              <a:ea typeface="Roboto"/>
+            </a:endParaRPr>
+          </a:p>
+          <a:p>
+            <a:pPr indent="0" fontAlgn="auto">
+              <a:lnSpc>
+                <a:spcPct val="100000"/>
+              </a:lnSpc>
+              <a:spcBef>
+                <a:spcPct val="0"/>
+              </a:spcBef>
+              <a:spcAft>
+                <a:spcPts val="1200"/>
+              </a:spcAft>
+              <a:buFont typeface="Arial" panose="020B0604020202020204"/>
+              <a:buChar char="•"/>
+            </a:pPr>
+            <a:r>
+              <a:rPr lang="en-US" altLang="zh-CN" sz="2800" b="0" i="0">
+                <a:solidFill>
+                  <a:srgbClr val="1F2728"/>
+                </a:solidFill>
+                <a:latin typeface="Roboto"/>
+                <a:ea typeface="Roboto"/>
+              </a:rPr>
+              <a:t> Empathetic Responses: Generates warm, supportive replies with LLMs.</a:t>
+            </a:r>
+            <a:endParaRPr lang="en-US" altLang="zh-CN" sz="2800" b="0" i="0">
+              <a:solidFill>
+                <a:srgbClr val="1F2728"/>
+              </a:solidFill>
+              <a:latin typeface="Roboto"/>
+              <a:ea typeface="Roboto"/>
+            </a:endParaRPr>
+          </a:p>
+          <a:p>
+            <a:pPr indent="0" fontAlgn="auto">
+              <a:lnSpc>
+                <a:spcPct val="100000"/>
+              </a:lnSpc>
+              <a:spcBef>
+                <a:spcPct val="0"/>
+              </a:spcBef>
+              <a:spcAft>
+                <a:spcPts val="1200"/>
+              </a:spcAft>
+              <a:buFont typeface="Arial" panose="020B0604020202020204"/>
+              <a:buChar char="•"/>
+            </a:pPr>
+            <a:r>
+              <a:rPr lang="en-US" altLang="zh-CN" sz="2800" b="0" i="0">
+                <a:solidFill>
+                  <a:srgbClr val="1F2728"/>
+                </a:solidFill>
+                <a:latin typeface="Roboto"/>
+                <a:ea typeface="Roboto"/>
+              </a:rPr>
+              <a:t> Hotline Recommendation: If severe distress is detected, suggests relevant national hotlines.</a:t>
+            </a:r>
+            <a:endParaRPr lang="en-US" altLang="zh-CN" sz="2800" b="0" i="0">
+              <a:solidFill>
+                <a:srgbClr val="1F2728"/>
+              </a:solidFill>
+              <a:latin typeface="Roboto"/>
+              <a:ea typeface="Roboto"/>
+            </a:endParaRPr>
+          </a:p>
+          <a:p>
+            <a:pPr indent="0" fontAlgn="auto">
+              <a:lnSpc>
+                <a:spcPct val="100000"/>
+              </a:lnSpc>
+              <a:spcBef>
+                <a:spcPct val="0"/>
+              </a:spcBef>
+              <a:spcAft>
+                <a:spcPts val="1200"/>
+              </a:spcAft>
+              <a:buFont typeface="Arial" panose="020B0604020202020204"/>
+              <a:buChar char="•"/>
+            </a:pPr>
+            <a:r>
+              <a:rPr lang="en-US" altLang="zh-CN" sz="2800" b="0" i="0">
+                <a:solidFill>
+                  <a:srgbClr val="1F2728"/>
+                </a:solidFill>
+                <a:latin typeface="Roboto"/>
+                <a:ea typeface="Roboto"/>
+              </a:rPr>
+              <a:t> AI-Human Hybrid Model: AI provides immediate help; human services are escalated when needed.</a:t>
+            </a:r>
+            <a:endParaRPr lang="en-US" altLang="zh-CN" sz="2800" b="0" i="0">
+              <a:solidFill>
+                <a:srgbClr val="1F2728"/>
+              </a:solidFill>
+              <a:latin typeface="Roboto"/>
+              <a:ea typeface="Roboto"/>
+            </a:endParaRPr>
+          </a:p>
+        </p:txBody>
+      </p:sp>
+    </p:spTree>
+    <p:custDataLst>
+      <p:tags r:id="rId1"/>
+    </p:custDataLst>
+  </p:cSld>
+  <p:clrMapOvr>
+    <a:masterClrMapping/>
+  </p:clrMapOvr>
+</p:sld>
+</file>
+
+<file path=ppt/slides/slide4.xml><?xml version="1.0" encoding="utf-8"?>
+<p:sld xmlns:a="http://schemas.openxmlformats.org/drawingml/2006/main" xmlns:r="http://schemas.openxmlformats.org/officeDocument/2006/relationships" xmlns:p="http://schemas.openxmlformats.org/presentationml/2006/main">
+  <p:cSld>
+    <p:spTree>
+      <p:nvGrpSpPr>
+        <p:cNvPr id="1" name=""/>
+        <p:cNvGrpSpPr/>
+        <p:nvPr/>
+      </p:nvGrpSpPr>
+      <p:grpSpPr/>
+      <p:sp>
+        <p:nvSpPr>
+          <p:cNvPr id="2" name="标题 1"/>
+          <p:cNvSpPr>
+            <a:spLocks noGrp="1"/>
+          </p:cNvSpPr>
+          <p:nvPr>
+            <p:ph type="title"/>
+          </p:nvPr>
+        </p:nvSpPr>
+        <p:spPr/>
+        <p:txBody>
+          <a:bodyPr/>
+          <a:p>
+            <a:r>
+              <a:rPr lang="en-US" altLang="zh-CN" dirty="0">
+                <a:sym typeface="+mn-ea"/>
+              </a:rPr>
+              <a:t>Methodology &amp; Pipeline</a:t>
+            </a:r>
+            <a:endParaRPr lang="zh-CN" altLang="en-US"/>
+          </a:p>
+        </p:txBody>
+      </p:sp>
+      <p:grpSp>
+        <p:nvGrpSpPr>
+          <p:cNvPr id="10" name="组合 9"/>
+          <p:cNvGrpSpPr/>
+          <p:nvPr/>
+        </p:nvGrpSpPr>
+        <p:grpSpPr>
+          <a:xfrm>
+            <a:off x="480060" y="1756410"/>
+            <a:ext cx="11330940" cy="4419600"/>
+            <a:chOff x="756" y="2058"/>
+            <a:chExt cx="17844" cy="6960"/>
+          </a:xfrm>
+        </p:grpSpPr>
+        <p:pic>
+          <p:nvPicPr>
+            <p:cNvPr id="4" name="图片 3"/>
+            <p:cNvPicPr>
+              <a:picLocks noChangeAspect="1"/>
+            </p:cNvPicPr>
+            <p:nvPr/>
+          </p:nvPicPr>
+          <p:blipFill>
+            <a:blip r:embed="rId1"/>
+            <a:stretch>
+              <a:fillRect/>
+            </a:stretch>
+          </p:blipFill>
+          <p:spPr>
+            <a:xfrm>
+              <a:off x="756" y="2058"/>
+              <a:ext cx="7524" cy="2064"/>
+            </a:xfrm>
+            <a:prstGeom prst="rect">
+              <a:avLst/>
+            </a:prstGeom>
+          </p:spPr>
+        </p:pic>
+        <p:pic>
+          <p:nvPicPr>
+            <p:cNvPr id="5" name="图片 4"/>
+            <p:cNvPicPr>
+              <a:picLocks noChangeAspect="1"/>
+            </p:cNvPicPr>
+            <p:nvPr/>
+          </p:nvPicPr>
+          <p:blipFill>
+            <a:blip r:embed="rId2"/>
+            <a:stretch>
+              <a:fillRect/>
+            </a:stretch>
+          </p:blipFill>
+          <p:spPr>
+            <a:xfrm>
+              <a:off x="8592" y="2214"/>
+              <a:ext cx="10008" cy="1980"/>
+            </a:xfrm>
+            <a:prstGeom prst="rect">
+              <a:avLst/>
+            </a:prstGeom>
+          </p:spPr>
+        </p:pic>
+        <p:pic>
+          <p:nvPicPr>
+            <p:cNvPr id="6" name="图片 5"/>
+            <p:cNvPicPr>
+              <a:picLocks noChangeAspect="1"/>
+            </p:cNvPicPr>
+            <p:nvPr/>
+          </p:nvPicPr>
+          <p:blipFill>
+            <a:blip r:embed="rId3"/>
+            <a:stretch>
+              <a:fillRect/>
+            </a:stretch>
+          </p:blipFill>
+          <p:spPr>
+            <a:xfrm>
+              <a:off x="864" y="4590"/>
+              <a:ext cx="6672" cy="1848"/>
+            </a:xfrm>
+            <a:prstGeom prst="rect">
+              <a:avLst/>
+            </a:prstGeom>
+          </p:spPr>
+        </p:pic>
+        <p:pic>
+          <p:nvPicPr>
+            <p:cNvPr id="7" name="图片 6"/>
+            <p:cNvPicPr>
+              <a:picLocks noChangeAspect="1"/>
+            </p:cNvPicPr>
+            <p:nvPr/>
+          </p:nvPicPr>
+          <p:blipFill>
+            <a:blip r:embed="rId4"/>
+            <a:stretch>
+              <a:fillRect/>
+            </a:stretch>
+          </p:blipFill>
+          <p:spPr>
+            <a:xfrm>
+              <a:off x="8592" y="4392"/>
+              <a:ext cx="9228" cy="2052"/>
+            </a:xfrm>
+            <a:prstGeom prst="rect">
+              <a:avLst/>
+            </a:prstGeom>
+          </p:spPr>
+        </p:pic>
+        <p:pic>
+          <p:nvPicPr>
+            <p:cNvPr id="8" name="图片 7"/>
+            <p:cNvPicPr>
+              <a:picLocks noChangeAspect="1"/>
+            </p:cNvPicPr>
+            <p:nvPr/>
+          </p:nvPicPr>
+          <p:blipFill>
+            <a:blip r:embed="rId5"/>
+            <a:stretch>
+              <a:fillRect/>
+            </a:stretch>
+          </p:blipFill>
+          <p:spPr>
+            <a:xfrm>
+              <a:off x="768" y="7038"/>
+              <a:ext cx="7032" cy="1980"/>
+            </a:xfrm>
+            <a:prstGeom prst="rect">
+              <a:avLst/>
+            </a:prstGeom>
+          </p:spPr>
+        </p:pic>
+        <p:pic>
+          <p:nvPicPr>
+            <p:cNvPr id="9" name="图片 8"/>
+            <p:cNvPicPr>
+              <a:picLocks noChangeAspect="1"/>
+            </p:cNvPicPr>
+            <p:nvPr/>
+          </p:nvPicPr>
+          <p:blipFill>
+            <a:blip r:embed="rId6"/>
+            <a:stretch>
+              <a:fillRect/>
+            </a:stretch>
+          </p:blipFill>
+          <p:spPr>
+            <a:xfrm>
+              <a:off x="8592" y="6966"/>
+              <a:ext cx="4848" cy="2052"/>
+            </a:xfrm>
+            <a:prstGeom prst="rect">
+              <a:avLst/>
+            </a:prstGeom>
+          </p:spPr>
+        </p:pic>
+      </p:grpSp>
+    </p:spTree>
+    <p:custDataLst>
+      <p:tags r:id="rId7"/>
+    </p:custDataLst>
+  </p:cSld>
+  <p:clrMapOvr>
+    <a:masterClrMapping/>
+  </p:clrMapOvr>
+</p:sld>
+</file>
+
+<file path=ppt/slides/slide5.xml><?xml version="1.0" encoding="utf-8"?>
+<p:sld xmlns:a="http://schemas.openxmlformats.org/drawingml/2006/main" xmlns:r="http://schemas.openxmlformats.org/officeDocument/2006/relationships" xmlns:p="http://schemas.openxmlformats.org/presentationml/2006/main">
+  <p:cSld>
+    <p:spTree>
+      <p:nvGrpSpPr>
+        <p:cNvPr id="1" name=""/>
+        <p:cNvGrpSpPr/>
+        <p:nvPr/>
+      </p:nvGrpSpPr>
+      <p:grpSpPr/>
+      <p:pic>
+        <p:nvPicPr>
+          <p:cNvPr id="4" name="图片 3"/>
+          <p:cNvPicPr>
+            <a:picLocks noChangeAspect="1"/>
+          </p:cNvPicPr>
+          <p:nvPr/>
+        </p:nvPicPr>
+        <p:blipFill>
+          <a:blip r:embed="rId1"/>
+          <a:stretch>
+            <a:fillRect/>
+          </a:stretch>
+        </p:blipFill>
+        <p:spPr>
+          <a:xfrm>
+            <a:off x="390525" y="2901950"/>
+            <a:ext cx="5318760" cy="1936115"/>
+          </a:xfrm>
+          <a:prstGeom prst="rect">
+            <a:avLst/>
+          </a:prstGeom>
+        </p:spPr>
+      </p:pic>
+      <p:pic>
+        <p:nvPicPr>
+          <p:cNvPr id="5" name="图片 4"/>
+          <p:cNvPicPr>
+            <a:picLocks noChangeAspect="1"/>
+          </p:cNvPicPr>
+          <p:nvPr/>
+        </p:nvPicPr>
+        <p:blipFill>
+          <a:blip r:embed="rId2"/>
+          <a:stretch>
+            <a:fillRect/>
+          </a:stretch>
+        </p:blipFill>
+        <p:spPr>
+          <a:xfrm>
+            <a:off x="5808345" y="610870"/>
+            <a:ext cx="6200775" cy="5635625"/>
+          </a:xfrm>
+          <a:prstGeom prst="rect">
+            <a:avLst/>
+          </a:prstGeom>
+        </p:spPr>
+      </p:pic>
+      <p:sp>
+        <p:nvSpPr>
+          <p:cNvPr id="8" name="标题 7"/>
+          <p:cNvSpPr>
+            <a:spLocks noGrp="1"/>
+          </p:cNvSpPr>
+          <p:nvPr>
+            <p:ph type="title"/>
+          </p:nvPr>
+        </p:nvSpPr>
+        <p:spPr>
+          <a:xfrm>
+            <a:off x="321310" y="1208405"/>
+            <a:ext cx="4793615" cy="864235"/>
+          </a:xfrm>
+        </p:spPr>
+        <p:txBody>
+          <a:bodyPr/>
+          <a:p>
+            <a:r>
+              <a:rPr lang="en-US" altLang="zh-CN" dirty="0">
+                <a:sym typeface="+mn-ea"/>
+              </a:rPr>
+              <a:t>Step 6 in Detail</a:t>
+            </a:r>
+            <a:endParaRPr lang="zh-CN" altLang="en-US"/>
+          </a:p>
+        </p:txBody>
+      </p:sp>
+    </p:spTree>
+    <p:custDataLst>
+      <p:tags r:id="rId3"/>
+    </p:custDataLst>
+  </p:cSld>
+  <p:clrMapOvr>
+    <a:masterClrMapping/>
+  </p:clrMapOvr>
+</p:sld>
+</file>
+
+<file path=ppt/slides/slide6.xml><?xml version="1.0" encoding="utf-8"?>
+<p:sld xmlns:a="http://schemas.openxmlformats.org/drawingml/2006/main" xmlns:r="http://schemas.openxmlformats.org/officeDocument/2006/relationships" xmlns:p="http://schemas.openxmlformats.org/presentationml/2006/main">
+  <p:cSld>
+    <p:spTree>
+      <p:nvGrpSpPr>
+        <p:cNvPr id="1" name=""/>
+        <p:cNvGrpSpPr/>
+        <p:nvPr/>
+      </p:nvGrpSpPr>
+      <p:grpSpPr/>
+      <p:pic>
+        <p:nvPicPr>
+          <p:cNvPr id="6" name="图片 5"/>
+          <p:cNvPicPr>
+            <a:picLocks noChangeAspect="1"/>
+          </p:cNvPicPr>
+          <p:nvPr/>
+        </p:nvPicPr>
+        <p:blipFill>
+          <a:blip r:embed="rId1"/>
+          <a:stretch>
+            <a:fillRect/>
+          </a:stretch>
+        </p:blipFill>
+        <p:spPr>
+          <a:xfrm>
+            <a:off x="480060" y="1386840"/>
+            <a:ext cx="7879080" cy="3208020"/>
+          </a:xfrm>
+          <a:prstGeom prst="rect">
+            <a:avLst/>
+          </a:prstGeom>
+        </p:spPr>
+      </p:pic>
+      <p:pic>
+        <p:nvPicPr>
+          <p:cNvPr id="7" name="图片 6"/>
+          <p:cNvPicPr>
+            <a:picLocks noChangeAspect="1"/>
+          </p:cNvPicPr>
+          <p:nvPr/>
+        </p:nvPicPr>
+        <p:blipFill>
+          <a:blip r:embed="rId2"/>
+          <a:stretch>
+            <a:fillRect/>
+          </a:stretch>
+        </p:blipFill>
+        <p:spPr>
+          <a:xfrm>
+            <a:off x="480060" y="4926330"/>
+            <a:ext cx="10949940" cy="1455420"/>
+          </a:xfrm>
+          <a:prstGeom prst="rect">
+            <a:avLst/>
+          </a:prstGeom>
+        </p:spPr>
+      </p:pic>
+      <p:sp>
+        <p:nvSpPr>
+          <p:cNvPr id="8" name="标题 7"/>
+          <p:cNvSpPr>
+            <a:spLocks noGrp="1"/>
+          </p:cNvSpPr>
+          <p:nvPr/>
+        </p:nvSpPr>
+        <p:spPr>
+          <a:xfrm>
+            <a:off x="-2764155" y="522560"/>
+            <a:ext cx="10515600" cy="864000"/>
+          </a:xfrm>
+          <a:prstGeom prst="rect">
+            <a:avLst/>
+          </a:prstGeom>
+        </p:spPr>
+        <p:txBody>
+          <a:bodyPr vert="horz" lIns="0" tIns="0" rIns="0" bIns="0" rtlCol="0" anchor="ctr">
+            <a:normAutofit/>
+          </a:bodyPr>
+          <a:lstStyle>
+            <a:lvl1pPr algn="ctr" defTabSz="914400" rtl="0" eaLnBrk="1" latinLnBrk="0" hangingPunct="1">
+              <a:lnSpc>
+                <a:spcPct val="100000"/>
+              </a:lnSpc>
+              <a:spcBef>
+                <a:spcPct val="0"/>
+              </a:spcBef>
+              <a:buNone/>
+              <a:defRPr sz="4000" b="1" kern="1200">
+                <a:solidFill>
+                  <a:schemeClr val="accent6"/>
+                </a:solidFill>
+                <a:latin typeface="+mj-lt"/>
+                <a:ea typeface="+mj-ea"/>
+                <a:cs typeface="+mj-cs"/>
+              </a:defRPr>
+            </a:lvl1pPr>
+          </a:lstStyle>
+          <a:p>
+            <a:r>
+              <a:rPr lang="en-US" altLang="zh-CN" dirty="0">
+                <a:sym typeface="+mn-ea"/>
+              </a:rPr>
+              <a:t>Step 6 in Detail</a:t>
+            </a:r>
+            <a:endParaRPr lang="zh-CN" altLang="en-US"/>
+          </a:p>
+        </p:txBody>
+      </p:sp>
+    </p:spTree>
+    <p:custDataLst>
+      <p:tags r:id="rId3"/>
+    </p:custDataLst>
+  </p:cSld>
+  <p:clrMapOvr>
+    <a:masterClrMapping/>
+  </p:clrMapOvr>
+</p:sld>
+</file>
+
+<file path=ppt/slides/slide7.xml><?xml version="1.0" encoding="utf-8"?>
+<p:sld xmlns:a="http://schemas.openxmlformats.org/drawingml/2006/main" xmlns:r="http://schemas.openxmlformats.org/officeDocument/2006/relationships" xmlns:p="http://schemas.openxmlformats.org/presentationml/2006/main">
+  <p:cSld>
+    <p:spTree>
+      <p:nvGrpSpPr>
+        <p:cNvPr id="1" name=""/>
+        <p:cNvGrpSpPr/>
+        <p:nvPr/>
+      </p:nvGrpSpPr>
+      <p:grpSpPr/>
+      <p:sp>
+        <p:nvSpPr>
+          <p:cNvPr id="8" name="圆角矩形 7"/>
+          <p:cNvSpPr/>
+          <p:nvPr/>
+        </p:nvSpPr>
+        <p:spPr>
+          <a:xfrm>
+            <a:off x="603885" y="1819910"/>
+            <a:ext cx="4625340" cy="408940"/>
+          </a:xfrm>
+          <a:prstGeom prst="roundRect">
+            <a:avLst/>
+          </a:prstGeom>
+          <a:solidFill>
+            <a:schemeClr val="accent6"/>
+          </a:solidFill>
+          <a:ln>
+            <a:noFill/>
+          </a:ln>
+        </p:spPr>
+        <p:style>
+          <a:lnRef idx="2">
+            <a:schemeClr val="accent1">
+              <a:lumMod val="75000"/>
+            </a:schemeClr>
+          </a:lnRef>
+          <a:fillRef idx="1">
+            <a:schemeClr val="accent1"/>
+          </a:fillRef>
+          <a:effectRef idx="0">
+            <a:srgbClr val="FFFFFF"/>
+          </a:effectRef>
+          <a:fontRef idx="minor">
+            <a:schemeClr val="lt1"/>
+          </a:fontRef>
+        </p:style>
+        <p:txBody>
+          <a:bodyPr rtlCol="0" anchor="ctr"/>
+          <a:p>
+            <a:pPr algn="l"/>
+            <a:r>
+              <a:rPr lang="en-US" altLang="zh-CN" dirty="0">
+                <a:solidFill>
+                  <a:srgbClr val="FFFFFF"/>
+                </a:solidFill>
+                <a:sym typeface="+mn-ea"/>
+              </a:rPr>
+              <a:t>Veteran PTSD Case</a:t>
+            </a:r>
+            <a:endParaRPr lang="zh-CN" altLang="en-US"/>
+          </a:p>
+        </p:txBody>
+      </p:sp>
+      <p:sp>
+        <p:nvSpPr>
+          <p:cNvPr id="2" name="标题 1"/>
+          <p:cNvSpPr>
+            <a:spLocks noGrp="1"/>
+          </p:cNvSpPr>
+          <p:nvPr>
+            <p:ph type="title"/>
+          </p:nvPr>
+        </p:nvSpPr>
+        <p:spPr>
+          <a:xfrm>
+            <a:off x="495935" y="472440"/>
+            <a:ext cx="8236585" cy="864235"/>
+          </a:xfrm>
+        </p:spPr>
+        <p:txBody>
+          <a:bodyPr>
+            <a:normAutofit/>
+          </a:bodyPr>
+          <a:p>
+            <a:r>
+              <a:rPr lang="en-US" altLang="zh-CN">
+                <a:sym typeface="+mn-ea"/>
+              </a:rPr>
+              <a:t>CalmBot Full Interaction Example </a:t>
+            </a:r>
+            <a:endParaRPr lang="zh-CN" altLang="en-US"/>
+          </a:p>
+        </p:txBody>
+      </p:sp>
+      <p:pic>
+        <p:nvPicPr>
+          <p:cNvPr id="11" name="图片 10"/>
+          <p:cNvPicPr/>
+          <p:nvPr/>
+        </p:nvPicPr>
+        <p:blipFill>
+          <a:blip r:embed="rId1"/>
+          <a:stretch>
+            <a:fillRect/>
+          </a:stretch>
+        </p:blipFill>
+        <p:spPr>
+          <a:xfrm>
+            <a:off x="7642860" y="1250315"/>
+            <a:ext cx="3520440" cy="1691005"/>
+          </a:xfrm>
+          <a:prstGeom prst="rect">
+            <a:avLst/>
+          </a:prstGeom>
+        </p:spPr>
+      </p:pic>
+      <p:pic>
+        <p:nvPicPr>
+          <p:cNvPr id="13" name="图片 12"/>
+          <p:cNvPicPr>
+            <a:picLocks noChangeAspect="1"/>
+          </p:cNvPicPr>
+          <p:nvPr/>
+        </p:nvPicPr>
+        <p:blipFill>
+          <a:blip r:embed="rId2"/>
+          <a:stretch>
+            <a:fillRect/>
+          </a:stretch>
+        </p:blipFill>
+        <p:spPr>
+          <a:xfrm>
+            <a:off x="73660" y="2941320"/>
+            <a:ext cx="12045315" cy="2750185"/>
+          </a:xfrm>
+          <a:prstGeom prst="rect">
+            <a:avLst/>
+          </a:prstGeom>
+        </p:spPr>
+      </p:pic>
+    </p:spTree>
+    <p:custDataLst>
+      <p:tags r:id="rId3"/>
+    </p:custDataLst>
+  </p:cSld>
+  <p:clrMapOvr>
+    <a:masterClrMapping/>
+  </p:clrMapOvr>
+</p:sld>
+</file>
+
+<file path=ppt/slides/slide8.xml><?xml version="1.0" encoding="utf-8"?>
+<p:sld xmlns:a="http://schemas.openxmlformats.org/drawingml/2006/main" xmlns:r="http://schemas.openxmlformats.org/officeDocument/2006/relationships" xmlns:p="http://schemas.openxmlformats.org/presentationml/2006/main">
+  <p:cSld>
+    <p:spTree>
+      <p:nvGrpSpPr>
+        <p:cNvPr id="1" name=""/>
+        <p:cNvGrpSpPr/>
+        <p:nvPr/>
+      </p:nvGrpSpPr>
+      <p:grpSpPr>
+        <a:xfrm>
+          <a:off x="0" y="0"/>
+          <a:ext cx="0" cy="0"/>
+          <a:chOff x="0" y="0"/>
+          <a:chExt cx="0" cy="0"/>
+        </a:xfrm>
+      </p:grpSpPr>
+      <p:cxnSp>
+        <p:nvCxnSpPr>
+          <p:cNvPr id="12" name="直接连接符 11"/>
+          <p:cNvCxnSpPr/>
+          <p:nvPr>
+            <p:custDataLst>
+              <p:tags r:id="rId1"/>
+            </p:custDataLst>
+          </p:nvPr>
+        </p:nvCxnSpPr>
+        <p:spPr>
+          <a:xfrm>
+            <a:off x="787690" y="2401643"/>
+            <a:ext cx="2268040" cy="0"/>
+          </a:xfrm>
+          <a:prstGeom prst="line">
+            <a:avLst/>
+          </a:prstGeom>
+          <a:ln w="9525">
+            <a:solidFill>
+              <a:schemeClr val="accent1"/>
+            </a:solidFill>
+          </a:ln>
+        </p:spPr>
+        <p:style>
+          <a:lnRef idx="1">
+            <a:schemeClr val="accent1"/>
+          </a:lnRef>
+          <a:fillRef idx="0">
+            <a:schemeClr val="accent1"/>
+          </a:fillRef>
+          <a:effectRef idx="0">
+            <a:schemeClr val="accent1"/>
+          </a:effectRef>
+          <a:fontRef idx="minor">
+            <a:schemeClr val="tx1"/>
+          </a:fontRef>
+        </p:style>
+      </p:cxnSp>
+      <p:sp>
+        <p:nvSpPr>
+          <p:cNvPr id="2" name="矩形 1"/>
+          <p:cNvSpPr/>
+          <p:nvPr>
+            <p:custDataLst>
+              <p:tags r:id="rId2"/>
+            </p:custDataLst>
+          </p:nvPr>
+        </p:nvSpPr>
+        <p:spPr>
+          <a:xfrm>
+            <a:off x="833755" y="2524125"/>
+            <a:ext cx="2222500" cy="3217545"/>
+          </a:xfrm>
+          <a:prstGeom prst="rect">
+            <a:avLst/>
+          </a:prstGeom>
+          <a:noFill/>
+        </p:spPr>
+        <p:txBody>
+          <a:bodyPr wrap="square" lIns="0" tIns="0" rIns="0" bIns="0" rtlCol="0" anchor="t" anchorCtr="0">
+            <a:noAutofit/>
+          </a:bodyPr>
+          <a:lstStyle/>
+          <a:p>
+            <a:pPr algn="l">
+              <a:lnSpc>
+                <a:spcPct val="130000"/>
+              </a:lnSpc>
+              <a:spcBef>
+                <a:spcPct val="0"/>
+              </a:spcBef>
+              <a:spcAft>
+                <a:spcPct val="0"/>
+              </a:spcAft>
+            </a:pPr>
+            <a:r>
+              <a:rPr lang="en-US" altLang="zh-CN" sz="1600">
+                <a:ln>
+                  <a:noFill/>
+                  <a:prstDash val="sysDot"/>
+                </a:ln>
+                <a:solidFill>
+                  <a:schemeClr val="tx1">
+                    <a:lumMod val="85000"/>
+                    <a:lumOff val="15000"/>
+                  </a:schemeClr>
+                </a:solidFill>
+                <a:latin typeface="+mn-ea"/>
+                <a:cs typeface="+mn-ea"/>
+              </a:rPr>
+              <a:t>Unable to run large models like Mistral-7B due to memory constraints.  </a:t>
+            </a:r>
+            <a:endParaRPr lang="en-US" altLang="zh-CN" sz="1600">
+              <a:ln>
+                <a:noFill/>
+                <a:prstDash val="sysDot"/>
+              </a:ln>
+              <a:solidFill>
+                <a:schemeClr val="tx1">
+                  <a:lumMod val="85000"/>
+                  <a:lumOff val="15000"/>
+                </a:schemeClr>
+              </a:solidFill>
+              <a:latin typeface="+mn-ea"/>
+              <a:cs typeface="+mn-ea"/>
+            </a:endParaRPr>
+          </a:p>
+          <a:p>
+            <a:pPr algn="just">
+              <a:lnSpc>
+                <a:spcPct val="130000"/>
+              </a:lnSpc>
+              <a:spcBef>
+                <a:spcPct val="0"/>
+              </a:spcBef>
+              <a:spcAft>
+                <a:spcPct val="0"/>
+              </a:spcAft>
+            </a:pPr>
+            <a:endParaRPr lang="en-US" altLang="zh-CN" sz="1600">
+              <a:ln>
+                <a:noFill/>
+                <a:prstDash val="sysDot"/>
+              </a:ln>
+              <a:solidFill>
+                <a:schemeClr val="tx1">
+                  <a:lumMod val="85000"/>
+                  <a:lumOff val="15000"/>
+                </a:schemeClr>
+              </a:solidFill>
+              <a:latin typeface="+mn-ea"/>
+              <a:cs typeface="+mn-ea"/>
+            </a:endParaRPr>
+          </a:p>
+          <a:p>
+            <a:pPr algn="just">
+              <a:lnSpc>
+                <a:spcPct val="130000"/>
+              </a:lnSpc>
+              <a:spcBef>
+                <a:spcPct val="0"/>
+              </a:spcBef>
+              <a:spcAft>
+                <a:spcPct val="0"/>
+              </a:spcAft>
+            </a:pPr>
+            <a:endParaRPr lang="en-US" altLang="zh-CN" sz="1600">
+              <a:ln>
+                <a:noFill/>
+                <a:prstDash val="sysDot"/>
+              </a:ln>
+              <a:solidFill>
+                <a:schemeClr val="tx1">
+                  <a:lumMod val="85000"/>
+                  <a:lumOff val="15000"/>
+                </a:schemeClr>
+              </a:solidFill>
+              <a:latin typeface="+mn-ea"/>
+              <a:cs typeface="+mn-ea"/>
+            </a:endParaRPr>
+          </a:p>
+          <a:p>
+            <a:pPr algn="l">
+              <a:lnSpc>
+                <a:spcPct val="130000"/>
+              </a:lnSpc>
+              <a:spcBef>
+                <a:spcPct val="0"/>
+              </a:spcBef>
+              <a:spcAft>
+                <a:spcPct val="0"/>
+              </a:spcAft>
+            </a:pPr>
+            <a:r>
+              <a:rPr lang="en-US" altLang="zh-CN" sz="1600">
+                <a:ln>
+                  <a:noFill/>
+                  <a:prstDash val="sysDot"/>
+                </a:ln>
+                <a:solidFill>
+                  <a:schemeClr val="tx1">
+                    <a:lumMod val="85000"/>
+                    <a:lumOff val="15000"/>
+                  </a:schemeClr>
+                </a:solidFill>
+                <a:latin typeface="+mn-ea"/>
+                <a:cs typeface="+mn-ea"/>
+              </a:rPr>
+              <a:t>Switched to lightweight models (DistilRoBERTa, Falcon-RW-1B).</a:t>
+            </a:r>
+            <a:endParaRPr lang="en-US" altLang="zh-CN" sz="1600">
+              <a:ln>
+                <a:noFill/>
+                <a:prstDash val="sysDot"/>
+              </a:ln>
+              <a:solidFill>
+                <a:schemeClr val="tx1">
+                  <a:lumMod val="85000"/>
+                  <a:lumOff val="15000"/>
+                </a:schemeClr>
+              </a:solidFill>
+              <a:latin typeface="+mn-ea"/>
+              <a:cs typeface="+mn-ea"/>
+            </a:endParaRPr>
+          </a:p>
+        </p:txBody>
+      </p:sp>
+      <p:sp>
+        <p:nvSpPr>
+          <p:cNvPr id="3" name="矩形 2"/>
+          <p:cNvSpPr/>
+          <p:nvPr>
+            <p:custDataLst>
+              <p:tags r:id="rId3"/>
+            </p:custDataLst>
+          </p:nvPr>
+        </p:nvSpPr>
+        <p:spPr>
+          <a:xfrm>
+            <a:off x="811530" y="1797050"/>
+            <a:ext cx="2080260" cy="588645"/>
+          </a:xfrm>
+          <a:prstGeom prst="rect">
+            <a:avLst/>
+          </a:prstGeom>
+          <a:noFill/>
+        </p:spPr>
+        <p:txBody>
+          <a:bodyPr wrap="square" lIns="0" tIns="0" rIns="0" bIns="0" rtlCol="0" anchor="ctr">
+            <a:noAutofit/>
+          </a:bodyPr>
+          <a:lstStyle/>
+          <a:p>
+            <a:pPr>
+              <a:spcBef>
+                <a:spcPct val="0"/>
+              </a:spcBef>
+              <a:spcAft>
+                <a:spcPct val="0"/>
+              </a:spcAft>
+            </a:pPr>
+            <a:r>
+              <a:rPr lang="en-US" altLang="zh-CN" sz="2000" b="1">
+                <a:solidFill>
+                  <a:schemeClr val="accent1"/>
+                </a:solidFill>
+                <a:latin typeface="+mn-ea"/>
+                <a:cs typeface="+mn-ea"/>
+              </a:rPr>
+              <a:t>Hardware Limitations</a:t>
+            </a:r>
+            <a:endParaRPr lang="en-US" altLang="zh-CN" sz="2000" b="1">
+              <a:solidFill>
+                <a:schemeClr val="accent1"/>
+              </a:solidFill>
+              <a:latin typeface="+mn-ea"/>
+              <a:cs typeface="+mn-ea"/>
+            </a:endParaRPr>
+          </a:p>
+        </p:txBody>
+      </p:sp>
+      <p:cxnSp>
+        <p:nvCxnSpPr>
+          <p:cNvPr id="34" name="直接连接符 33"/>
+          <p:cNvCxnSpPr/>
+          <p:nvPr>
+            <p:custDataLst>
+              <p:tags r:id="rId4"/>
+            </p:custDataLst>
+          </p:nvPr>
+        </p:nvCxnSpPr>
+        <p:spPr>
+          <a:xfrm>
+            <a:off x="3579513" y="2401643"/>
+            <a:ext cx="2268040" cy="0"/>
+          </a:xfrm>
+          <a:prstGeom prst="line">
+            <a:avLst/>
+          </a:prstGeom>
+          <a:ln w="9525">
+            <a:solidFill>
+              <a:schemeClr val="accent1"/>
+            </a:solidFill>
+          </a:ln>
+        </p:spPr>
+        <p:style>
+          <a:lnRef idx="1">
+            <a:schemeClr val="accent1"/>
+          </a:lnRef>
+          <a:fillRef idx="0">
+            <a:schemeClr val="accent1"/>
+          </a:fillRef>
+          <a:effectRef idx="0">
+            <a:schemeClr val="accent1"/>
+          </a:effectRef>
+          <a:fontRef idx="minor">
+            <a:schemeClr val="tx1"/>
+          </a:fontRef>
+        </p:style>
+      </p:cxnSp>
+      <p:sp>
+        <p:nvSpPr>
+          <p:cNvPr id="6" name="矩形 5"/>
+          <p:cNvSpPr/>
+          <p:nvPr>
+            <p:custDataLst>
+              <p:tags r:id="rId5"/>
+            </p:custDataLst>
+          </p:nvPr>
+        </p:nvSpPr>
+        <p:spPr>
+          <a:xfrm>
+            <a:off x="3625303" y="2524397"/>
+            <a:ext cx="2222250" cy="2257469"/>
+          </a:xfrm>
+          <a:prstGeom prst="rect">
+            <a:avLst/>
+          </a:prstGeom>
+          <a:noFill/>
+        </p:spPr>
+        <p:txBody>
+          <a:bodyPr wrap="square" lIns="0" tIns="0" rIns="0" bIns="0" rtlCol="0" anchor="t" anchorCtr="0">
+            <a:noAutofit/>
+          </a:bodyPr>
+          <a:lstStyle/>
+          <a:p>
+            <a:pPr algn="l">
+              <a:lnSpc>
+                <a:spcPct val="130000"/>
+              </a:lnSpc>
+              <a:spcBef>
+                <a:spcPct val="0"/>
+              </a:spcBef>
+              <a:spcAft>
+                <a:spcPct val="0"/>
+              </a:spcAft>
+            </a:pPr>
+            <a:r>
+              <a:rPr lang="en-US" altLang="zh-CN" sz="1600">
+                <a:ln>
+                  <a:noFill/>
+                  <a:prstDash val="sysDot"/>
+                </a:ln>
+                <a:solidFill>
+                  <a:schemeClr val="tx1">
+                    <a:lumMod val="85000"/>
+                    <a:lumOff val="15000"/>
+                  </a:schemeClr>
+                </a:solidFill>
+                <a:latin typeface="+mn-ea"/>
+                <a:cs typeface="+mn-ea"/>
+              </a:rPr>
+              <a:t>Early prompts were too verbose, causing inconsistent outputs.</a:t>
+            </a:r>
+            <a:endParaRPr lang="en-US" altLang="zh-CN" sz="1600">
+              <a:ln>
+                <a:noFill/>
+                <a:prstDash val="sysDot"/>
+              </a:ln>
+              <a:solidFill>
+                <a:schemeClr val="tx1">
+                  <a:lumMod val="85000"/>
+                  <a:lumOff val="15000"/>
+                </a:schemeClr>
+              </a:solidFill>
+              <a:latin typeface="+mn-ea"/>
+              <a:cs typeface="+mn-ea"/>
+            </a:endParaRPr>
+          </a:p>
+          <a:p>
+            <a:pPr algn="just">
+              <a:lnSpc>
+                <a:spcPct val="130000"/>
+              </a:lnSpc>
+              <a:spcBef>
+                <a:spcPct val="0"/>
+              </a:spcBef>
+              <a:spcAft>
+                <a:spcPct val="0"/>
+              </a:spcAft>
+            </a:pPr>
+            <a:endParaRPr lang="en-US" altLang="zh-CN" sz="1600">
+              <a:ln>
+                <a:noFill/>
+                <a:prstDash val="sysDot"/>
+              </a:ln>
+              <a:solidFill>
+                <a:schemeClr val="tx1">
+                  <a:lumMod val="85000"/>
+                  <a:lumOff val="15000"/>
+                </a:schemeClr>
+              </a:solidFill>
+              <a:latin typeface="+mn-ea"/>
+              <a:cs typeface="+mn-ea"/>
+            </a:endParaRPr>
+          </a:p>
+          <a:p>
+            <a:pPr algn="just">
+              <a:lnSpc>
+                <a:spcPct val="130000"/>
+              </a:lnSpc>
+              <a:spcBef>
+                <a:spcPct val="0"/>
+              </a:spcBef>
+              <a:spcAft>
+                <a:spcPct val="0"/>
+              </a:spcAft>
+            </a:pPr>
+            <a:endParaRPr lang="en-US" altLang="zh-CN" sz="1600">
+              <a:ln>
+                <a:noFill/>
+                <a:prstDash val="sysDot"/>
+              </a:ln>
+              <a:solidFill>
+                <a:schemeClr val="tx1">
+                  <a:lumMod val="85000"/>
+                  <a:lumOff val="15000"/>
+                </a:schemeClr>
+              </a:solidFill>
+              <a:latin typeface="+mn-ea"/>
+              <a:cs typeface="+mn-ea"/>
+            </a:endParaRPr>
+          </a:p>
+          <a:p>
+            <a:pPr algn="just">
+              <a:lnSpc>
+                <a:spcPct val="130000"/>
+              </a:lnSpc>
+              <a:spcBef>
+                <a:spcPct val="0"/>
+              </a:spcBef>
+              <a:spcAft>
+                <a:spcPct val="0"/>
+              </a:spcAft>
+            </a:pPr>
+            <a:endParaRPr lang="en-US" altLang="zh-CN" sz="1600">
+              <a:ln>
+                <a:noFill/>
+                <a:prstDash val="sysDot"/>
+              </a:ln>
+              <a:solidFill>
+                <a:schemeClr val="tx1">
+                  <a:lumMod val="85000"/>
+                  <a:lumOff val="15000"/>
+                </a:schemeClr>
+              </a:solidFill>
+              <a:latin typeface="+mn-ea"/>
+              <a:cs typeface="+mn-ea"/>
+            </a:endParaRPr>
+          </a:p>
+          <a:p>
+            <a:pPr algn="l">
+              <a:lnSpc>
+                <a:spcPct val="130000"/>
+              </a:lnSpc>
+              <a:spcBef>
+                <a:spcPct val="0"/>
+              </a:spcBef>
+              <a:spcAft>
+                <a:spcPct val="0"/>
+              </a:spcAft>
+            </a:pPr>
+            <a:r>
+              <a:rPr lang="en-US" altLang="zh-CN" sz="1600">
+                <a:ln>
+                  <a:noFill/>
+                  <a:prstDash val="sysDot"/>
+                </a:ln>
+                <a:solidFill>
+                  <a:schemeClr val="tx1">
+                    <a:lumMod val="85000"/>
+                    <a:lumOff val="15000"/>
+                  </a:schemeClr>
+                </a:solidFill>
+                <a:latin typeface="+mn-ea"/>
+                <a:cs typeface="+mn-ea"/>
+              </a:rPr>
+              <a:t>Standardized simple, structured, role-guided prompts.</a:t>
+            </a:r>
+            <a:endParaRPr lang="en-US" altLang="zh-CN" sz="1600">
+              <a:ln>
+                <a:noFill/>
+                <a:prstDash val="sysDot"/>
+              </a:ln>
+              <a:solidFill>
+                <a:schemeClr val="tx1">
+                  <a:lumMod val="85000"/>
+                  <a:lumOff val="15000"/>
+                </a:schemeClr>
+              </a:solidFill>
+              <a:latin typeface="+mn-ea"/>
+              <a:cs typeface="+mn-ea"/>
+            </a:endParaRPr>
+          </a:p>
+        </p:txBody>
+      </p:sp>
+      <p:sp>
+        <p:nvSpPr>
+          <p:cNvPr id="8" name="矩形 7"/>
+          <p:cNvSpPr/>
+          <p:nvPr>
+            <p:custDataLst>
+              <p:tags r:id="rId6"/>
+            </p:custDataLst>
+          </p:nvPr>
+        </p:nvSpPr>
+        <p:spPr>
+          <a:xfrm>
+            <a:off x="3603625" y="1797050"/>
+            <a:ext cx="1942465" cy="588645"/>
+          </a:xfrm>
+          <a:prstGeom prst="rect">
+            <a:avLst/>
+          </a:prstGeom>
+          <a:noFill/>
+        </p:spPr>
+        <p:txBody>
+          <a:bodyPr wrap="square" lIns="0" tIns="0" rIns="0" bIns="0" rtlCol="0" anchor="ctr">
+            <a:noAutofit/>
+          </a:bodyPr>
+          <a:lstStyle/>
+          <a:p>
+            <a:pPr algn="l">
+              <a:spcBef>
+                <a:spcPct val="0"/>
+              </a:spcBef>
+              <a:spcAft>
+                <a:spcPct val="0"/>
+              </a:spcAft>
+            </a:pPr>
+            <a:r>
+              <a:rPr lang="en-US" altLang="zh-CN" sz="2000" b="1">
+                <a:solidFill>
+                  <a:schemeClr val="accent1"/>
+                </a:solidFill>
+                <a:latin typeface="+mn-ea"/>
+                <a:cs typeface="+mn-ea"/>
+              </a:rPr>
+              <a:t>Prompt Design Instability</a:t>
+            </a:r>
+            <a:endParaRPr lang="en-US" altLang="zh-CN" sz="2000" b="1">
+              <a:solidFill>
+                <a:schemeClr val="accent1"/>
+              </a:solidFill>
+              <a:latin typeface="+mn-ea"/>
+              <a:cs typeface="+mn-ea"/>
+            </a:endParaRPr>
+          </a:p>
+        </p:txBody>
+      </p:sp>
+      <p:cxnSp>
+        <p:nvCxnSpPr>
+          <p:cNvPr id="53" name="直接连接符 52"/>
+          <p:cNvCxnSpPr/>
+          <p:nvPr>
+            <p:custDataLst>
+              <p:tags r:id="rId7"/>
+            </p:custDataLst>
+          </p:nvPr>
+        </p:nvCxnSpPr>
+        <p:spPr>
+          <a:xfrm>
+            <a:off x="6371336" y="2401643"/>
+            <a:ext cx="2268040" cy="0"/>
+          </a:xfrm>
+          <a:prstGeom prst="line">
+            <a:avLst/>
+          </a:prstGeom>
+          <a:ln w="9525">
+            <a:solidFill>
+              <a:schemeClr val="accent1"/>
+            </a:solidFill>
+          </a:ln>
+        </p:spPr>
+        <p:style>
+          <a:lnRef idx="1">
+            <a:schemeClr val="accent1"/>
+          </a:lnRef>
+          <a:fillRef idx="0">
+            <a:schemeClr val="accent1"/>
+          </a:fillRef>
+          <a:effectRef idx="0">
+            <a:schemeClr val="accent1"/>
+          </a:effectRef>
+          <a:fontRef idx="minor">
+            <a:schemeClr val="tx1"/>
+          </a:fontRef>
+        </p:style>
+      </p:cxnSp>
+      <p:sp>
+        <p:nvSpPr>
+          <p:cNvPr id="10" name="矩形 9"/>
+          <p:cNvSpPr/>
+          <p:nvPr>
+            <p:custDataLst>
+              <p:tags r:id="rId8"/>
+            </p:custDataLst>
+          </p:nvPr>
+        </p:nvSpPr>
+        <p:spPr>
+          <a:xfrm>
+            <a:off x="6417126" y="2524397"/>
+            <a:ext cx="2222250" cy="2257469"/>
+          </a:xfrm>
+          <a:prstGeom prst="rect">
+            <a:avLst/>
+          </a:prstGeom>
+          <a:noFill/>
+        </p:spPr>
+        <p:txBody>
+          <a:bodyPr wrap="square" lIns="0" tIns="0" rIns="0" bIns="0" rtlCol="0" anchor="t" anchorCtr="0">
+            <a:noAutofit/>
+          </a:bodyPr>
+          <a:lstStyle/>
+          <a:p>
+            <a:pPr algn="l">
+              <a:lnSpc>
+                <a:spcPct val="130000"/>
+              </a:lnSpc>
+              <a:spcBef>
+                <a:spcPct val="0"/>
+              </a:spcBef>
+              <a:spcAft>
+                <a:spcPct val="0"/>
+              </a:spcAft>
+            </a:pPr>
+            <a:r>
+              <a:rPr lang="en-US" altLang="zh-CN" sz="1600">
+                <a:ln>
+                  <a:noFill/>
+                  <a:prstDash val="sysDot"/>
+                </a:ln>
+                <a:solidFill>
+                  <a:schemeClr val="tx1">
+                    <a:lumMod val="85000"/>
+                    <a:lumOff val="15000"/>
+                  </a:schemeClr>
+                </a:solidFill>
+                <a:latin typeface="+mn-ea"/>
+                <a:cs typeface="+mn-ea"/>
+              </a:rPr>
+              <a:t>Responses sometimes included irrelevant or repetitive trailing content.</a:t>
+            </a:r>
+            <a:endParaRPr lang="en-US" altLang="zh-CN" sz="1600">
+              <a:ln>
+                <a:noFill/>
+                <a:prstDash val="sysDot"/>
+              </a:ln>
+              <a:solidFill>
+                <a:schemeClr val="tx1">
+                  <a:lumMod val="85000"/>
+                  <a:lumOff val="15000"/>
+                </a:schemeClr>
+              </a:solidFill>
+              <a:latin typeface="+mn-ea"/>
+              <a:cs typeface="+mn-ea"/>
+            </a:endParaRPr>
+          </a:p>
+          <a:p>
+            <a:pPr algn="just">
+              <a:lnSpc>
+                <a:spcPct val="130000"/>
+              </a:lnSpc>
+              <a:spcBef>
+                <a:spcPct val="0"/>
+              </a:spcBef>
+              <a:spcAft>
+                <a:spcPct val="0"/>
+              </a:spcAft>
+            </a:pPr>
+            <a:endParaRPr lang="en-US" altLang="zh-CN" sz="1600">
+              <a:ln>
+                <a:noFill/>
+                <a:prstDash val="sysDot"/>
+              </a:ln>
+              <a:solidFill>
+                <a:schemeClr val="tx1">
+                  <a:lumMod val="85000"/>
+                  <a:lumOff val="15000"/>
+                </a:schemeClr>
+              </a:solidFill>
+              <a:latin typeface="+mn-ea"/>
+              <a:cs typeface="+mn-ea"/>
+            </a:endParaRPr>
+          </a:p>
+          <a:p>
+            <a:pPr algn="just">
+              <a:lnSpc>
+                <a:spcPct val="130000"/>
+              </a:lnSpc>
+              <a:spcBef>
+                <a:spcPct val="0"/>
+              </a:spcBef>
+              <a:spcAft>
+                <a:spcPct val="0"/>
+              </a:spcAft>
+            </a:pPr>
+            <a:endParaRPr lang="en-US" altLang="zh-CN" sz="1600">
+              <a:ln>
+                <a:noFill/>
+                <a:prstDash val="sysDot"/>
+              </a:ln>
+              <a:solidFill>
+                <a:schemeClr val="tx1">
+                  <a:lumMod val="85000"/>
+                  <a:lumOff val="15000"/>
+                </a:schemeClr>
+              </a:solidFill>
+              <a:latin typeface="+mn-ea"/>
+              <a:cs typeface="+mn-ea"/>
+            </a:endParaRPr>
+          </a:p>
+          <a:p>
+            <a:pPr algn="l">
+              <a:lnSpc>
+                <a:spcPct val="130000"/>
+              </a:lnSpc>
+              <a:spcBef>
+                <a:spcPct val="0"/>
+              </a:spcBef>
+              <a:spcAft>
+                <a:spcPct val="0"/>
+              </a:spcAft>
+            </a:pPr>
+            <a:r>
+              <a:rPr lang="en-US" altLang="zh-CN" sz="1600">
+                <a:ln>
+                  <a:noFill/>
+                  <a:prstDash val="sysDot"/>
+                </a:ln>
+                <a:solidFill>
+                  <a:schemeClr val="tx1">
+                    <a:lumMod val="85000"/>
+                    <a:lumOff val="15000"/>
+                  </a:schemeClr>
+                </a:solidFill>
+                <a:latin typeface="+mn-ea"/>
+                <a:cs typeface="+mn-ea"/>
+              </a:rPr>
+              <a:t>Tuned generation parameters; partial mitigation achieved.</a:t>
+            </a:r>
+            <a:endParaRPr lang="en-US" altLang="zh-CN" sz="1600">
+              <a:ln>
+                <a:noFill/>
+                <a:prstDash val="sysDot"/>
+              </a:ln>
+              <a:solidFill>
+                <a:schemeClr val="tx1">
+                  <a:lumMod val="85000"/>
+                  <a:lumOff val="15000"/>
+                </a:schemeClr>
+              </a:solidFill>
+              <a:latin typeface="+mn-ea"/>
+              <a:cs typeface="+mn-ea"/>
+            </a:endParaRPr>
+          </a:p>
+        </p:txBody>
+      </p:sp>
+      <p:sp>
+        <p:nvSpPr>
+          <p:cNvPr id="11" name="矩形 10"/>
+          <p:cNvSpPr/>
+          <p:nvPr>
+            <p:custDataLst>
+              <p:tags r:id="rId9"/>
+            </p:custDataLst>
+          </p:nvPr>
+        </p:nvSpPr>
+        <p:spPr>
+          <a:xfrm>
+            <a:off x="6395424" y="1796828"/>
+            <a:ext cx="1744801" cy="588948"/>
+          </a:xfrm>
+          <a:prstGeom prst="rect">
+            <a:avLst/>
+          </a:prstGeom>
+          <a:noFill/>
+        </p:spPr>
+        <p:txBody>
+          <a:bodyPr wrap="square" lIns="0" tIns="0" rIns="0" bIns="0" rtlCol="0" anchor="ctr">
+            <a:noAutofit/>
+          </a:bodyPr>
+          <a:lstStyle/>
+          <a:p>
+            <a:pPr>
+              <a:spcBef>
+                <a:spcPct val="0"/>
+              </a:spcBef>
+              <a:spcAft>
+                <a:spcPct val="0"/>
+              </a:spcAft>
+            </a:pPr>
+            <a:r>
+              <a:rPr lang="en-US" altLang="zh-CN" sz="2000" b="1">
+                <a:solidFill>
+                  <a:schemeClr val="accent1"/>
+                </a:solidFill>
+                <a:latin typeface="+mn-ea"/>
+                <a:cs typeface="+mn-ea"/>
+              </a:rPr>
+              <a:t>Output Drift</a:t>
+            </a:r>
+            <a:endParaRPr lang="en-US" altLang="zh-CN" sz="2000" b="1">
+              <a:solidFill>
+                <a:schemeClr val="accent1"/>
+              </a:solidFill>
+              <a:latin typeface="+mn-ea"/>
+              <a:cs typeface="+mn-ea"/>
+            </a:endParaRPr>
+          </a:p>
+        </p:txBody>
+      </p:sp>
+      <p:sp>
+        <p:nvSpPr>
+          <p:cNvPr id="13" name="矩形 12"/>
+          <p:cNvSpPr/>
+          <p:nvPr>
+            <p:custDataLst>
+              <p:tags r:id="rId10"/>
+            </p:custDataLst>
+          </p:nvPr>
+        </p:nvSpPr>
+        <p:spPr>
+          <a:xfrm>
+            <a:off x="8161927" y="1791881"/>
+            <a:ext cx="477448" cy="588949"/>
+          </a:xfrm>
+          <a:prstGeom prst="rect">
+            <a:avLst/>
+          </a:prstGeom>
+          <a:noFill/>
+        </p:spPr>
+        <p:txBody>
+          <a:bodyPr wrap="none" lIns="0" tIns="0" rIns="0" bIns="0" rtlCol="0" anchor="ctr">
+            <a:normAutofit/>
+          </a:bodyPr>
+          <a:lstStyle/>
+          <a:p>
+            <a:pPr algn="r">
+              <a:spcBef>
+                <a:spcPct val="0"/>
+              </a:spcBef>
+              <a:spcAft>
+                <a:spcPct val="0"/>
+              </a:spcAft>
+            </a:pPr>
+            <a:endParaRPr lang="zh-CN" altLang="en-US" sz="2400" b="1">
+              <a:solidFill>
+                <a:schemeClr val="accent1"/>
+              </a:solidFill>
+              <a:latin typeface="+mn-ea"/>
+              <a:cs typeface="+mn-ea"/>
+            </a:endParaRPr>
+          </a:p>
+        </p:txBody>
+      </p:sp>
+      <p:cxnSp>
+        <p:nvCxnSpPr>
+          <p:cNvPr id="59" name="直接连接符 58"/>
+          <p:cNvCxnSpPr/>
+          <p:nvPr>
+            <p:custDataLst>
+              <p:tags r:id="rId11"/>
+            </p:custDataLst>
+          </p:nvPr>
+        </p:nvCxnSpPr>
+        <p:spPr>
+          <a:xfrm>
+            <a:off x="9163159" y="2401643"/>
+            <a:ext cx="2268040" cy="0"/>
+          </a:xfrm>
+          <a:prstGeom prst="line">
+            <a:avLst/>
+          </a:prstGeom>
+          <a:ln w="9525">
+            <a:solidFill>
+              <a:schemeClr val="accent1"/>
+            </a:solidFill>
+          </a:ln>
+        </p:spPr>
+        <p:style>
+          <a:lnRef idx="1">
+            <a:schemeClr val="accent1"/>
+          </a:lnRef>
+          <a:fillRef idx="0">
+            <a:schemeClr val="accent1"/>
+          </a:fillRef>
+          <a:effectRef idx="0">
+            <a:schemeClr val="accent1"/>
+          </a:effectRef>
+          <a:fontRef idx="minor">
+            <a:schemeClr val="tx1"/>
+          </a:fontRef>
+        </p:style>
+      </p:cxnSp>
+      <p:sp>
+        <p:nvSpPr>
+          <p:cNvPr id="14" name="矩形 13"/>
+          <p:cNvSpPr/>
+          <p:nvPr>
+            <p:custDataLst>
+              <p:tags r:id="rId12"/>
+            </p:custDataLst>
+          </p:nvPr>
+        </p:nvSpPr>
+        <p:spPr>
+          <a:xfrm>
+            <a:off x="9208949" y="2524397"/>
+            <a:ext cx="2222250" cy="2257469"/>
+          </a:xfrm>
+          <a:prstGeom prst="rect">
+            <a:avLst/>
+          </a:prstGeom>
+          <a:noFill/>
+        </p:spPr>
+        <p:txBody>
+          <a:bodyPr wrap="square" lIns="0" tIns="0" rIns="0" bIns="0" rtlCol="0" anchor="t" anchorCtr="0">
+            <a:noAutofit/>
+          </a:bodyPr>
+          <a:lstStyle/>
+          <a:p>
+            <a:pPr algn="l">
+              <a:lnSpc>
+                <a:spcPct val="130000"/>
+              </a:lnSpc>
+              <a:spcBef>
+                <a:spcPct val="0"/>
+              </a:spcBef>
+              <a:spcAft>
+                <a:spcPct val="0"/>
+              </a:spcAft>
+            </a:pPr>
+            <a:r>
+              <a:rPr lang="en-US" altLang="zh-CN" sz="1600">
+                <a:ln>
+                  <a:noFill/>
+                  <a:prstDash val="sysDot"/>
+                </a:ln>
+                <a:solidFill>
+                  <a:schemeClr val="tx1">
+                    <a:lumMod val="85000"/>
+                    <a:lumOff val="15000"/>
+                  </a:schemeClr>
+                </a:solidFill>
+                <a:latin typeface="+mn-ea"/>
+                <a:cs typeface="+mn-ea"/>
+              </a:rPr>
+              <a:t>Small models lacked full conversational nuance and depth.</a:t>
+            </a:r>
+            <a:endParaRPr lang="en-US" altLang="zh-CN" sz="1600">
+              <a:ln>
+                <a:noFill/>
+                <a:prstDash val="sysDot"/>
+              </a:ln>
+              <a:solidFill>
+                <a:schemeClr val="tx1">
+                  <a:lumMod val="85000"/>
+                  <a:lumOff val="15000"/>
+                </a:schemeClr>
+              </a:solidFill>
+              <a:latin typeface="+mn-ea"/>
+              <a:cs typeface="+mn-ea"/>
+            </a:endParaRPr>
+          </a:p>
+          <a:p>
+            <a:pPr algn="just">
+              <a:lnSpc>
+                <a:spcPct val="130000"/>
+              </a:lnSpc>
+              <a:spcBef>
+                <a:spcPct val="0"/>
+              </a:spcBef>
+              <a:spcAft>
+                <a:spcPct val="0"/>
+              </a:spcAft>
+            </a:pPr>
+            <a:endParaRPr lang="en-US" altLang="zh-CN" sz="1600">
+              <a:ln>
+                <a:noFill/>
+                <a:prstDash val="sysDot"/>
+              </a:ln>
+              <a:solidFill>
+                <a:schemeClr val="tx1">
+                  <a:lumMod val="85000"/>
+                  <a:lumOff val="15000"/>
+                </a:schemeClr>
+              </a:solidFill>
+              <a:latin typeface="+mn-ea"/>
+              <a:cs typeface="+mn-ea"/>
+            </a:endParaRPr>
+          </a:p>
+          <a:p>
+            <a:pPr algn="just">
+              <a:lnSpc>
+                <a:spcPct val="130000"/>
+              </a:lnSpc>
+              <a:spcBef>
+                <a:spcPct val="0"/>
+              </a:spcBef>
+              <a:spcAft>
+                <a:spcPct val="0"/>
+              </a:spcAft>
+            </a:pPr>
+            <a:endParaRPr lang="en-US" altLang="zh-CN" sz="1600">
+              <a:ln>
+                <a:noFill/>
+                <a:prstDash val="sysDot"/>
+              </a:ln>
+              <a:solidFill>
+                <a:schemeClr val="tx1">
+                  <a:lumMod val="85000"/>
+                  <a:lumOff val="15000"/>
+                </a:schemeClr>
+              </a:solidFill>
+              <a:latin typeface="+mn-ea"/>
+              <a:cs typeface="+mn-ea"/>
+            </a:endParaRPr>
+          </a:p>
+          <a:p>
+            <a:pPr algn="just">
+              <a:lnSpc>
+                <a:spcPct val="130000"/>
+              </a:lnSpc>
+              <a:spcBef>
+                <a:spcPct val="0"/>
+              </a:spcBef>
+              <a:spcAft>
+                <a:spcPct val="0"/>
+              </a:spcAft>
+            </a:pPr>
+            <a:endParaRPr lang="en-US" altLang="zh-CN" sz="1600">
+              <a:ln>
+                <a:noFill/>
+                <a:prstDash val="sysDot"/>
+              </a:ln>
+              <a:solidFill>
+                <a:schemeClr val="tx1">
+                  <a:lumMod val="85000"/>
+                  <a:lumOff val="15000"/>
+                </a:schemeClr>
+              </a:solidFill>
+              <a:latin typeface="+mn-ea"/>
+              <a:cs typeface="+mn-ea"/>
+            </a:endParaRPr>
+          </a:p>
+          <a:p>
+            <a:pPr algn="l">
+              <a:lnSpc>
+                <a:spcPct val="130000"/>
+              </a:lnSpc>
+              <a:spcBef>
+                <a:spcPct val="0"/>
+              </a:spcBef>
+              <a:spcAft>
+                <a:spcPct val="0"/>
+              </a:spcAft>
+            </a:pPr>
+            <a:r>
+              <a:rPr lang="en-US" altLang="zh-CN" sz="1600">
+                <a:ln>
+                  <a:noFill/>
+                  <a:prstDash val="sysDot"/>
+                </a:ln>
+                <a:solidFill>
+                  <a:schemeClr val="tx1">
+                    <a:lumMod val="85000"/>
+                    <a:lumOff val="15000"/>
+                  </a:schemeClr>
+                </a:solidFill>
+                <a:latin typeface="+mn-ea"/>
+                <a:cs typeface="+mn-ea"/>
+              </a:rPr>
+              <a:t>Improved prompts; accepted as a hardware-driven limitation.</a:t>
+            </a:r>
+            <a:endParaRPr lang="en-US" altLang="zh-CN" sz="1600">
+              <a:ln>
+                <a:noFill/>
+                <a:prstDash val="sysDot"/>
+              </a:ln>
+              <a:solidFill>
+                <a:schemeClr val="tx1">
+                  <a:lumMod val="85000"/>
+                  <a:lumOff val="15000"/>
+                </a:schemeClr>
+              </a:solidFill>
+              <a:latin typeface="+mn-ea"/>
+              <a:cs typeface="+mn-ea"/>
+            </a:endParaRPr>
+          </a:p>
+        </p:txBody>
+      </p:sp>
+      <p:sp>
+        <p:nvSpPr>
+          <p:cNvPr id="15" name="矩形 14"/>
+          <p:cNvSpPr/>
+          <p:nvPr>
+            <p:custDataLst>
+              <p:tags r:id="rId13"/>
+            </p:custDataLst>
+          </p:nvPr>
+        </p:nvSpPr>
+        <p:spPr>
+          <a:xfrm>
+            <a:off x="9187180" y="1797050"/>
+            <a:ext cx="2244090" cy="588645"/>
+          </a:xfrm>
+          <a:prstGeom prst="rect">
+            <a:avLst/>
+          </a:prstGeom>
+          <a:noFill/>
+        </p:spPr>
+        <p:txBody>
+          <a:bodyPr wrap="square" lIns="0" tIns="0" rIns="0" bIns="0" rtlCol="0" anchor="ctr">
+            <a:noAutofit/>
+          </a:bodyPr>
+          <a:lstStyle/>
+          <a:p>
+            <a:pPr>
+              <a:spcBef>
+                <a:spcPct val="0"/>
+              </a:spcBef>
+              <a:spcAft>
+                <a:spcPct val="0"/>
+              </a:spcAft>
+            </a:pPr>
+            <a:r>
+              <a:rPr lang="en-US" altLang="zh-CN" sz="2000" b="1">
+                <a:solidFill>
+                  <a:schemeClr val="accent1"/>
+                </a:solidFill>
+                <a:latin typeface="+mn-ea"/>
+                <a:cs typeface="+mn-ea"/>
+              </a:rPr>
+              <a:t>Limited Model Naturalness</a:t>
+            </a:r>
+            <a:endParaRPr lang="en-US" altLang="zh-CN" sz="2000" b="1">
+              <a:solidFill>
+                <a:schemeClr val="accent1"/>
+              </a:solidFill>
+              <a:latin typeface="+mn-ea"/>
+              <a:cs typeface="+mn-ea"/>
+            </a:endParaRPr>
+          </a:p>
+        </p:txBody>
+      </p:sp>
+      <p:sp>
+        <p:nvSpPr>
+          <p:cNvPr id="31" name="标题 1"/>
+          <p:cNvSpPr>
+            <a:spLocks noGrp="1"/>
+          </p:cNvSpPr>
+          <p:nvPr>
+            <p:custDataLst>
+              <p:tags r:id="rId14"/>
+            </p:custDataLst>
+          </p:nvPr>
+        </p:nvSpPr>
+        <p:spPr>
+          <a:xfrm>
+            <a:off x="965200" y="584790"/>
+            <a:ext cx="10515600" cy="864000"/>
+          </a:xfrm>
+          <a:prstGeom prst="rect">
+            <a:avLst/>
+          </a:prstGeom>
+        </p:spPr>
+        <p:txBody>
+          <a:bodyPr vert="horz" lIns="0" tIns="0" rIns="0" bIns="0" rtlCol="0" anchor="ctr">
+            <a:normAutofit/>
+          </a:bodyPr>
+          <a:lstStyle>
+            <a:lvl1pPr algn="ctr" defTabSz="914400" rtl="0" eaLnBrk="1" latinLnBrk="0" hangingPunct="1">
+              <a:lnSpc>
+                <a:spcPct val="100000"/>
+              </a:lnSpc>
+              <a:spcBef>
+                <a:spcPct val="0"/>
+              </a:spcBef>
+              <a:buNone/>
+              <a:defRPr sz="4000" b="1" kern="1200">
+                <a:solidFill>
+                  <a:schemeClr val="accent6"/>
+                </a:solidFill>
+                <a:latin typeface="+mj-lt"/>
+                <a:ea typeface="+mj-ea"/>
+                <a:cs typeface="+mj-cs"/>
+              </a:defRPr>
+            </a:lvl1pPr>
+          </a:lstStyle>
+          <a:p>
+            <a:r>
+              <a:rPr lang="en-US" altLang="zh-CN"/>
+              <a:t>CalmBot Project – Key Challenges </a:t>
+            </a:r>
+            <a:endParaRPr lang="en-US" altLang="zh-CN"/>
+          </a:p>
+        </p:txBody>
+      </p:sp>
+      <p:sp>
+        <p:nvSpPr>
+          <p:cNvPr id="32" name="下箭头 31"/>
+          <p:cNvSpPr/>
+          <p:nvPr/>
+        </p:nvSpPr>
+        <p:spPr>
+          <a:xfrm>
+            <a:off x="1489710" y="3863340"/>
+            <a:ext cx="502920" cy="472440"/>
+          </a:xfrm>
+          <a:prstGeom prst="downArrow">
+            <a:avLst/>
+          </a:prstGeom>
+          <a:solidFill>
+            <a:schemeClr val="accent6"/>
+          </a:solidFill>
+          <a:ln>
+            <a:noFill/>
+          </a:ln>
+        </p:spPr>
+        <p:style>
+          <a:lnRef idx="2">
+            <a:schemeClr val="accent1">
+              <a:lumMod val="75000"/>
+            </a:schemeClr>
+          </a:lnRef>
+          <a:fillRef idx="1">
+            <a:schemeClr val="accent1"/>
+          </a:fillRef>
+          <a:effectRef idx="0">
+            <a:srgbClr val="FFFFFF"/>
+          </a:effectRef>
+          <a:fontRef idx="minor">
+            <a:schemeClr val="lt1"/>
+          </a:fontRef>
+        </p:style>
+        <p:txBody>
+          <a:bodyPr rtlCol="0" anchor="ctr"/>
+          <a:p>
+            <a:pPr algn="ctr"/>
+            <a:endParaRPr lang="zh-CN" altLang="en-US"/>
+          </a:p>
+        </p:txBody>
+      </p:sp>
+      <p:sp>
+        <p:nvSpPr>
+          <p:cNvPr id="65" name="下箭头 64"/>
+          <p:cNvSpPr/>
+          <p:nvPr/>
+        </p:nvSpPr>
+        <p:spPr>
+          <a:xfrm>
+            <a:off x="10020935" y="3863340"/>
+            <a:ext cx="502920" cy="472440"/>
+          </a:xfrm>
+          <a:prstGeom prst="downArrow">
+            <a:avLst/>
+          </a:prstGeom>
+          <a:solidFill>
+            <a:schemeClr val="accent6"/>
+          </a:solidFill>
+          <a:ln>
+            <a:noFill/>
+          </a:ln>
+        </p:spPr>
+        <p:style>
+          <a:lnRef idx="2">
+            <a:schemeClr val="accent1">
+              <a:lumMod val="75000"/>
+            </a:schemeClr>
+          </a:lnRef>
+          <a:fillRef idx="1">
+            <a:schemeClr val="accent1"/>
+          </a:fillRef>
+          <a:effectRef idx="0">
+            <a:srgbClr val="FFFFFF"/>
+          </a:effectRef>
+          <a:fontRef idx="minor">
+            <a:schemeClr val="lt1"/>
+          </a:fontRef>
+        </p:style>
+        <p:txBody>
+          <a:bodyPr rtlCol="0" anchor="ctr"/>
+          <a:p>
+            <a:pPr algn="ctr"/>
+            <a:endParaRPr lang="zh-CN" altLang="en-US"/>
+          </a:p>
+        </p:txBody>
+      </p:sp>
+      <p:sp>
+        <p:nvSpPr>
+          <p:cNvPr id="66" name="下箭头 65"/>
+          <p:cNvSpPr/>
+          <p:nvPr/>
+        </p:nvSpPr>
+        <p:spPr>
+          <a:xfrm>
+            <a:off x="7195820" y="3896995"/>
+            <a:ext cx="502920" cy="472440"/>
+          </a:xfrm>
+          <a:prstGeom prst="downArrow">
+            <a:avLst/>
+          </a:prstGeom>
+          <a:solidFill>
+            <a:schemeClr val="accent6"/>
+          </a:solidFill>
+          <a:ln>
+            <a:noFill/>
+          </a:ln>
+        </p:spPr>
+        <p:style>
+          <a:lnRef idx="2">
+            <a:schemeClr val="accent1">
+              <a:lumMod val="75000"/>
+            </a:schemeClr>
+          </a:lnRef>
+          <a:fillRef idx="1">
+            <a:schemeClr val="accent1"/>
+          </a:fillRef>
+          <a:effectRef idx="0">
+            <a:srgbClr val="FFFFFF"/>
+          </a:effectRef>
+          <a:fontRef idx="minor">
+            <a:schemeClr val="lt1"/>
+          </a:fontRef>
+        </p:style>
+        <p:txBody>
+          <a:bodyPr rtlCol="0" anchor="ctr"/>
+          <a:p>
+            <a:pPr algn="ctr"/>
+            <a:endParaRPr lang="zh-CN" altLang="en-US"/>
+          </a:p>
+        </p:txBody>
+      </p:sp>
+      <p:sp>
+        <p:nvSpPr>
+          <p:cNvPr id="67" name="下箭头 66"/>
+          <p:cNvSpPr/>
+          <p:nvPr/>
+        </p:nvSpPr>
+        <p:spPr>
+          <a:xfrm>
+            <a:off x="4371340" y="3896995"/>
+            <a:ext cx="502920" cy="472440"/>
+          </a:xfrm>
+          <a:prstGeom prst="downArrow">
+            <a:avLst/>
+          </a:prstGeom>
+          <a:solidFill>
+            <a:schemeClr val="accent6"/>
+          </a:solidFill>
+          <a:ln>
+            <a:noFill/>
+          </a:ln>
+        </p:spPr>
+        <p:style>
+          <a:lnRef idx="2">
+            <a:schemeClr val="accent1">
+              <a:lumMod val="75000"/>
+            </a:schemeClr>
+          </a:lnRef>
+          <a:fillRef idx="1">
+            <a:schemeClr val="accent1"/>
+          </a:fillRef>
+          <a:effectRef idx="0">
+            <a:srgbClr val="FFFFFF"/>
+          </a:effectRef>
+          <a:fontRef idx="minor">
+            <a:schemeClr val="lt1"/>
+          </a:fontRef>
+        </p:style>
+        <p:txBody>
+          <a:bodyPr rtlCol="0" anchor="ctr"/>
+          <a:p>
+            <a:pPr algn="ctr"/>
+            <a:endParaRPr lang="zh-CN" altLang="en-US"/>
+          </a:p>
+        </p:txBody>
+      </p:sp>
+    </p:spTree>
+    <p:custDataLst>
+      <p:tags r:id="rId15"/>
+    </p:custDataLst>
+  </p:cSld>
+  <p:clrMapOvr>
+    <a:masterClrMapping/>
+  </p:clrMapOvr>
+</p:sld>
+</file>
+
+<file path=ppt/slides/slide9.xml><?xml version="1.0" encoding="utf-8"?>
 <p:sld xmlns:a="http://schemas.openxmlformats.org/drawingml/2006/main" xmlns:r="http://schemas.openxmlformats.org/officeDocument/2006/relationships" xmlns:p="http://schemas.openxmlformats.org/presentationml/2006/main">
   <p:cSld>
     <p:spTree>
@@ -24931,7 +27499,7 @@
                 <a:cs typeface="+mn-ea"/>
                 <a:sym typeface="+mn-ea"/>
               </a:rPr>
-              <a:t>Train a custom, multi-label emotion classifier with finer emotional granularity and real-time intensity scaling.</a:t>
+              <a:t>Train a custom, multi-label emotion classifier with better emotion detection and real-time intensity scaling.</a:t>
             </a:r>
             <a:endParaRPr lang="en-US" altLang="zh-CN" sz="1400" dirty="0">
               <a:solidFill>
@@ -28596,2943 +31164,6 @@
 </p:sld>
 </file>
 
-<file path=ppt/slides/slide11.xml><?xml version="1.0" encoding="utf-8"?>
-<p:sld xmlns:a="http://schemas.openxmlformats.org/drawingml/2006/main" xmlns:r="http://schemas.openxmlformats.org/officeDocument/2006/relationships" xmlns:p="http://schemas.openxmlformats.org/presentationml/2006/main">
-  <p:cSld>
-    <p:spTree>
-      <p:nvGrpSpPr>
-        <p:cNvPr id="1" name=""/>
-        <p:cNvGrpSpPr/>
-        <p:nvPr/>
-      </p:nvGrpSpPr>
-      <p:grpSpPr/>
-      <p:sp>
-        <p:nvSpPr>
-          <p:cNvPr id="2" name="标题 1"/>
-          <p:cNvSpPr>
-            <a:spLocks noGrp="1"/>
-          </p:cNvSpPr>
-          <p:nvPr>
-            <p:ph type="title"/>
-          </p:nvPr>
-        </p:nvSpPr>
-        <p:spPr/>
-        <p:txBody>
-          <a:bodyPr/>
-          <a:p>
-            <a:r>
-              <a:rPr lang="en-US" altLang="zh-CN">
-                <a:sym typeface="+mn-ea"/>
-              </a:rPr>
-              <a:t>Works Cited</a:t>
-            </a:r>
-            <a:endParaRPr lang="zh-CN" altLang="en-US"/>
-          </a:p>
-        </p:txBody>
-      </p:sp>
-      <p:sp>
-        <p:nvSpPr>
-          <p:cNvPr id="3" name="文本框 2"/>
-          <p:cNvSpPr txBox="1"/>
-          <p:nvPr/>
-        </p:nvSpPr>
-        <p:spPr>
-          <a:xfrm>
-            <a:off x="365125" y="1659255"/>
-            <a:ext cx="11394440" cy="4313555"/>
-          </a:xfrm>
-          <a:prstGeom prst="rect">
-            <a:avLst/>
-          </a:prstGeom>
-        </p:spPr>
-        <p:txBody>
-          <a:bodyPr wrap="square">
-            <a:noAutofit/>
-          </a:bodyPr>
-          <a:p>
-            <a:pPr marL="285750" indent="-285750" algn="l" fontAlgn="auto">
-              <a:lnSpc>
-                <a:spcPct val="150000"/>
-              </a:lnSpc>
-              <a:buClrTx/>
-              <a:buSzTx/>
-              <a:buFont typeface="Arial" panose="020B0604020202020204"/>
-              <a:buChar char="•"/>
-            </a:pPr>
-            <a:r>
-              <a:rPr lang="en-US" altLang="zh-CN" sz="1600"/>
-              <a:t>National Institute of Mental Health (NIMH). Mental Illness. 2022. </a:t>
-            </a:r>
-            <a:r>
-              <a:rPr lang="en-US" altLang="zh-CN" sz="1600">
-                <a:hlinkClick r:id="rId1"/>
-              </a:rPr>
-              <a:t>https://www.nimh.nih.gov/health/statistics/mental-illness</a:t>
-            </a:r>
-            <a:r>
-              <a:rPr lang="en-US" altLang="zh-CN" sz="1600"/>
-              <a:t>.</a:t>
-            </a:r>
-            <a:endParaRPr lang="en-US" altLang="zh-CN" sz="1600"/>
-          </a:p>
-          <a:p>
-            <a:pPr marL="285750" indent="-285750" algn="l" fontAlgn="auto">
-              <a:lnSpc>
-                <a:spcPct val="150000"/>
-              </a:lnSpc>
-              <a:buClrTx/>
-              <a:buSzTx/>
-              <a:buFont typeface="Arial" panose="020B0604020202020204"/>
-              <a:buChar char="•"/>
-            </a:pPr>
-            <a:r>
-              <a:rPr lang="en-US" altLang="zh-CN" sz="1600"/>
-              <a:t>Project HOPE. “Global Mental Health: Frequently Asked Questions.” 2023. </a:t>
-            </a:r>
-            <a:r>
-              <a:rPr lang="en-US" altLang="zh-CN" sz="1600">
-                <a:hlinkClick r:id="rId2"/>
-              </a:rPr>
-              <a:t>https://www.projecthope.org</a:t>
-            </a:r>
-            <a:r>
-              <a:rPr lang="en-US" altLang="zh-CN" sz="1600"/>
-              <a:t>.</a:t>
-            </a:r>
-            <a:endParaRPr lang="en-US" altLang="zh-CN" sz="1600"/>
-          </a:p>
-          <a:p>
-            <a:pPr marL="285750" indent="-285750" fontAlgn="auto">
-              <a:lnSpc>
-                <a:spcPct val="150000"/>
-              </a:lnSpc>
-              <a:buFont typeface="Arial" panose="020B0604020202020204"/>
-              <a:buChar char="•"/>
-            </a:pPr>
-            <a:r>
-              <a:rPr lang="en-US" altLang="zh-CN" sz="1600"/>
-              <a:t>Time. “The U.S. Faces a Shortage of Mental Health Professionals.” 2023. </a:t>
-            </a:r>
-            <a:r>
-              <a:rPr lang="en-US" altLang="zh-CN" sz="1600">
-                <a:hlinkClick r:id="rId3"/>
-              </a:rPr>
-              <a:t>https://time.com</a:t>
-            </a:r>
-            <a:r>
-              <a:rPr lang="en-US" altLang="zh-CN" sz="1600"/>
-              <a:t>.</a:t>
-            </a:r>
-            <a:endParaRPr lang="en-US" altLang="zh-CN" sz="1600"/>
-          </a:p>
-          <a:p>
-            <a:pPr marL="285750" indent="-285750" fontAlgn="auto">
-              <a:lnSpc>
-                <a:spcPct val="150000"/>
-              </a:lnSpc>
-              <a:buFont typeface="Arial" panose="020B0604020202020204"/>
-              <a:buChar char="•"/>
-            </a:pPr>
-            <a:r>
-              <a:rPr lang="en-US" altLang="zh-CN" sz="1600"/>
-              <a:t>Bonterra Tech. “State of Mental Health in the U.S.: Access and Barriers.” 2023. </a:t>
-            </a:r>
-            <a:r>
-              <a:rPr lang="en-US" altLang="zh-CN" sz="1600">
-                <a:hlinkClick r:id="rId4"/>
-              </a:rPr>
-              <a:t>https://bonterratech.com</a:t>
-            </a:r>
-            <a:r>
-              <a:rPr lang="en-US" altLang="zh-CN" sz="1600"/>
-              <a:t>.</a:t>
-            </a:r>
-            <a:endParaRPr lang="en-US" altLang="zh-CN" sz="1600"/>
-          </a:p>
-          <a:p>
-            <a:pPr marL="285750" indent="-285750" fontAlgn="auto">
-              <a:lnSpc>
-                <a:spcPct val="150000"/>
-              </a:lnSpc>
-              <a:buFont typeface="Arial" panose="020B0604020202020204"/>
-              <a:buChar char="•"/>
-            </a:pPr>
-            <a:r>
-              <a:rPr lang="en-US" altLang="zh-CN" sz="1600"/>
-              <a:t>NAMI (National Alliance on Mental Illness). Mental Health by the Numbers. 2023. </a:t>
-            </a:r>
-            <a:r>
-              <a:rPr lang="en-US" altLang="zh-CN" sz="1600">
-                <a:hlinkClick r:id="rId5" action="ppaction://hlinkfile"/>
-              </a:rPr>
-              <a:t>https://www.nami.org/mhstats</a:t>
-            </a:r>
-            <a:r>
-              <a:rPr lang="en-US" altLang="zh-CN" sz="1600"/>
-              <a:t>.</a:t>
-            </a:r>
-            <a:endParaRPr lang="en-US" altLang="zh-CN" sz="1600"/>
-          </a:p>
-          <a:p>
-            <a:pPr marL="285750" indent="-285750" fontAlgn="auto">
-              <a:lnSpc>
-                <a:spcPct val="150000"/>
-              </a:lnSpc>
-              <a:buFont typeface="Arial" panose="020B0604020202020204"/>
-              <a:buChar char="•"/>
-            </a:pPr>
-            <a:r>
-              <a:rPr lang="en-US" altLang="zh-CN" sz="1600"/>
-              <a:t>Built In. “The Role of AI in Mental Health Support.” 2023. </a:t>
-            </a:r>
-            <a:r>
-              <a:rPr lang="en-US" altLang="zh-CN" sz="1600">
-                <a:hlinkClick r:id="rId6" action="ppaction://hlinkfile"/>
-              </a:rPr>
-              <a:t>https://builtin.com/artificial-intelligence/ai-mental-health</a:t>
-            </a:r>
-            <a:r>
-              <a:rPr lang="en-US" altLang="zh-CN" sz="1600"/>
-              <a:t>.</a:t>
-            </a:r>
-            <a:endParaRPr lang="en-US" altLang="zh-CN" sz="1600"/>
-          </a:p>
-          <a:p>
-            <a:pPr marL="285750" indent="-285750" fontAlgn="auto">
-              <a:lnSpc>
-                <a:spcPct val="150000"/>
-              </a:lnSpc>
-              <a:buFont typeface="Arial" panose="020B0604020202020204" pitchFamily="34" charset="0"/>
-              <a:buChar char="•"/>
-            </a:pPr>
-            <a:r>
-              <a:rPr lang="en-US" altLang="zh-CN" sz="1600"/>
-              <a:t>PMC (PubMed Central). “Barriers to Mental Health Care and Use of Mental Health Services.” 2022. </a:t>
-            </a:r>
-            <a:r>
-              <a:rPr lang="en-US" altLang="zh-CN" sz="1600">
-                <a:hlinkClick r:id="rId7"/>
-              </a:rPr>
-              <a:t>https://www.ncbi.nlm.nih.gov/pmc/articles/PMC</a:t>
-            </a:r>
-            <a:r>
-              <a:rPr lang="en-US" altLang="zh-CN" sz="1600"/>
-              <a:t>.</a:t>
-            </a:r>
-            <a:endParaRPr lang="en-US" altLang="zh-CN" sz="1600"/>
-          </a:p>
-          <a:p>
-            <a:pPr marL="285750" indent="-285750" fontAlgn="auto">
-              <a:lnSpc>
-                <a:spcPct val="150000"/>
-              </a:lnSpc>
-              <a:buFont typeface="Arial" panose="020B0604020202020204"/>
-              <a:buChar char="•"/>
-            </a:pPr>
-            <a:r>
-              <a:rPr lang="en-US" altLang="zh-CN" sz="1600"/>
-              <a:t>Nature Digital Medicine. “Human-AI Collaboration Improves Empathic Engagement in Therapy Support Tools.” 2022. </a:t>
-            </a:r>
-            <a:r>
-              <a:rPr lang="en-US" altLang="zh-CN" sz="1600">
-                <a:hlinkClick r:id="rId8"/>
-              </a:rPr>
-              <a:t>https://www.nature.com/articles/s41746-022-00589-7</a:t>
-            </a:r>
-            <a:r>
-              <a:rPr lang="en-US" altLang="zh-CN" sz="1600"/>
-              <a:t>.</a:t>
-            </a:r>
-            <a:endParaRPr lang="en-US" altLang="zh-CN" sz="1600"/>
-          </a:p>
-        </p:txBody>
-      </p:sp>
-    </p:spTree>
-    <p:custDataLst>
-      <p:tags r:id="rId9"/>
-    </p:custDataLst>
-  </p:cSld>
-  <p:clrMapOvr>
-    <a:masterClrMapping/>
-  </p:clrMapOvr>
-</p:sld>
-</file>
-
-<file path=ppt/slides/slide12.xml><?xml version="1.0" encoding="utf-8"?>
-<p:sld xmlns:a="http://schemas.openxmlformats.org/drawingml/2006/main" xmlns:r="http://schemas.openxmlformats.org/officeDocument/2006/relationships" xmlns:p="http://schemas.openxmlformats.org/presentationml/2006/main">
-  <p:cSld>
-    <p:spTree>
-      <p:nvGrpSpPr>
-        <p:cNvPr id="1" name=""/>
-        <p:cNvGrpSpPr/>
-        <p:nvPr/>
-      </p:nvGrpSpPr>
-      <p:grpSpPr>
-        <a:xfrm>
-          <a:off x="0" y="0"/>
-          <a:ext cx="0" cy="0"/>
-          <a:chOff x="0" y="0"/>
-          <a:chExt cx="0" cy="0"/>
-        </a:xfrm>
-      </p:grpSpPr>
-      <p:sp>
-        <p:nvSpPr>
-          <p:cNvPr id="4" name="标题"/>
-          <p:cNvSpPr>
-            <a:spLocks noGrp="1"/>
-          </p:cNvSpPr>
-          <p:nvPr>
-            <p:ph type="ctrTitle"/>
-            <p:custDataLst>
-              <p:tags r:id="rId1"/>
-            </p:custDataLst>
-          </p:nvPr>
-        </p:nvSpPr>
-        <p:spPr>
-          <a:xfrm>
-            <a:off x="991870" y="1899920"/>
-            <a:ext cx="6128385" cy="1226820"/>
-          </a:xfrm>
-        </p:spPr>
-        <p:txBody>
-          <a:bodyPr/>
-          <a:lstStyle/>
-          <a:p>
-            <a:r>
-              <a:rPr lang="en-US" altLang="zh-CN"/>
-              <a:t>THANK YOU</a:t>
-            </a:r>
-            <a:endParaRPr lang="en-US" altLang="zh-CN"/>
-          </a:p>
-        </p:txBody>
-      </p:sp>
-    </p:spTree>
-    <p:custDataLst>
-      <p:tags r:id="rId2"/>
-    </p:custDataLst>
-  </p:cSld>
-  <p:clrMapOvr>
-    <a:masterClrMapping/>
-  </p:clrMapOvr>
-</p:sld>
-</file>
-
-<file path=ppt/slides/slide2.xml><?xml version="1.0" encoding="utf-8"?>
-<p:sld xmlns:a="http://schemas.openxmlformats.org/drawingml/2006/main" xmlns:r="http://schemas.openxmlformats.org/officeDocument/2006/relationships" xmlns:p="http://schemas.openxmlformats.org/presentationml/2006/main">
-  <p:cSld>
-    <p:spTree>
-      <p:nvGrpSpPr>
-        <p:cNvPr id="1" name=""/>
-        <p:cNvGrpSpPr/>
-        <p:nvPr/>
-      </p:nvGrpSpPr>
-      <p:grpSpPr>
-        <a:xfrm>
-          <a:off x="0" y="0"/>
-          <a:ext cx="0" cy="0"/>
-          <a:chOff x="0" y="0"/>
-          <a:chExt cx="0" cy="0"/>
-        </a:xfrm>
-      </p:grpSpPr>
-      <p:sp>
-        <p:nvSpPr>
-          <p:cNvPr id="2" name="标题"/>
-          <p:cNvSpPr>
-            <a:spLocks noGrp="1"/>
-          </p:cNvSpPr>
-          <p:nvPr>
-            <p:ph type="title"/>
-            <p:custDataLst>
-              <p:tags r:id="rId1"/>
-            </p:custDataLst>
-          </p:nvPr>
-        </p:nvSpPr>
-        <p:spPr>
-          <a:xfrm>
-            <a:off x="838200" y="545420"/>
-            <a:ext cx="10515600" cy="864000"/>
-          </a:xfrm>
-        </p:spPr>
-        <p:txBody>
-          <a:bodyPr>
-            <a:normAutofit fontScale="90000"/>
-          </a:bodyPr>
-          <a:lstStyle/>
-          <a:p>
-            <a:r>
-              <a:rPr lang="en-US" altLang="zh-CN" sz="3555"/>
-              <a:t>Problem Statement</a:t>
-            </a:r>
-            <a:br>
-              <a:rPr lang="en-US" altLang="zh-CN" sz="3555"/>
-            </a:br>
-            <a:endParaRPr lang="en-US" altLang="zh-CN" sz="3555"/>
-          </a:p>
-        </p:txBody>
-      </p:sp>
-      <p:sp>
-        <p:nvSpPr>
-          <p:cNvPr id="3" name="正文"/>
-          <p:cNvSpPr>
-            <a:spLocks noGrp="1"/>
-          </p:cNvSpPr>
-          <p:nvPr>
-            <p:ph idx="1"/>
-            <p:custDataLst>
-              <p:tags r:id="rId2"/>
-            </p:custDataLst>
-          </p:nvPr>
-        </p:nvSpPr>
-        <p:spPr>
-          <a:xfrm>
-            <a:off x="520700" y="1409700"/>
-            <a:ext cx="11273790" cy="4368165"/>
-          </a:xfrm>
-        </p:spPr>
-        <p:txBody>
-          <a:bodyPr>
-            <a:noAutofit/>
-          </a:bodyPr>
-          <a:lstStyle/>
-          <a:p>
-            <a:pPr fontAlgn="auto">
-              <a:lnSpc>
-                <a:spcPct val="100000"/>
-              </a:lnSpc>
-            </a:pPr>
-            <a:r>
-              <a:rPr lang="en-US" altLang="zh-CN" sz="2000" b="1"/>
-              <a:t>Mental Health Crisis in the U.S.:</a:t>
-            </a:r>
-            <a:endParaRPr lang="en-US" altLang="zh-CN" sz="2000" b="1"/>
-          </a:p>
-          <a:p>
-            <a:pPr marL="0" indent="0" fontAlgn="auto">
-              <a:lnSpc>
-                <a:spcPct val="100000"/>
-              </a:lnSpc>
-              <a:buNone/>
-            </a:pPr>
-            <a:r>
-              <a:rPr lang="en-US" altLang="zh-CN" sz="2000"/>
-              <a:t>- 1 in 5 adults experienced mental illness in 2022 (~59.3 million people). (NIMH)</a:t>
-            </a:r>
-            <a:endParaRPr lang="en-US" altLang="zh-CN" sz="2000"/>
-          </a:p>
-          <a:p>
-            <a:pPr marL="0" indent="0" fontAlgn="auto">
-              <a:lnSpc>
-                <a:spcPct val="100000"/>
-              </a:lnSpc>
-              <a:buNone/>
-            </a:pPr>
-            <a:r>
-              <a:rPr lang="en-US" altLang="zh-CN" sz="2000"/>
-              <a:t>- Over half did not receive timely treatment. (NIMH)</a:t>
-            </a:r>
-            <a:endParaRPr lang="en-US" altLang="zh-CN" sz="2000"/>
-          </a:p>
-          <a:p>
-            <a:pPr fontAlgn="auto">
-              <a:lnSpc>
-                <a:spcPct val="100000"/>
-              </a:lnSpc>
-            </a:pPr>
-            <a:r>
-              <a:rPr lang="en-US" altLang="zh-CN" sz="2000" b="1"/>
-              <a:t>Crisis Moments:</a:t>
-            </a:r>
-            <a:endParaRPr lang="en-US" altLang="zh-CN" sz="2000" b="1"/>
-          </a:p>
-          <a:p>
-            <a:pPr marL="0" indent="0" fontAlgn="auto">
-              <a:lnSpc>
-                <a:spcPct val="100000"/>
-              </a:lnSpc>
-              <a:buNone/>
-            </a:pPr>
-            <a:r>
-              <a:rPr lang="en-US" altLang="zh-CN" sz="2000"/>
-              <a:t>- Individuals in acute emotional distress (fear, sadness, anxiety) often cannot clearly express their needs.</a:t>
-            </a:r>
-            <a:endParaRPr lang="en-US" altLang="zh-CN" sz="2000"/>
-          </a:p>
-          <a:p>
-            <a:pPr marL="0" indent="0" fontAlgn="auto">
-              <a:lnSpc>
-                <a:spcPct val="100000"/>
-              </a:lnSpc>
-              <a:buNone/>
-            </a:pPr>
-            <a:r>
-              <a:rPr lang="en-US" altLang="zh-CN" sz="2000"/>
-              <a:t>- Traditional AI chatbots are inadequate for real-time crisis support.</a:t>
-            </a:r>
-            <a:endParaRPr lang="en-US" altLang="zh-CN" sz="2000"/>
-          </a:p>
-          <a:p>
-            <a:pPr fontAlgn="auto">
-              <a:lnSpc>
-                <a:spcPct val="100000"/>
-              </a:lnSpc>
-            </a:pPr>
-            <a:r>
-              <a:rPr lang="en-US" altLang="zh-CN" sz="2000" b="1"/>
-              <a:t>Urgency:</a:t>
-            </a:r>
-            <a:endParaRPr lang="en-US" altLang="zh-CN" sz="2000" b="1"/>
-          </a:p>
-          <a:p>
-            <a:pPr marL="0" indent="0" fontAlgn="auto">
-              <a:lnSpc>
-                <a:spcPct val="100000"/>
-              </a:lnSpc>
-              <a:buNone/>
-            </a:pPr>
-            <a:r>
-              <a:rPr lang="en-US" altLang="zh-CN" sz="2000"/>
-              <a:t>- Without immediate intervention, risks of self-harm or worsening mental health escalate.</a:t>
-            </a:r>
-            <a:endParaRPr lang="en-US" altLang="zh-CN" sz="2000"/>
-          </a:p>
-          <a:p>
-            <a:pPr marL="0" indent="0" fontAlgn="auto">
-              <a:lnSpc>
-                <a:spcPct val="100000"/>
-              </a:lnSpc>
-              <a:buNone/>
-            </a:pPr>
-            <a:r>
-              <a:rPr lang="en-US" altLang="zh-CN" sz="2000"/>
-              <a:t>- There is a critical need for fast, empathetic, and accessible support.</a:t>
-            </a:r>
-            <a:endParaRPr lang="en-US" altLang="zh-CN" sz="2000"/>
-          </a:p>
-        </p:txBody>
-      </p:sp>
-    </p:spTree>
-    <p:custDataLst>
-      <p:tags r:id="rId3"/>
-    </p:custDataLst>
-  </p:cSld>
-  <p:clrMapOvr>
-    <a:masterClrMapping/>
-  </p:clrMapOvr>
-</p:sld>
-</file>
-
-<file path=ppt/slides/slide3.xml><?xml version="1.0" encoding="utf-8"?>
-<p:sld xmlns:a="http://schemas.openxmlformats.org/drawingml/2006/main" xmlns:r="http://schemas.openxmlformats.org/officeDocument/2006/relationships" xmlns:p="http://schemas.openxmlformats.org/presentationml/2006/main">
-  <p:cSld>
-    <p:bg>
-      <p:bgPr>
-        <a:noFill/>
-        <a:effectLst/>
-      </p:bgPr>
-    </p:bg>
-    <p:spTree>
-      <p:nvGrpSpPr>
-        <p:cNvPr id="1" name=""/>
-        <p:cNvGrpSpPr/>
-        <p:nvPr/>
-      </p:nvGrpSpPr>
-      <p:grpSpPr>
-        <a:xfrm>
-          <a:off x="0" y="0"/>
-          <a:ext cx="0" cy="0"/>
-          <a:chOff x="0" y="0"/>
-          <a:chExt cx="0" cy="0"/>
-        </a:xfrm>
-      </p:grpSpPr>
-      <p:sp>
-        <p:nvSpPr>
-          <p:cNvPr id="3" name="文本框 2"/>
-          <p:cNvSpPr txBox="1"/>
-          <p:nvPr/>
-        </p:nvSpPr>
-        <p:spPr>
-          <a:xfrm>
-            <a:off x="514350" y="281940"/>
-            <a:ext cx="7410450" cy="829945"/>
-          </a:xfrm>
-          <a:prstGeom prst="rect">
-            <a:avLst/>
-          </a:prstGeom>
-        </p:spPr>
-        <p:txBody>
-          <a:bodyPr wrap="square">
-            <a:spAutoFit/>
-          </a:bodyPr>
-          <a:p>
-            <a:pPr marL="0" indent="0">
-              <a:spcBef>
-                <a:spcPct val="0"/>
-              </a:spcBef>
-              <a:spcAft>
-                <a:spcPct val="0"/>
-              </a:spcAft>
-            </a:pPr>
-            <a:r>
-              <a:rPr lang="en-US" altLang="zh-CN" sz="4800" b="1" i="0" dirty="0">
-                <a:solidFill>
-                  <a:schemeClr val="accent6"/>
-                </a:solidFill>
-                <a:latin typeface="+mj-lt"/>
-                <a:ea typeface="+mj-ea"/>
-                <a:cs typeface="+mj-cs"/>
-              </a:rPr>
-              <a:t>Proposed Solution</a:t>
-            </a:r>
-            <a:endParaRPr lang="en-US" altLang="zh-CN" sz="3600" b="0" i="0">
-              <a:solidFill>
-                <a:srgbClr val="000000"/>
-              </a:solidFill>
-              <a:latin typeface="Roboto"/>
-              <a:ea typeface="Roboto"/>
-            </a:endParaRPr>
-          </a:p>
-        </p:txBody>
-      </p:sp>
-      <p:sp>
-        <p:nvSpPr>
-          <p:cNvPr id="5" name="文本框 4"/>
-          <p:cNvSpPr txBox="1"/>
-          <p:nvPr/>
-        </p:nvSpPr>
-        <p:spPr>
-          <a:xfrm>
-            <a:off x="514350" y="1111885"/>
-            <a:ext cx="7978140" cy="521970"/>
-          </a:xfrm>
-          <a:prstGeom prst="rect">
-            <a:avLst/>
-          </a:prstGeom>
-        </p:spPr>
-        <p:txBody>
-          <a:bodyPr wrap="square">
-            <a:spAutoFit/>
-          </a:bodyPr>
-          <a:p>
-            <a:pPr marL="0" indent="0">
-              <a:spcBef>
-                <a:spcPct val="0"/>
-              </a:spcBef>
-              <a:spcAft>
-                <a:spcPts val="1800"/>
-              </a:spcAft>
-            </a:pPr>
-            <a:r>
-              <a:rPr lang="en-US" altLang="zh-CN" sz="2800" b="0" i="0">
-                <a:solidFill>
-                  <a:srgbClr val="666666"/>
-                </a:solidFill>
-                <a:latin typeface="Roboto"/>
-                <a:ea typeface="Roboto"/>
-              </a:rPr>
-              <a:t>CalmBot: An AI-Driven Emotional First Aid Assistant</a:t>
-            </a:r>
-            <a:endParaRPr lang="en-US" altLang="zh-CN" sz="2800" b="0" i="0">
-              <a:solidFill>
-                <a:srgbClr val="666666"/>
-              </a:solidFill>
-              <a:latin typeface="Roboto"/>
-              <a:ea typeface="Roboto"/>
-            </a:endParaRPr>
-          </a:p>
-        </p:txBody>
-      </p:sp>
-      <p:sp>
-        <p:nvSpPr>
-          <p:cNvPr id="7" name="文本框 6"/>
-          <p:cNvSpPr txBox="1"/>
-          <p:nvPr/>
-        </p:nvSpPr>
-        <p:spPr>
-          <a:xfrm>
-            <a:off x="514350" y="1809115"/>
-            <a:ext cx="7256145" cy="3659505"/>
-          </a:xfrm>
-          <a:prstGeom prst="rect">
-            <a:avLst/>
-          </a:prstGeom>
-        </p:spPr>
-        <p:txBody>
-          <a:bodyPr>
-            <a:noAutofit/>
-          </a:bodyPr>
-          <a:p>
-            <a:pPr indent="0" fontAlgn="auto">
-              <a:lnSpc>
-                <a:spcPct val="100000"/>
-              </a:lnSpc>
-              <a:spcBef>
-                <a:spcPct val="0"/>
-              </a:spcBef>
-              <a:spcAft>
-                <a:spcPts val="1200"/>
-              </a:spcAft>
-              <a:buFont typeface="Arial" panose="020B0604020202020204"/>
-              <a:buChar char="•"/>
-            </a:pPr>
-            <a:r>
-              <a:rPr lang="en-US" altLang="zh-CN" sz="2800" b="0" i="0">
-                <a:solidFill>
-                  <a:srgbClr val="1F2728"/>
-                </a:solidFill>
-                <a:latin typeface="Roboto"/>
-                <a:ea typeface="Roboto"/>
-              </a:rPr>
-              <a:t> Emotion Detection: Classifies user emotions (e.g., fear, sadness) using fine-tuned NLP.</a:t>
-            </a:r>
-            <a:endParaRPr lang="en-US" altLang="zh-CN" sz="2800" b="0" i="0">
-              <a:solidFill>
-                <a:srgbClr val="1F2728"/>
-              </a:solidFill>
-              <a:latin typeface="Roboto"/>
-              <a:ea typeface="Roboto"/>
-            </a:endParaRPr>
-          </a:p>
-          <a:p>
-            <a:pPr indent="0" fontAlgn="auto">
-              <a:lnSpc>
-                <a:spcPct val="100000"/>
-              </a:lnSpc>
-              <a:spcBef>
-                <a:spcPct val="0"/>
-              </a:spcBef>
-              <a:spcAft>
-                <a:spcPts val="1200"/>
-              </a:spcAft>
-              <a:buFont typeface="Arial" panose="020B0604020202020204"/>
-              <a:buChar char="•"/>
-            </a:pPr>
-            <a:r>
-              <a:rPr lang="en-US" altLang="zh-CN" sz="2800" b="0" i="0">
-                <a:solidFill>
-                  <a:srgbClr val="1F2728"/>
-                </a:solidFill>
-                <a:latin typeface="Roboto"/>
-                <a:ea typeface="Roboto"/>
-              </a:rPr>
-              <a:t> Empathetic Responses: Generates warm, supportive replies with LLMs.</a:t>
-            </a:r>
-            <a:endParaRPr lang="en-US" altLang="zh-CN" sz="2800" b="0" i="0">
-              <a:solidFill>
-                <a:srgbClr val="1F2728"/>
-              </a:solidFill>
-              <a:latin typeface="Roboto"/>
-              <a:ea typeface="Roboto"/>
-            </a:endParaRPr>
-          </a:p>
-          <a:p>
-            <a:pPr indent="0" fontAlgn="auto">
-              <a:lnSpc>
-                <a:spcPct val="100000"/>
-              </a:lnSpc>
-              <a:spcBef>
-                <a:spcPct val="0"/>
-              </a:spcBef>
-              <a:spcAft>
-                <a:spcPts val="1200"/>
-              </a:spcAft>
-              <a:buFont typeface="Arial" panose="020B0604020202020204"/>
-              <a:buChar char="•"/>
-            </a:pPr>
-            <a:r>
-              <a:rPr lang="en-US" altLang="zh-CN" sz="2800" b="0" i="0">
-                <a:solidFill>
-                  <a:srgbClr val="1F2728"/>
-                </a:solidFill>
-                <a:latin typeface="Roboto"/>
-                <a:ea typeface="Roboto"/>
-              </a:rPr>
-              <a:t> Hotline Recommendation: If severe distress is detected, suggests relevant national hotlines.</a:t>
-            </a:r>
-            <a:endParaRPr lang="en-US" altLang="zh-CN" sz="2800" b="0" i="0">
-              <a:solidFill>
-                <a:srgbClr val="1F2728"/>
-              </a:solidFill>
-              <a:latin typeface="Roboto"/>
-              <a:ea typeface="Roboto"/>
-            </a:endParaRPr>
-          </a:p>
-          <a:p>
-            <a:pPr indent="0" fontAlgn="auto">
-              <a:lnSpc>
-                <a:spcPct val="100000"/>
-              </a:lnSpc>
-              <a:spcBef>
-                <a:spcPct val="0"/>
-              </a:spcBef>
-              <a:spcAft>
-                <a:spcPts val="1200"/>
-              </a:spcAft>
-              <a:buFont typeface="Arial" panose="020B0604020202020204"/>
-              <a:buChar char="•"/>
-            </a:pPr>
-            <a:r>
-              <a:rPr lang="en-US" altLang="zh-CN" sz="2800" b="0" i="0">
-                <a:solidFill>
-                  <a:srgbClr val="1F2728"/>
-                </a:solidFill>
-                <a:latin typeface="Roboto"/>
-                <a:ea typeface="Roboto"/>
-              </a:rPr>
-              <a:t> AI-Human Hybrid Model: AI provides immediate help; human services are escalated when needed.</a:t>
-            </a:r>
-            <a:endParaRPr lang="en-US" altLang="zh-CN" sz="2800" b="0" i="0">
-              <a:solidFill>
-                <a:srgbClr val="1F2728"/>
-              </a:solidFill>
-              <a:latin typeface="Roboto"/>
-              <a:ea typeface="Roboto"/>
-            </a:endParaRPr>
-          </a:p>
-        </p:txBody>
-      </p:sp>
-    </p:spTree>
-    <p:custDataLst>
-      <p:tags r:id="rId1"/>
-    </p:custDataLst>
-  </p:cSld>
-  <p:clrMapOvr>
-    <a:masterClrMapping/>
-  </p:clrMapOvr>
-</p:sld>
-</file>
-
-<file path=ppt/slides/slide4.xml><?xml version="1.0" encoding="utf-8"?>
-<p:sld xmlns:a="http://schemas.openxmlformats.org/drawingml/2006/main" xmlns:r="http://schemas.openxmlformats.org/officeDocument/2006/relationships" xmlns:p="http://schemas.openxmlformats.org/presentationml/2006/main">
-  <p:cSld>
-    <p:spTree>
-      <p:nvGrpSpPr>
-        <p:cNvPr id="1" name=""/>
-        <p:cNvGrpSpPr/>
-        <p:nvPr/>
-      </p:nvGrpSpPr>
-      <p:grpSpPr/>
-      <p:sp>
-        <p:nvSpPr>
-          <p:cNvPr id="2" name="标题 1"/>
-          <p:cNvSpPr>
-            <a:spLocks noGrp="1"/>
-          </p:cNvSpPr>
-          <p:nvPr>
-            <p:ph type="title"/>
-          </p:nvPr>
-        </p:nvSpPr>
-        <p:spPr/>
-        <p:txBody>
-          <a:bodyPr/>
-          <a:p>
-            <a:r>
-              <a:rPr lang="en-US" altLang="zh-CN" dirty="0">
-                <a:sym typeface="+mn-ea"/>
-              </a:rPr>
-              <a:t>Methodology &amp; Pipeline</a:t>
-            </a:r>
-            <a:endParaRPr lang="zh-CN" altLang="en-US"/>
-          </a:p>
-        </p:txBody>
-      </p:sp>
-      <p:grpSp>
-        <p:nvGrpSpPr>
-          <p:cNvPr id="10" name="组合 9"/>
-          <p:cNvGrpSpPr/>
-          <p:nvPr/>
-        </p:nvGrpSpPr>
-        <p:grpSpPr>
-          <a:xfrm>
-            <a:off x="480060" y="1756410"/>
-            <a:ext cx="11330940" cy="4419600"/>
-            <a:chOff x="756" y="2058"/>
-            <a:chExt cx="17844" cy="6960"/>
-          </a:xfrm>
-        </p:grpSpPr>
-        <p:pic>
-          <p:nvPicPr>
-            <p:cNvPr id="4" name="图片 3"/>
-            <p:cNvPicPr>
-              <a:picLocks noChangeAspect="1"/>
-            </p:cNvPicPr>
-            <p:nvPr/>
-          </p:nvPicPr>
-          <p:blipFill>
-            <a:blip r:embed="rId1"/>
-            <a:stretch>
-              <a:fillRect/>
-            </a:stretch>
-          </p:blipFill>
-          <p:spPr>
-            <a:xfrm>
-              <a:off x="756" y="2058"/>
-              <a:ext cx="7524" cy="2064"/>
-            </a:xfrm>
-            <a:prstGeom prst="rect">
-              <a:avLst/>
-            </a:prstGeom>
-          </p:spPr>
-        </p:pic>
-        <p:pic>
-          <p:nvPicPr>
-            <p:cNvPr id="5" name="图片 4"/>
-            <p:cNvPicPr>
-              <a:picLocks noChangeAspect="1"/>
-            </p:cNvPicPr>
-            <p:nvPr/>
-          </p:nvPicPr>
-          <p:blipFill>
-            <a:blip r:embed="rId2"/>
-            <a:stretch>
-              <a:fillRect/>
-            </a:stretch>
-          </p:blipFill>
-          <p:spPr>
-            <a:xfrm>
-              <a:off x="8592" y="2214"/>
-              <a:ext cx="10008" cy="1980"/>
-            </a:xfrm>
-            <a:prstGeom prst="rect">
-              <a:avLst/>
-            </a:prstGeom>
-          </p:spPr>
-        </p:pic>
-        <p:pic>
-          <p:nvPicPr>
-            <p:cNvPr id="6" name="图片 5"/>
-            <p:cNvPicPr>
-              <a:picLocks noChangeAspect="1"/>
-            </p:cNvPicPr>
-            <p:nvPr/>
-          </p:nvPicPr>
-          <p:blipFill>
-            <a:blip r:embed="rId3"/>
-            <a:stretch>
-              <a:fillRect/>
-            </a:stretch>
-          </p:blipFill>
-          <p:spPr>
-            <a:xfrm>
-              <a:off x="864" y="4590"/>
-              <a:ext cx="6672" cy="1848"/>
-            </a:xfrm>
-            <a:prstGeom prst="rect">
-              <a:avLst/>
-            </a:prstGeom>
-          </p:spPr>
-        </p:pic>
-        <p:pic>
-          <p:nvPicPr>
-            <p:cNvPr id="7" name="图片 6"/>
-            <p:cNvPicPr>
-              <a:picLocks noChangeAspect="1"/>
-            </p:cNvPicPr>
-            <p:nvPr/>
-          </p:nvPicPr>
-          <p:blipFill>
-            <a:blip r:embed="rId4"/>
-            <a:stretch>
-              <a:fillRect/>
-            </a:stretch>
-          </p:blipFill>
-          <p:spPr>
-            <a:xfrm>
-              <a:off x="8592" y="4392"/>
-              <a:ext cx="9228" cy="2052"/>
-            </a:xfrm>
-            <a:prstGeom prst="rect">
-              <a:avLst/>
-            </a:prstGeom>
-          </p:spPr>
-        </p:pic>
-        <p:pic>
-          <p:nvPicPr>
-            <p:cNvPr id="8" name="图片 7"/>
-            <p:cNvPicPr>
-              <a:picLocks noChangeAspect="1"/>
-            </p:cNvPicPr>
-            <p:nvPr/>
-          </p:nvPicPr>
-          <p:blipFill>
-            <a:blip r:embed="rId5"/>
-            <a:stretch>
-              <a:fillRect/>
-            </a:stretch>
-          </p:blipFill>
-          <p:spPr>
-            <a:xfrm>
-              <a:off x="768" y="7038"/>
-              <a:ext cx="7032" cy="1980"/>
-            </a:xfrm>
-            <a:prstGeom prst="rect">
-              <a:avLst/>
-            </a:prstGeom>
-          </p:spPr>
-        </p:pic>
-        <p:pic>
-          <p:nvPicPr>
-            <p:cNvPr id="9" name="图片 8"/>
-            <p:cNvPicPr>
-              <a:picLocks noChangeAspect="1"/>
-            </p:cNvPicPr>
-            <p:nvPr/>
-          </p:nvPicPr>
-          <p:blipFill>
-            <a:blip r:embed="rId6"/>
-            <a:stretch>
-              <a:fillRect/>
-            </a:stretch>
-          </p:blipFill>
-          <p:spPr>
-            <a:xfrm>
-              <a:off x="8592" y="6966"/>
-              <a:ext cx="4848" cy="2052"/>
-            </a:xfrm>
-            <a:prstGeom prst="rect">
-              <a:avLst/>
-            </a:prstGeom>
-          </p:spPr>
-        </p:pic>
-      </p:grpSp>
-    </p:spTree>
-    <p:custDataLst>
-      <p:tags r:id="rId7"/>
-    </p:custDataLst>
-  </p:cSld>
-  <p:clrMapOvr>
-    <a:masterClrMapping/>
-  </p:clrMapOvr>
-</p:sld>
-</file>
-
-<file path=ppt/slides/slide5.xml><?xml version="1.0" encoding="utf-8"?>
-<p:sld xmlns:a="http://schemas.openxmlformats.org/drawingml/2006/main" xmlns:r="http://schemas.openxmlformats.org/officeDocument/2006/relationships" xmlns:p="http://schemas.openxmlformats.org/presentationml/2006/main">
-  <p:cSld>
-    <p:spTree>
-      <p:nvGrpSpPr>
-        <p:cNvPr id="1" name=""/>
-        <p:cNvGrpSpPr/>
-        <p:nvPr/>
-      </p:nvGrpSpPr>
-      <p:grpSpPr/>
-      <p:pic>
-        <p:nvPicPr>
-          <p:cNvPr id="4" name="图片 3"/>
-          <p:cNvPicPr>
-            <a:picLocks noChangeAspect="1"/>
-          </p:cNvPicPr>
-          <p:nvPr/>
-        </p:nvPicPr>
-        <p:blipFill>
-          <a:blip r:embed="rId1"/>
-          <a:stretch>
-            <a:fillRect/>
-          </a:stretch>
-        </p:blipFill>
-        <p:spPr>
-          <a:xfrm>
-            <a:off x="390525" y="2901950"/>
-            <a:ext cx="5318760" cy="1936115"/>
-          </a:xfrm>
-          <a:prstGeom prst="rect">
-            <a:avLst/>
-          </a:prstGeom>
-        </p:spPr>
-      </p:pic>
-      <p:pic>
-        <p:nvPicPr>
-          <p:cNvPr id="5" name="图片 4"/>
-          <p:cNvPicPr>
-            <a:picLocks noChangeAspect="1"/>
-          </p:cNvPicPr>
-          <p:nvPr/>
-        </p:nvPicPr>
-        <p:blipFill>
-          <a:blip r:embed="rId2"/>
-          <a:stretch>
-            <a:fillRect/>
-          </a:stretch>
-        </p:blipFill>
-        <p:spPr>
-          <a:xfrm>
-            <a:off x="5808345" y="610870"/>
-            <a:ext cx="6200775" cy="5635625"/>
-          </a:xfrm>
-          <a:prstGeom prst="rect">
-            <a:avLst/>
-          </a:prstGeom>
-        </p:spPr>
-      </p:pic>
-      <p:sp>
-        <p:nvSpPr>
-          <p:cNvPr id="8" name="标题 7"/>
-          <p:cNvSpPr>
-            <a:spLocks noGrp="1"/>
-          </p:cNvSpPr>
-          <p:nvPr>
-            <p:ph type="title"/>
-          </p:nvPr>
-        </p:nvSpPr>
-        <p:spPr>
-          <a:xfrm>
-            <a:off x="321310" y="1208405"/>
-            <a:ext cx="4793615" cy="864235"/>
-          </a:xfrm>
-        </p:spPr>
-        <p:txBody>
-          <a:bodyPr/>
-          <a:p>
-            <a:r>
-              <a:rPr lang="en-US" altLang="zh-CN" dirty="0">
-                <a:sym typeface="+mn-ea"/>
-              </a:rPr>
-              <a:t>Step 6 in Detail</a:t>
-            </a:r>
-            <a:endParaRPr lang="zh-CN" altLang="en-US"/>
-          </a:p>
-        </p:txBody>
-      </p:sp>
-    </p:spTree>
-    <p:custDataLst>
-      <p:tags r:id="rId3"/>
-    </p:custDataLst>
-  </p:cSld>
-  <p:clrMapOvr>
-    <a:masterClrMapping/>
-  </p:clrMapOvr>
-</p:sld>
-</file>
-
-<file path=ppt/slides/slide6.xml><?xml version="1.0" encoding="utf-8"?>
-<p:sld xmlns:a="http://schemas.openxmlformats.org/drawingml/2006/main" xmlns:r="http://schemas.openxmlformats.org/officeDocument/2006/relationships" xmlns:p="http://schemas.openxmlformats.org/presentationml/2006/main">
-  <p:cSld>
-    <p:spTree>
-      <p:nvGrpSpPr>
-        <p:cNvPr id="1" name=""/>
-        <p:cNvGrpSpPr/>
-        <p:nvPr/>
-      </p:nvGrpSpPr>
-      <p:grpSpPr/>
-      <p:pic>
-        <p:nvPicPr>
-          <p:cNvPr id="6" name="图片 5"/>
-          <p:cNvPicPr>
-            <a:picLocks noChangeAspect="1"/>
-          </p:cNvPicPr>
-          <p:nvPr/>
-        </p:nvPicPr>
-        <p:blipFill>
-          <a:blip r:embed="rId1"/>
-          <a:stretch>
-            <a:fillRect/>
-          </a:stretch>
-        </p:blipFill>
-        <p:spPr>
-          <a:xfrm>
-            <a:off x="480060" y="1386840"/>
-            <a:ext cx="7879080" cy="3208020"/>
-          </a:xfrm>
-          <a:prstGeom prst="rect">
-            <a:avLst/>
-          </a:prstGeom>
-        </p:spPr>
-      </p:pic>
-      <p:pic>
-        <p:nvPicPr>
-          <p:cNvPr id="7" name="图片 6"/>
-          <p:cNvPicPr>
-            <a:picLocks noChangeAspect="1"/>
-          </p:cNvPicPr>
-          <p:nvPr/>
-        </p:nvPicPr>
-        <p:blipFill>
-          <a:blip r:embed="rId2"/>
-          <a:stretch>
-            <a:fillRect/>
-          </a:stretch>
-        </p:blipFill>
-        <p:spPr>
-          <a:xfrm>
-            <a:off x="480060" y="4926330"/>
-            <a:ext cx="10949940" cy="1455420"/>
-          </a:xfrm>
-          <a:prstGeom prst="rect">
-            <a:avLst/>
-          </a:prstGeom>
-        </p:spPr>
-      </p:pic>
-      <p:sp>
-        <p:nvSpPr>
-          <p:cNvPr id="8" name="标题 7"/>
-          <p:cNvSpPr>
-            <a:spLocks noGrp="1"/>
-          </p:cNvSpPr>
-          <p:nvPr/>
-        </p:nvSpPr>
-        <p:spPr>
-          <a:xfrm>
-            <a:off x="-2764155" y="522560"/>
-            <a:ext cx="10515600" cy="864000"/>
-          </a:xfrm>
-          <a:prstGeom prst="rect">
-            <a:avLst/>
-          </a:prstGeom>
-        </p:spPr>
-        <p:txBody>
-          <a:bodyPr vert="horz" lIns="0" tIns="0" rIns="0" bIns="0" rtlCol="0" anchor="ctr">
-            <a:normAutofit/>
-          </a:bodyPr>
-          <a:lstStyle>
-            <a:lvl1pPr algn="ctr" defTabSz="914400" rtl="0" eaLnBrk="1" latinLnBrk="0" hangingPunct="1">
-              <a:lnSpc>
-                <a:spcPct val="100000"/>
-              </a:lnSpc>
-              <a:spcBef>
-                <a:spcPct val="0"/>
-              </a:spcBef>
-              <a:buNone/>
-              <a:defRPr sz="4000" b="1" kern="1200">
-                <a:solidFill>
-                  <a:schemeClr val="accent6"/>
-                </a:solidFill>
-                <a:latin typeface="+mj-lt"/>
-                <a:ea typeface="+mj-ea"/>
-                <a:cs typeface="+mj-cs"/>
-              </a:defRPr>
-            </a:lvl1pPr>
-          </a:lstStyle>
-          <a:p>
-            <a:r>
-              <a:rPr lang="en-US" altLang="zh-CN" dirty="0">
-                <a:sym typeface="+mn-ea"/>
-              </a:rPr>
-              <a:t>Step 6 in Detail</a:t>
-            </a:r>
-            <a:endParaRPr lang="zh-CN" altLang="en-US"/>
-          </a:p>
-        </p:txBody>
-      </p:sp>
-    </p:spTree>
-    <p:custDataLst>
-      <p:tags r:id="rId3"/>
-    </p:custDataLst>
-  </p:cSld>
-  <p:clrMapOvr>
-    <a:masterClrMapping/>
-  </p:clrMapOvr>
-</p:sld>
-</file>
-
-<file path=ppt/slides/slide7.xml><?xml version="1.0" encoding="utf-8"?>
-<p:sld xmlns:a="http://schemas.openxmlformats.org/drawingml/2006/main" xmlns:r="http://schemas.openxmlformats.org/officeDocument/2006/relationships" xmlns:p="http://schemas.openxmlformats.org/presentationml/2006/main">
-  <p:cSld>
-    <p:spTree>
-      <p:nvGrpSpPr>
-        <p:cNvPr id="1" name=""/>
-        <p:cNvGrpSpPr/>
-        <p:nvPr/>
-      </p:nvGrpSpPr>
-      <p:grpSpPr/>
-      <p:pic>
-        <p:nvPicPr>
-          <p:cNvPr id="4" name="图片 3"/>
-          <p:cNvPicPr/>
-          <p:nvPr/>
-        </p:nvPicPr>
-        <p:blipFill>
-          <a:blip r:embed="rId1"/>
-          <a:stretch>
-            <a:fillRect/>
-          </a:stretch>
-        </p:blipFill>
-        <p:spPr>
-          <a:xfrm>
-            <a:off x="7202805" y="406400"/>
-            <a:ext cx="3968750" cy="3582670"/>
-          </a:xfrm>
-          <a:prstGeom prst="rect">
-            <a:avLst/>
-          </a:prstGeom>
-        </p:spPr>
-      </p:pic>
-      <p:sp>
-        <p:nvSpPr>
-          <p:cNvPr id="8" name="圆角矩形 7"/>
-          <p:cNvSpPr/>
-          <p:nvPr/>
-        </p:nvSpPr>
-        <p:spPr>
-          <a:xfrm>
-            <a:off x="733425" y="1471930"/>
-            <a:ext cx="4625340" cy="408940"/>
-          </a:xfrm>
-          <a:prstGeom prst="roundRect">
-            <a:avLst/>
-          </a:prstGeom>
-          <a:solidFill>
-            <a:schemeClr val="accent6"/>
-          </a:solidFill>
-          <a:ln>
-            <a:noFill/>
-          </a:ln>
-        </p:spPr>
-        <p:style>
-          <a:lnRef idx="2">
-            <a:schemeClr val="accent1">
-              <a:lumMod val="75000"/>
-            </a:schemeClr>
-          </a:lnRef>
-          <a:fillRef idx="1">
-            <a:schemeClr val="accent1"/>
-          </a:fillRef>
-          <a:effectRef idx="0">
-            <a:srgbClr val="FFFFFF"/>
-          </a:effectRef>
-          <a:fontRef idx="minor">
-            <a:schemeClr val="lt1"/>
-          </a:fontRef>
-        </p:style>
-        <p:txBody>
-          <a:bodyPr rtlCol="0" anchor="ctr"/>
-          <a:p>
-            <a:pPr algn="l"/>
-            <a:r>
-              <a:rPr lang="en-US" altLang="zh-CN" spc="200">
-                <a:latin typeface="Arial" panose="020B0604020202020204" pitchFamily="34" charset="0"/>
-                <a:ea typeface="微软雅黑" panose="020B0503020204020204" charset="-122"/>
-                <a:sym typeface="+mn-ea"/>
-              </a:rPr>
-              <a:t>Hopeless Case</a:t>
-            </a:r>
-            <a:endParaRPr lang="zh-CN" altLang="en-US"/>
-          </a:p>
-        </p:txBody>
-      </p:sp>
-      <p:pic>
-        <p:nvPicPr>
-          <p:cNvPr id="10" name="图片 9"/>
-          <p:cNvPicPr>
-            <a:picLocks noChangeAspect="1"/>
-          </p:cNvPicPr>
-          <p:nvPr/>
-        </p:nvPicPr>
-        <p:blipFill>
-          <a:blip r:embed="rId2"/>
-          <a:stretch>
-            <a:fillRect/>
-          </a:stretch>
-        </p:blipFill>
-        <p:spPr>
-          <a:xfrm>
-            <a:off x="221615" y="2506345"/>
-            <a:ext cx="11748770" cy="3170555"/>
-          </a:xfrm>
-          <a:prstGeom prst="rect">
-            <a:avLst/>
-          </a:prstGeom>
-        </p:spPr>
-      </p:pic>
-      <p:sp>
-        <p:nvSpPr>
-          <p:cNvPr id="2" name="标题 1"/>
-          <p:cNvSpPr>
-            <a:spLocks noGrp="1"/>
-          </p:cNvSpPr>
-          <p:nvPr>
-            <p:ph type="title"/>
-          </p:nvPr>
-        </p:nvSpPr>
-        <p:spPr>
-          <a:xfrm>
-            <a:off x="617855" y="335280"/>
-            <a:ext cx="8236585" cy="864235"/>
-          </a:xfrm>
-        </p:spPr>
-        <p:txBody>
-          <a:bodyPr>
-            <a:normAutofit/>
-          </a:bodyPr>
-          <a:p>
-            <a:r>
-              <a:rPr lang="en-US" altLang="zh-CN">
-                <a:sym typeface="+mn-ea"/>
-              </a:rPr>
-              <a:t>CalmBot Full Interaction Example </a:t>
-            </a:r>
-            <a:endParaRPr lang="zh-CN" altLang="en-US"/>
-          </a:p>
-        </p:txBody>
-      </p:sp>
-    </p:spTree>
-    <p:custDataLst>
-      <p:tags r:id="rId3"/>
-    </p:custDataLst>
-  </p:cSld>
-  <p:clrMapOvr>
-    <a:masterClrMapping/>
-  </p:clrMapOvr>
-</p:sld>
-</file>
-
-<file path=ppt/slides/slide8.xml><?xml version="1.0" encoding="utf-8"?>
-<p:sld xmlns:a="http://schemas.openxmlformats.org/drawingml/2006/main" xmlns:r="http://schemas.openxmlformats.org/officeDocument/2006/relationships" xmlns:p="http://schemas.openxmlformats.org/presentationml/2006/main">
-  <p:cSld>
-    <p:spTree>
-      <p:nvGrpSpPr>
-        <p:cNvPr id="1" name=""/>
-        <p:cNvGrpSpPr/>
-        <p:nvPr/>
-      </p:nvGrpSpPr>
-      <p:grpSpPr/>
-      <p:sp>
-        <p:nvSpPr>
-          <p:cNvPr id="8" name="圆角矩形 7"/>
-          <p:cNvSpPr/>
-          <p:nvPr/>
-        </p:nvSpPr>
-        <p:spPr>
-          <a:xfrm>
-            <a:off x="603885" y="1819910"/>
-            <a:ext cx="4625340" cy="408940"/>
-          </a:xfrm>
-          <a:prstGeom prst="roundRect">
-            <a:avLst/>
-          </a:prstGeom>
-          <a:solidFill>
-            <a:schemeClr val="accent6"/>
-          </a:solidFill>
-          <a:ln>
-            <a:noFill/>
-          </a:ln>
-        </p:spPr>
-        <p:style>
-          <a:lnRef idx="2">
-            <a:schemeClr val="accent1">
-              <a:lumMod val="75000"/>
-            </a:schemeClr>
-          </a:lnRef>
-          <a:fillRef idx="1">
-            <a:schemeClr val="accent1"/>
-          </a:fillRef>
-          <a:effectRef idx="0">
-            <a:srgbClr val="FFFFFF"/>
-          </a:effectRef>
-          <a:fontRef idx="minor">
-            <a:schemeClr val="lt1"/>
-          </a:fontRef>
-        </p:style>
-        <p:txBody>
-          <a:bodyPr rtlCol="0" anchor="ctr"/>
-          <a:p>
-            <a:pPr algn="l"/>
-            <a:r>
-              <a:rPr lang="en-US" altLang="zh-CN" dirty="0">
-                <a:solidFill>
-                  <a:srgbClr val="FFFFFF"/>
-                </a:solidFill>
-                <a:sym typeface="+mn-ea"/>
-              </a:rPr>
-              <a:t>Veteran PTSD Case</a:t>
-            </a:r>
-            <a:endParaRPr lang="zh-CN" altLang="en-US"/>
-          </a:p>
-        </p:txBody>
-      </p:sp>
-      <p:sp>
-        <p:nvSpPr>
-          <p:cNvPr id="2" name="标题 1"/>
-          <p:cNvSpPr>
-            <a:spLocks noGrp="1"/>
-          </p:cNvSpPr>
-          <p:nvPr>
-            <p:ph type="title"/>
-          </p:nvPr>
-        </p:nvSpPr>
-        <p:spPr>
-          <a:xfrm>
-            <a:off x="495935" y="472440"/>
-            <a:ext cx="8236585" cy="864235"/>
-          </a:xfrm>
-        </p:spPr>
-        <p:txBody>
-          <a:bodyPr>
-            <a:normAutofit/>
-          </a:bodyPr>
-          <a:p>
-            <a:r>
-              <a:rPr lang="en-US" altLang="zh-CN">
-                <a:sym typeface="+mn-ea"/>
-              </a:rPr>
-              <a:t>CalmBot Full Interaction Example </a:t>
-            </a:r>
-            <a:endParaRPr lang="zh-CN" altLang="en-US"/>
-          </a:p>
-        </p:txBody>
-      </p:sp>
-      <p:pic>
-        <p:nvPicPr>
-          <p:cNvPr id="11" name="图片 10"/>
-          <p:cNvPicPr/>
-          <p:nvPr/>
-        </p:nvPicPr>
-        <p:blipFill>
-          <a:blip r:embed="rId1"/>
-          <a:stretch>
-            <a:fillRect/>
-          </a:stretch>
-        </p:blipFill>
-        <p:spPr>
-          <a:xfrm>
-            <a:off x="7642860" y="1250315"/>
-            <a:ext cx="3520440" cy="1691005"/>
-          </a:xfrm>
-          <a:prstGeom prst="rect">
-            <a:avLst/>
-          </a:prstGeom>
-        </p:spPr>
-      </p:pic>
-      <p:pic>
-        <p:nvPicPr>
-          <p:cNvPr id="13" name="图片 12"/>
-          <p:cNvPicPr>
-            <a:picLocks noChangeAspect="1"/>
-          </p:cNvPicPr>
-          <p:nvPr/>
-        </p:nvPicPr>
-        <p:blipFill>
-          <a:blip r:embed="rId2"/>
-          <a:stretch>
-            <a:fillRect/>
-          </a:stretch>
-        </p:blipFill>
-        <p:spPr>
-          <a:xfrm>
-            <a:off x="73660" y="2941320"/>
-            <a:ext cx="12045315" cy="2750185"/>
-          </a:xfrm>
-          <a:prstGeom prst="rect">
-            <a:avLst/>
-          </a:prstGeom>
-        </p:spPr>
-      </p:pic>
-    </p:spTree>
-    <p:custDataLst>
-      <p:tags r:id="rId3"/>
-    </p:custDataLst>
-  </p:cSld>
-  <p:clrMapOvr>
-    <a:masterClrMapping/>
-  </p:clrMapOvr>
-</p:sld>
-</file>
-
-<file path=ppt/slides/slide9.xml><?xml version="1.0" encoding="utf-8"?>
-<p:sld xmlns:a="http://schemas.openxmlformats.org/drawingml/2006/main" xmlns:r="http://schemas.openxmlformats.org/officeDocument/2006/relationships" xmlns:p="http://schemas.openxmlformats.org/presentationml/2006/main">
-  <p:cSld>
-    <p:spTree>
-      <p:nvGrpSpPr>
-        <p:cNvPr id="1" name=""/>
-        <p:cNvGrpSpPr/>
-        <p:nvPr/>
-      </p:nvGrpSpPr>
-      <p:grpSpPr>
-        <a:xfrm>
-          <a:off x="0" y="0"/>
-          <a:ext cx="0" cy="0"/>
-          <a:chOff x="0" y="0"/>
-          <a:chExt cx="0" cy="0"/>
-        </a:xfrm>
-      </p:grpSpPr>
-      <p:cxnSp>
-        <p:nvCxnSpPr>
-          <p:cNvPr id="12" name="直接连接符 11"/>
-          <p:cNvCxnSpPr/>
-          <p:nvPr>
-            <p:custDataLst>
-              <p:tags r:id="rId1"/>
-            </p:custDataLst>
-          </p:nvPr>
-        </p:nvCxnSpPr>
-        <p:spPr>
-          <a:xfrm>
-            <a:off x="787690" y="2401643"/>
-            <a:ext cx="2268040" cy="0"/>
-          </a:xfrm>
-          <a:prstGeom prst="line">
-            <a:avLst/>
-          </a:prstGeom>
-          <a:ln w="9525">
-            <a:solidFill>
-              <a:schemeClr val="accent1"/>
-            </a:solidFill>
-          </a:ln>
-        </p:spPr>
-        <p:style>
-          <a:lnRef idx="1">
-            <a:schemeClr val="accent1"/>
-          </a:lnRef>
-          <a:fillRef idx="0">
-            <a:schemeClr val="accent1"/>
-          </a:fillRef>
-          <a:effectRef idx="0">
-            <a:schemeClr val="accent1"/>
-          </a:effectRef>
-          <a:fontRef idx="minor">
-            <a:schemeClr val="tx1"/>
-          </a:fontRef>
-        </p:style>
-      </p:cxnSp>
-      <p:sp>
-        <p:nvSpPr>
-          <p:cNvPr id="2" name="矩形 1"/>
-          <p:cNvSpPr/>
-          <p:nvPr>
-            <p:custDataLst>
-              <p:tags r:id="rId2"/>
-            </p:custDataLst>
-          </p:nvPr>
-        </p:nvSpPr>
-        <p:spPr>
-          <a:xfrm>
-            <a:off x="833755" y="2524125"/>
-            <a:ext cx="2222500" cy="3217545"/>
-          </a:xfrm>
-          <a:prstGeom prst="rect">
-            <a:avLst/>
-          </a:prstGeom>
-          <a:noFill/>
-        </p:spPr>
-        <p:txBody>
-          <a:bodyPr wrap="square" lIns="0" tIns="0" rIns="0" bIns="0" rtlCol="0" anchor="t" anchorCtr="0">
-            <a:noAutofit/>
-          </a:bodyPr>
-          <a:lstStyle/>
-          <a:p>
-            <a:pPr algn="l">
-              <a:lnSpc>
-                <a:spcPct val="130000"/>
-              </a:lnSpc>
-              <a:spcBef>
-                <a:spcPct val="0"/>
-              </a:spcBef>
-              <a:spcAft>
-                <a:spcPct val="0"/>
-              </a:spcAft>
-            </a:pPr>
-            <a:r>
-              <a:rPr lang="en-US" altLang="zh-CN" sz="1600">
-                <a:ln>
-                  <a:noFill/>
-                  <a:prstDash val="sysDot"/>
-                </a:ln>
-                <a:solidFill>
-                  <a:schemeClr val="tx1">
-                    <a:lumMod val="85000"/>
-                    <a:lumOff val="15000"/>
-                  </a:schemeClr>
-                </a:solidFill>
-                <a:latin typeface="+mn-ea"/>
-                <a:cs typeface="+mn-ea"/>
-              </a:rPr>
-              <a:t>Unable to run large models like Mistral-7B due to memory constraints.  </a:t>
-            </a:r>
-            <a:endParaRPr lang="en-US" altLang="zh-CN" sz="1600">
-              <a:ln>
-                <a:noFill/>
-                <a:prstDash val="sysDot"/>
-              </a:ln>
-              <a:solidFill>
-                <a:schemeClr val="tx1">
-                  <a:lumMod val="85000"/>
-                  <a:lumOff val="15000"/>
-                </a:schemeClr>
-              </a:solidFill>
-              <a:latin typeface="+mn-ea"/>
-              <a:cs typeface="+mn-ea"/>
-            </a:endParaRPr>
-          </a:p>
-          <a:p>
-            <a:pPr algn="just">
-              <a:lnSpc>
-                <a:spcPct val="130000"/>
-              </a:lnSpc>
-              <a:spcBef>
-                <a:spcPct val="0"/>
-              </a:spcBef>
-              <a:spcAft>
-                <a:spcPct val="0"/>
-              </a:spcAft>
-            </a:pPr>
-            <a:endParaRPr lang="en-US" altLang="zh-CN" sz="1600">
-              <a:ln>
-                <a:noFill/>
-                <a:prstDash val="sysDot"/>
-              </a:ln>
-              <a:solidFill>
-                <a:schemeClr val="tx1">
-                  <a:lumMod val="85000"/>
-                  <a:lumOff val="15000"/>
-                </a:schemeClr>
-              </a:solidFill>
-              <a:latin typeface="+mn-ea"/>
-              <a:cs typeface="+mn-ea"/>
-            </a:endParaRPr>
-          </a:p>
-          <a:p>
-            <a:pPr algn="just">
-              <a:lnSpc>
-                <a:spcPct val="130000"/>
-              </a:lnSpc>
-              <a:spcBef>
-                <a:spcPct val="0"/>
-              </a:spcBef>
-              <a:spcAft>
-                <a:spcPct val="0"/>
-              </a:spcAft>
-            </a:pPr>
-            <a:endParaRPr lang="en-US" altLang="zh-CN" sz="1600">
-              <a:ln>
-                <a:noFill/>
-                <a:prstDash val="sysDot"/>
-              </a:ln>
-              <a:solidFill>
-                <a:schemeClr val="tx1">
-                  <a:lumMod val="85000"/>
-                  <a:lumOff val="15000"/>
-                </a:schemeClr>
-              </a:solidFill>
-              <a:latin typeface="+mn-ea"/>
-              <a:cs typeface="+mn-ea"/>
-            </a:endParaRPr>
-          </a:p>
-          <a:p>
-            <a:pPr algn="l">
-              <a:lnSpc>
-                <a:spcPct val="130000"/>
-              </a:lnSpc>
-              <a:spcBef>
-                <a:spcPct val="0"/>
-              </a:spcBef>
-              <a:spcAft>
-                <a:spcPct val="0"/>
-              </a:spcAft>
-            </a:pPr>
-            <a:r>
-              <a:rPr lang="en-US" altLang="zh-CN" sz="1600">
-                <a:ln>
-                  <a:noFill/>
-                  <a:prstDash val="sysDot"/>
-                </a:ln>
-                <a:solidFill>
-                  <a:schemeClr val="tx1">
-                    <a:lumMod val="85000"/>
-                    <a:lumOff val="15000"/>
-                  </a:schemeClr>
-                </a:solidFill>
-                <a:latin typeface="+mn-ea"/>
-                <a:cs typeface="+mn-ea"/>
-              </a:rPr>
-              <a:t>Switched to lightweight models (DistilRoBERTa, Falcon-RW-1B).</a:t>
-            </a:r>
-            <a:endParaRPr lang="en-US" altLang="zh-CN" sz="1600">
-              <a:ln>
-                <a:noFill/>
-                <a:prstDash val="sysDot"/>
-              </a:ln>
-              <a:solidFill>
-                <a:schemeClr val="tx1">
-                  <a:lumMod val="85000"/>
-                  <a:lumOff val="15000"/>
-                </a:schemeClr>
-              </a:solidFill>
-              <a:latin typeface="+mn-ea"/>
-              <a:cs typeface="+mn-ea"/>
-            </a:endParaRPr>
-          </a:p>
-        </p:txBody>
-      </p:sp>
-      <p:sp>
-        <p:nvSpPr>
-          <p:cNvPr id="3" name="矩形 2"/>
-          <p:cNvSpPr/>
-          <p:nvPr>
-            <p:custDataLst>
-              <p:tags r:id="rId3"/>
-            </p:custDataLst>
-          </p:nvPr>
-        </p:nvSpPr>
-        <p:spPr>
-          <a:xfrm>
-            <a:off x="811530" y="1797050"/>
-            <a:ext cx="2080260" cy="588645"/>
-          </a:xfrm>
-          <a:prstGeom prst="rect">
-            <a:avLst/>
-          </a:prstGeom>
-          <a:noFill/>
-        </p:spPr>
-        <p:txBody>
-          <a:bodyPr wrap="square" lIns="0" tIns="0" rIns="0" bIns="0" rtlCol="0" anchor="ctr">
-            <a:noAutofit/>
-          </a:bodyPr>
-          <a:lstStyle/>
-          <a:p>
-            <a:pPr>
-              <a:spcBef>
-                <a:spcPct val="0"/>
-              </a:spcBef>
-              <a:spcAft>
-                <a:spcPct val="0"/>
-              </a:spcAft>
-            </a:pPr>
-            <a:r>
-              <a:rPr lang="en-US" altLang="zh-CN" sz="2000" b="1">
-                <a:solidFill>
-                  <a:schemeClr val="accent1"/>
-                </a:solidFill>
-                <a:latin typeface="+mn-ea"/>
-                <a:cs typeface="+mn-ea"/>
-              </a:rPr>
-              <a:t>Hardware Limitations</a:t>
-            </a:r>
-            <a:endParaRPr lang="en-US" altLang="zh-CN" sz="2000" b="1">
-              <a:solidFill>
-                <a:schemeClr val="accent1"/>
-              </a:solidFill>
-              <a:latin typeface="+mn-ea"/>
-              <a:cs typeface="+mn-ea"/>
-            </a:endParaRPr>
-          </a:p>
-        </p:txBody>
-      </p:sp>
-      <p:cxnSp>
-        <p:nvCxnSpPr>
-          <p:cNvPr id="34" name="直接连接符 33"/>
-          <p:cNvCxnSpPr/>
-          <p:nvPr>
-            <p:custDataLst>
-              <p:tags r:id="rId4"/>
-            </p:custDataLst>
-          </p:nvPr>
-        </p:nvCxnSpPr>
-        <p:spPr>
-          <a:xfrm>
-            <a:off x="3579513" y="2401643"/>
-            <a:ext cx="2268040" cy="0"/>
-          </a:xfrm>
-          <a:prstGeom prst="line">
-            <a:avLst/>
-          </a:prstGeom>
-          <a:ln w="9525">
-            <a:solidFill>
-              <a:schemeClr val="accent1"/>
-            </a:solidFill>
-          </a:ln>
-        </p:spPr>
-        <p:style>
-          <a:lnRef idx="1">
-            <a:schemeClr val="accent1"/>
-          </a:lnRef>
-          <a:fillRef idx="0">
-            <a:schemeClr val="accent1"/>
-          </a:fillRef>
-          <a:effectRef idx="0">
-            <a:schemeClr val="accent1"/>
-          </a:effectRef>
-          <a:fontRef idx="minor">
-            <a:schemeClr val="tx1"/>
-          </a:fontRef>
-        </p:style>
-      </p:cxnSp>
-      <p:sp>
-        <p:nvSpPr>
-          <p:cNvPr id="6" name="矩形 5"/>
-          <p:cNvSpPr/>
-          <p:nvPr>
-            <p:custDataLst>
-              <p:tags r:id="rId5"/>
-            </p:custDataLst>
-          </p:nvPr>
-        </p:nvSpPr>
-        <p:spPr>
-          <a:xfrm>
-            <a:off x="3625303" y="2524397"/>
-            <a:ext cx="2222250" cy="2257469"/>
-          </a:xfrm>
-          <a:prstGeom prst="rect">
-            <a:avLst/>
-          </a:prstGeom>
-          <a:noFill/>
-        </p:spPr>
-        <p:txBody>
-          <a:bodyPr wrap="square" lIns="0" tIns="0" rIns="0" bIns="0" rtlCol="0" anchor="t" anchorCtr="0">
-            <a:noAutofit/>
-          </a:bodyPr>
-          <a:lstStyle/>
-          <a:p>
-            <a:pPr algn="l">
-              <a:lnSpc>
-                <a:spcPct val="130000"/>
-              </a:lnSpc>
-              <a:spcBef>
-                <a:spcPct val="0"/>
-              </a:spcBef>
-              <a:spcAft>
-                <a:spcPct val="0"/>
-              </a:spcAft>
-            </a:pPr>
-            <a:r>
-              <a:rPr lang="en-US" altLang="zh-CN" sz="1600">
-                <a:ln>
-                  <a:noFill/>
-                  <a:prstDash val="sysDot"/>
-                </a:ln>
-                <a:solidFill>
-                  <a:schemeClr val="tx1">
-                    <a:lumMod val="85000"/>
-                    <a:lumOff val="15000"/>
-                  </a:schemeClr>
-                </a:solidFill>
-                <a:latin typeface="+mn-ea"/>
-                <a:cs typeface="+mn-ea"/>
-              </a:rPr>
-              <a:t>Early prompts were too verbose, causing inconsistent outputs.</a:t>
-            </a:r>
-            <a:endParaRPr lang="en-US" altLang="zh-CN" sz="1600">
-              <a:ln>
-                <a:noFill/>
-                <a:prstDash val="sysDot"/>
-              </a:ln>
-              <a:solidFill>
-                <a:schemeClr val="tx1">
-                  <a:lumMod val="85000"/>
-                  <a:lumOff val="15000"/>
-                </a:schemeClr>
-              </a:solidFill>
-              <a:latin typeface="+mn-ea"/>
-              <a:cs typeface="+mn-ea"/>
-            </a:endParaRPr>
-          </a:p>
-          <a:p>
-            <a:pPr algn="just">
-              <a:lnSpc>
-                <a:spcPct val="130000"/>
-              </a:lnSpc>
-              <a:spcBef>
-                <a:spcPct val="0"/>
-              </a:spcBef>
-              <a:spcAft>
-                <a:spcPct val="0"/>
-              </a:spcAft>
-            </a:pPr>
-            <a:endParaRPr lang="en-US" altLang="zh-CN" sz="1600">
-              <a:ln>
-                <a:noFill/>
-                <a:prstDash val="sysDot"/>
-              </a:ln>
-              <a:solidFill>
-                <a:schemeClr val="tx1">
-                  <a:lumMod val="85000"/>
-                  <a:lumOff val="15000"/>
-                </a:schemeClr>
-              </a:solidFill>
-              <a:latin typeface="+mn-ea"/>
-              <a:cs typeface="+mn-ea"/>
-            </a:endParaRPr>
-          </a:p>
-          <a:p>
-            <a:pPr algn="just">
-              <a:lnSpc>
-                <a:spcPct val="130000"/>
-              </a:lnSpc>
-              <a:spcBef>
-                <a:spcPct val="0"/>
-              </a:spcBef>
-              <a:spcAft>
-                <a:spcPct val="0"/>
-              </a:spcAft>
-            </a:pPr>
-            <a:endParaRPr lang="en-US" altLang="zh-CN" sz="1600">
-              <a:ln>
-                <a:noFill/>
-                <a:prstDash val="sysDot"/>
-              </a:ln>
-              <a:solidFill>
-                <a:schemeClr val="tx1">
-                  <a:lumMod val="85000"/>
-                  <a:lumOff val="15000"/>
-                </a:schemeClr>
-              </a:solidFill>
-              <a:latin typeface="+mn-ea"/>
-              <a:cs typeface="+mn-ea"/>
-            </a:endParaRPr>
-          </a:p>
-          <a:p>
-            <a:pPr algn="just">
-              <a:lnSpc>
-                <a:spcPct val="130000"/>
-              </a:lnSpc>
-              <a:spcBef>
-                <a:spcPct val="0"/>
-              </a:spcBef>
-              <a:spcAft>
-                <a:spcPct val="0"/>
-              </a:spcAft>
-            </a:pPr>
-            <a:endParaRPr lang="en-US" altLang="zh-CN" sz="1600">
-              <a:ln>
-                <a:noFill/>
-                <a:prstDash val="sysDot"/>
-              </a:ln>
-              <a:solidFill>
-                <a:schemeClr val="tx1">
-                  <a:lumMod val="85000"/>
-                  <a:lumOff val="15000"/>
-                </a:schemeClr>
-              </a:solidFill>
-              <a:latin typeface="+mn-ea"/>
-              <a:cs typeface="+mn-ea"/>
-            </a:endParaRPr>
-          </a:p>
-          <a:p>
-            <a:pPr algn="l">
-              <a:lnSpc>
-                <a:spcPct val="130000"/>
-              </a:lnSpc>
-              <a:spcBef>
-                <a:spcPct val="0"/>
-              </a:spcBef>
-              <a:spcAft>
-                <a:spcPct val="0"/>
-              </a:spcAft>
-            </a:pPr>
-            <a:r>
-              <a:rPr lang="en-US" altLang="zh-CN" sz="1600">
-                <a:ln>
-                  <a:noFill/>
-                  <a:prstDash val="sysDot"/>
-                </a:ln>
-                <a:solidFill>
-                  <a:schemeClr val="tx1">
-                    <a:lumMod val="85000"/>
-                    <a:lumOff val="15000"/>
-                  </a:schemeClr>
-                </a:solidFill>
-                <a:latin typeface="+mn-ea"/>
-                <a:cs typeface="+mn-ea"/>
-              </a:rPr>
-              <a:t>Standardized simple, structured, role-guided prompts.</a:t>
-            </a:r>
-            <a:endParaRPr lang="en-US" altLang="zh-CN" sz="1600">
-              <a:ln>
-                <a:noFill/>
-                <a:prstDash val="sysDot"/>
-              </a:ln>
-              <a:solidFill>
-                <a:schemeClr val="tx1">
-                  <a:lumMod val="85000"/>
-                  <a:lumOff val="15000"/>
-                </a:schemeClr>
-              </a:solidFill>
-              <a:latin typeface="+mn-ea"/>
-              <a:cs typeface="+mn-ea"/>
-            </a:endParaRPr>
-          </a:p>
-        </p:txBody>
-      </p:sp>
-      <p:sp>
-        <p:nvSpPr>
-          <p:cNvPr id="8" name="矩形 7"/>
-          <p:cNvSpPr/>
-          <p:nvPr>
-            <p:custDataLst>
-              <p:tags r:id="rId6"/>
-            </p:custDataLst>
-          </p:nvPr>
-        </p:nvSpPr>
-        <p:spPr>
-          <a:xfrm>
-            <a:off x="3603625" y="1797050"/>
-            <a:ext cx="1942465" cy="588645"/>
-          </a:xfrm>
-          <a:prstGeom prst="rect">
-            <a:avLst/>
-          </a:prstGeom>
-          <a:noFill/>
-        </p:spPr>
-        <p:txBody>
-          <a:bodyPr wrap="square" lIns="0" tIns="0" rIns="0" bIns="0" rtlCol="0" anchor="ctr">
-            <a:noAutofit/>
-          </a:bodyPr>
-          <a:lstStyle/>
-          <a:p>
-            <a:pPr algn="l">
-              <a:spcBef>
-                <a:spcPct val="0"/>
-              </a:spcBef>
-              <a:spcAft>
-                <a:spcPct val="0"/>
-              </a:spcAft>
-            </a:pPr>
-            <a:r>
-              <a:rPr lang="en-US" altLang="zh-CN" sz="2000" b="1">
-                <a:solidFill>
-                  <a:schemeClr val="accent1"/>
-                </a:solidFill>
-                <a:latin typeface="+mn-ea"/>
-                <a:cs typeface="+mn-ea"/>
-              </a:rPr>
-              <a:t>Prompt Design Instability</a:t>
-            </a:r>
-            <a:endParaRPr lang="en-US" altLang="zh-CN" sz="2000" b="1">
-              <a:solidFill>
-                <a:schemeClr val="accent1"/>
-              </a:solidFill>
-              <a:latin typeface="+mn-ea"/>
-              <a:cs typeface="+mn-ea"/>
-            </a:endParaRPr>
-          </a:p>
-        </p:txBody>
-      </p:sp>
-      <p:cxnSp>
-        <p:nvCxnSpPr>
-          <p:cNvPr id="53" name="直接连接符 52"/>
-          <p:cNvCxnSpPr/>
-          <p:nvPr>
-            <p:custDataLst>
-              <p:tags r:id="rId7"/>
-            </p:custDataLst>
-          </p:nvPr>
-        </p:nvCxnSpPr>
-        <p:spPr>
-          <a:xfrm>
-            <a:off x="6371336" y="2401643"/>
-            <a:ext cx="2268040" cy="0"/>
-          </a:xfrm>
-          <a:prstGeom prst="line">
-            <a:avLst/>
-          </a:prstGeom>
-          <a:ln w="9525">
-            <a:solidFill>
-              <a:schemeClr val="accent1"/>
-            </a:solidFill>
-          </a:ln>
-        </p:spPr>
-        <p:style>
-          <a:lnRef idx="1">
-            <a:schemeClr val="accent1"/>
-          </a:lnRef>
-          <a:fillRef idx="0">
-            <a:schemeClr val="accent1"/>
-          </a:fillRef>
-          <a:effectRef idx="0">
-            <a:schemeClr val="accent1"/>
-          </a:effectRef>
-          <a:fontRef idx="minor">
-            <a:schemeClr val="tx1"/>
-          </a:fontRef>
-        </p:style>
-      </p:cxnSp>
-      <p:sp>
-        <p:nvSpPr>
-          <p:cNvPr id="10" name="矩形 9"/>
-          <p:cNvSpPr/>
-          <p:nvPr>
-            <p:custDataLst>
-              <p:tags r:id="rId8"/>
-            </p:custDataLst>
-          </p:nvPr>
-        </p:nvSpPr>
-        <p:spPr>
-          <a:xfrm>
-            <a:off x="6417126" y="2524397"/>
-            <a:ext cx="2222250" cy="2257469"/>
-          </a:xfrm>
-          <a:prstGeom prst="rect">
-            <a:avLst/>
-          </a:prstGeom>
-          <a:noFill/>
-        </p:spPr>
-        <p:txBody>
-          <a:bodyPr wrap="square" lIns="0" tIns="0" rIns="0" bIns="0" rtlCol="0" anchor="t" anchorCtr="0">
-            <a:noAutofit/>
-          </a:bodyPr>
-          <a:lstStyle/>
-          <a:p>
-            <a:pPr algn="l">
-              <a:lnSpc>
-                <a:spcPct val="130000"/>
-              </a:lnSpc>
-              <a:spcBef>
-                <a:spcPct val="0"/>
-              </a:spcBef>
-              <a:spcAft>
-                <a:spcPct val="0"/>
-              </a:spcAft>
-            </a:pPr>
-            <a:r>
-              <a:rPr lang="en-US" altLang="zh-CN" sz="1600">
-                <a:ln>
-                  <a:noFill/>
-                  <a:prstDash val="sysDot"/>
-                </a:ln>
-                <a:solidFill>
-                  <a:schemeClr val="tx1">
-                    <a:lumMod val="85000"/>
-                    <a:lumOff val="15000"/>
-                  </a:schemeClr>
-                </a:solidFill>
-                <a:latin typeface="+mn-ea"/>
-                <a:cs typeface="+mn-ea"/>
-              </a:rPr>
-              <a:t>Responses sometimes included irrelevant or repetitive trailing content.</a:t>
-            </a:r>
-            <a:endParaRPr lang="en-US" altLang="zh-CN" sz="1600">
-              <a:ln>
-                <a:noFill/>
-                <a:prstDash val="sysDot"/>
-              </a:ln>
-              <a:solidFill>
-                <a:schemeClr val="tx1">
-                  <a:lumMod val="85000"/>
-                  <a:lumOff val="15000"/>
-                </a:schemeClr>
-              </a:solidFill>
-              <a:latin typeface="+mn-ea"/>
-              <a:cs typeface="+mn-ea"/>
-            </a:endParaRPr>
-          </a:p>
-          <a:p>
-            <a:pPr algn="just">
-              <a:lnSpc>
-                <a:spcPct val="130000"/>
-              </a:lnSpc>
-              <a:spcBef>
-                <a:spcPct val="0"/>
-              </a:spcBef>
-              <a:spcAft>
-                <a:spcPct val="0"/>
-              </a:spcAft>
-            </a:pPr>
-            <a:endParaRPr lang="en-US" altLang="zh-CN" sz="1600">
-              <a:ln>
-                <a:noFill/>
-                <a:prstDash val="sysDot"/>
-              </a:ln>
-              <a:solidFill>
-                <a:schemeClr val="tx1">
-                  <a:lumMod val="85000"/>
-                  <a:lumOff val="15000"/>
-                </a:schemeClr>
-              </a:solidFill>
-              <a:latin typeface="+mn-ea"/>
-              <a:cs typeface="+mn-ea"/>
-            </a:endParaRPr>
-          </a:p>
-          <a:p>
-            <a:pPr algn="just">
-              <a:lnSpc>
-                <a:spcPct val="130000"/>
-              </a:lnSpc>
-              <a:spcBef>
-                <a:spcPct val="0"/>
-              </a:spcBef>
-              <a:spcAft>
-                <a:spcPct val="0"/>
-              </a:spcAft>
-            </a:pPr>
-            <a:endParaRPr lang="en-US" altLang="zh-CN" sz="1600">
-              <a:ln>
-                <a:noFill/>
-                <a:prstDash val="sysDot"/>
-              </a:ln>
-              <a:solidFill>
-                <a:schemeClr val="tx1">
-                  <a:lumMod val="85000"/>
-                  <a:lumOff val="15000"/>
-                </a:schemeClr>
-              </a:solidFill>
-              <a:latin typeface="+mn-ea"/>
-              <a:cs typeface="+mn-ea"/>
-            </a:endParaRPr>
-          </a:p>
-          <a:p>
-            <a:pPr algn="l">
-              <a:lnSpc>
-                <a:spcPct val="130000"/>
-              </a:lnSpc>
-              <a:spcBef>
-                <a:spcPct val="0"/>
-              </a:spcBef>
-              <a:spcAft>
-                <a:spcPct val="0"/>
-              </a:spcAft>
-            </a:pPr>
-            <a:r>
-              <a:rPr lang="en-US" altLang="zh-CN" sz="1600">
-                <a:ln>
-                  <a:noFill/>
-                  <a:prstDash val="sysDot"/>
-                </a:ln>
-                <a:solidFill>
-                  <a:schemeClr val="tx1">
-                    <a:lumMod val="85000"/>
-                    <a:lumOff val="15000"/>
-                  </a:schemeClr>
-                </a:solidFill>
-                <a:latin typeface="+mn-ea"/>
-                <a:cs typeface="+mn-ea"/>
-              </a:rPr>
-              <a:t>Tuned generation parameters; partial mitigation achieved.</a:t>
-            </a:r>
-            <a:endParaRPr lang="en-US" altLang="zh-CN" sz="1600">
-              <a:ln>
-                <a:noFill/>
-                <a:prstDash val="sysDot"/>
-              </a:ln>
-              <a:solidFill>
-                <a:schemeClr val="tx1">
-                  <a:lumMod val="85000"/>
-                  <a:lumOff val="15000"/>
-                </a:schemeClr>
-              </a:solidFill>
-              <a:latin typeface="+mn-ea"/>
-              <a:cs typeface="+mn-ea"/>
-            </a:endParaRPr>
-          </a:p>
-        </p:txBody>
-      </p:sp>
-      <p:sp>
-        <p:nvSpPr>
-          <p:cNvPr id="11" name="矩形 10"/>
-          <p:cNvSpPr/>
-          <p:nvPr>
-            <p:custDataLst>
-              <p:tags r:id="rId9"/>
-            </p:custDataLst>
-          </p:nvPr>
-        </p:nvSpPr>
-        <p:spPr>
-          <a:xfrm>
-            <a:off x="6395424" y="1796828"/>
-            <a:ext cx="1744801" cy="588948"/>
-          </a:xfrm>
-          <a:prstGeom prst="rect">
-            <a:avLst/>
-          </a:prstGeom>
-          <a:noFill/>
-        </p:spPr>
-        <p:txBody>
-          <a:bodyPr wrap="square" lIns="0" tIns="0" rIns="0" bIns="0" rtlCol="0" anchor="ctr">
-            <a:noAutofit/>
-          </a:bodyPr>
-          <a:lstStyle/>
-          <a:p>
-            <a:pPr>
-              <a:spcBef>
-                <a:spcPct val="0"/>
-              </a:spcBef>
-              <a:spcAft>
-                <a:spcPct val="0"/>
-              </a:spcAft>
-            </a:pPr>
-            <a:r>
-              <a:rPr lang="en-US" altLang="zh-CN" sz="2000" b="1">
-                <a:solidFill>
-                  <a:schemeClr val="accent1"/>
-                </a:solidFill>
-                <a:latin typeface="+mn-ea"/>
-                <a:cs typeface="+mn-ea"/>
-              </a:rPr>
-              <a:t>Output Drift</a:t>
-            </a:r>
-            <a:endParaRPr lang="en-US" altLang="zh-CN" sz="2000" b="1">
-              <a:solidFill>
-                <a:schemeClr val="accent1"/>
-              </a:solidFill>
-              <a:latin typeface="+mn-ea"/>
-              <a:cs typeface="+mn-ea"/>
-            </a:endParaRPr>
-          </a:p>
-        </p:txBody>
-      </p:sp>
-      <p:sp>
-        <p:nvSpPr>
-          <p:cNvPr id="13" name="矩形 12"/>
-          <p:cNvSpPr/>
-          <p:nvPr>
-            <p:custDataLst>
-              <p:tags r:id="rId10"/>
-            </p:custDataLst>
-          </p:nvPr>
-        </p:nvSpPr>
-        <p:spPr>
-          <a:xfrm>
-            <a:off x="8161927" y="1791881"/>
-            <a:ext cx="477448" cy="588949"/>
-          </a:xfrm>
-          <a:prstGeom prst="rect">
-            <a:avLst/>
-          </a:prstGeom>
-          <a:noFill/>
-        </p:spPr>
-        <p:txBody>
-          <a:bodyPr wrap="none" lIns="0" tIns="0" rIns="0" bIns="0" rtlCol="0" anchor="ctr">
-            <a:normAutofit/>
-          </a:bodyPr>
-          <a:lstStyle/>
-          <a:p>
-            <a:pPr algn="r">
-              <a:spcBef>
-                <a:spcPct val="0"/>
-              </a:spcBef>
-              <a:spcAft>
-                <a:spcPct val="0"/>
-              </a:spcAft>
-            </a:pPr>
-            <a:endParaRPr lang="zh-CN" altLang="en-US" sz="2400" b="1">
-              <a:solidFill>
-                <a:schemeClr val="accent1"/>
-              </a:solidFill>
-              <a:latin typeface="+mn-ea"/>
-              <a:cs typeface="+mn-ea"/>
-            </a:endParaRPr>
-          </a:p>
-        </p:txBody>
-      </p:sp>
-      <p:cxnSp>
-        <p:nvCxnSpPr>
-          <p:cNvPr id="59" name="直接连接符 58"/>
-          <p:cNvCxnSpPr/>
-          <p:nvPr>
-            <p:custDataLst>
-              <p:tags r:id="rId11"/>
-            </p:custDataLst>
-          </p:nvPr>
-        </p:nvCxnSpPr>
-        <p:spPr>
-          <a:xfrm>
-            <a:off x="9163159" y="2401643"/>
-            <a:ext cx="2268040" cy="0"/>
-          </a:xfrm>
-          <a:prstGeom prst="line">
-            <a:avLst/>
-          </a:prstGeom>
-          <a:ln w="9525">
-            <a:solidFill>
-              <a:schemeClr val="accent1"/>
-            </a:solidFill>
-          </a:ln>
-        </p:spPr>
-        <p:style>
-          <a:lnRef idx="1">
-            <a:schemeClr val="accent1"/>
-          </a:lnRef>
-          <a:fillRef idx="0">
-            <a:schemeClr val="accent1"/>
-          </a:fillRef>
-          <a:effectRef idx="0">
-            <a:schemeClr val="accent1"/>
-          </a:effectRef>
-          <a:fontRef idx="minor">
-            <a:schemeClr val="tx1"/>
-          </a:fontRef>
-        </p:style>
-      </p:cxnSp>
-      <p:sp>
-        <p:nvSpPr>
-          <p:cNvPr id="14" name="矩形 13"/>
-          <p:cNvSpPr/>
-          <p:nvPr>
-            <p:custDataLst>
-              <p:tags r:id="rId12"/>
-            </p:custDataLst>
-          </p:nvPr>
-        </p:nvSpPr>
-        <p:spPr>
-          <a:xfrm>
-            <a:off x="9208949" y="2524397"/>
-            <a:ext cx="2222250" cy="2257469"/>
-          </a:xfrm>
-          <a:prstGeom prst="rect">
-            <a:avLst/>
-          </a:prstGeom>
-          <a:noFill/>
-        </p:spPr>
-        <p:txBody>
-          <a:bodyPr wrap="square" lIns="0" tIns="0" rIns="0" bIns="0" rtlCol="0" anchor="t" anchorCtr="0">
-            <a:noAutofit/>
-          </a:bodyPr>
-          <a:lstStyle/>
-          <a:p>
-            <a:pPr algn="l">
-              <a:lnSpc>
-                <a:spcPct val="130000"/>
-              </a:lnSpc>
-              <a:spcBef>
-                <a:spcPct val="0"/>
-              </a:spcBef>
-              <a:spcAft>
-                <a:spcPct val="0"/>
-              </a:spcAft>
-            </a:pPr>
-            <a:r>
-              <a:rPr lang="en-US" altLang="zh-CN" sz="1600">
-                <a:ln>
-                  <a:noFill/>
-                  <a:prstDash val="sysDot"/>
-                </a:ln>
-                <a:solidFill>
-                  <a:schemeClr val="tx1">
-                    <a:lumMod val="85000"/>
-                    <a:lumOff val="15000"/>
-                  </a:schemeClr>
-                </a:solidFill>
-                <a:latin typeface="+mn-ea"/>
-                <a:cs typeface="+mn-ea"/>
-              </a:rPr>
-              <a:t>Small models lacked full conversational nuance and depth.</a:t>
-            </a:r>
-            <a:endParaRPr lang="en-US" altLang="zh-CN" sz="1600">
-              <a:ln>
-                <a:noFill/>
-                <a:prstDash val="sysDot"/>
-              </a:ln>
-              <a:solidFill>
-                <a:schemeClr val="tx1">
-                  <a:lumMod val="85000"/>
-                  <a:lumOff val="15000"/>
-                </a:schemeClr>
-              </a:solidFill>
-              <a:latin typeface="+mn-ea"/>
-              <a:cs typeface="+mn-ea"/>
-            </a:endParaRPr>
-          </a:p>
-          <a:p>
-            <a:pPr algn="just">
-              <a:lnSpc>
-                <a:spcPct val="130000"/>
-              </a:lnSpc>
-              <a:spcBef>
-                <a:spcPct val="0"/>
-              </a:spcBef>
-              <a:spcAft>
-                <a:spcPct val="0"/>
-              </a:spcAft>
-            </a:pPr>
-            <a:endParaRPr lang="en-US" altLang="zh-CN" sz="1600">
-              <a:ln>
-                <a:noFill/>
-                <a:prstDash val="sysDot"/>
-              </a:ln>
-              <a:solidFill>
-                <a:schemeClr val="tx1">
-                  <a:lumMod val="85000"/>
-                  <a:lumOff val="15000"/>
-                </a:schemeClr>
-              </a:solidFill>
-              <a:latin typeface="+mn-ea"/>
-              <a:cs typeface="+mn-ea"/>
-            </a:endParaRPr>
-          </a:p>
-          <a:p>
-            <a:pPr algn="just">
-              <a:lnSpc>
-                <a:spcPct val="130000"/>
-              </a:lnSpc>
-              <a:spcBef>
-                <a:spcPct val="0"/>
-              </a:spcBef>
-              <a:spcAft>
-                <a:spcPct val="0"/>
-              </a:spcAft>
-            </a:pPr>
-            <a:endParaRPr lang="en-US" altLang="zh-CN" sz="1600">
-              <a:ln>
-                <a:noFill/>
-                <a:prstDash val="sysDot"/>
-              </a:ln>
-              <a:solidFill>
-                <a:schemeClr val="tx1">
-                  <a:lumMod val="85000"/>
-                  <a:lumOff val="15000"/>
-                </a:schemeClr>
-              </a:solidFill>
-              <a:latin typeface="+mn-ea"/>
-              <a:cs typeface="+mn-ea"/>
-            </a:endParaRPr>
-          </a:p>
-          <a:p>
-            <a:pPr algn="just">
-              <a:lnSpc>
-                <a:spcPct val="130000"/>
-              </a:lnSpc>
-              <a:spcBef>
-                <a:spcPct val="0"/>
-              </a:spcBef>
-              <a:spcAft>
-                <a:spcPct val="0"/>
-              </a:spcAft>
-            </a:pPr>
-            <a:endParaRPr lang="en-US" altLang="zh-CN" sz="1600">
-              <a:ln>
-                <a:noFill/>
-                <a:prstDash val="sysDot"/>
-              </a:ln>
-              <a:solidFill>
-                <a:schemeClr val="tx1">
-                  <a:lumMod val="85000"/>
-                  <a:lumOff val="15000"/>
-                </a:schemeClr>
-              </a:solidFill>
-              <a:latin typeface="+mn-ea"/>
-              <a:cs typeface="+mn-ea"/>
-            </a:endParaRPr>
-          </a:p>
-          <a:p>
-            <a:pPr algn="l">
-              <a:lnSpc>
-                <a:spcPct val="130000"/>
-              </a:lnSpc>
-              <a:spcBef>
-                <a:spcPct val="0"/>
-              </a:spcBef>
-              <a:spcAft>
-                <a:spcPct val="0"/>
-              </a:spcAft>
-            </a:pPr>
-            <a:r>
-              <a:rPr lang="en-US" altLang="zh-CN" sz="1600">
-                <a:ln>
-                  <a:noFill/>
-                  <a:prstDash val="sysDot"/>
-                </a:ln>
-                <a:solidFill>
-                  <a:schemeClr val="tx1">
-                    <a:lumMod val="85000"/>
-                    <a:lumOff val="15000"/>
-                  </a:schemeClr>
-                </a:solidFill>
-                <a:latin typeface="+mn-ea"/>
-                <a:cs typeface="+mn-ea"/>
-              </a:rPr>
-              <a:t>Improved prompts; accepted as a hardware-driven limitation.</a:t>
-            </a:r>
-            <a:endParaRPr lang="en-US" altLang="zh-CN" sz="1600">
-              <a:ln>
-                <a:noFill/>
-                <a:prstDash val="sysDot"/>
-              </a:ln>
-              <a:solidFill>
-                <a:schemeClr val="tx1">
-                  <a:lumMod val="85000"/>
-                  <a:lumOff val="15000"/>
-                </a:schemeClr>
-              </a:solidFill>
-              <a:latin typeface="+mn-ea"/>
-              <a:cs typeface="+mn-ea"/>
-            </a:endParaRPr>
-          </a:p>
-        </p:txBody>
-      </p:sp>
-      <p:sp>
-        <p:nvSpPr>
-          <p:cNvPr id="15" name="矩形 14"/>
-          <p:cNvSpPr/>
-          <p:nvPr>
-            <p:custDataLst>
-              <p:tags r:id="rId13"/>
-            </p:custDataLst>
-          </p:nvPr>
-        </p:nvSpPr>
-        <p:spPr>
-          <a:xfrm>
-            <a:off x="9187180" y="1797050"/>
-            <a:ext cx="2244090" cy="588645"/>
-          </a:xfrm>
-          <a:prstGeom prst="rect">
-            <a:avLst/>
-          </a:prstGeom>
-          <a:noFill/>
-        </p:spPr>
-        <p:txBody>
-          <a:bodyPr wrap="square" lIns="0" tIns="0" rIns="0" bIns="0" rtlCol="0" anchor="ctr">
-            <a:noAutofit/>
-          </a:bodyPr>
-          <a:lstStyle/>
-          <a:p>
-            <a:pPr>
-              <a:spcBef>
-                <a:spcPct val="0"/>
-              </a:spcBef>
-              <a:spcAft>
-                <a:spcPct val="0"/>
-              </a:spcAft>
-            </a:pPr>
-            <a:r>
-              <a:rPr lang="en-US" altLang="zh-CN" sz="2000" b="1">
-                <a:solidFill>
-                  <a:schemeClr val="accent1"/>
-                </a:solidFill>
-                <a:latin typeface="+mn-ea"/>
-                <a:cs typeface="+mn-ea"/>
-              </a:rPr>
-              <a:t>Limited Model Naturalness</a:t>
-            </a:r>
-            <a:endParaRPr lang="en-US" altLang="zh-CN" sz="2000" b="1">
-              <a:solidFill>
-                <a:schemeClr val="accent1"/>
-              </a:solidFill>
-              <a:latin typeface="+mn-ea"/>
-              <a:cs typeface="+mn-ea"/>
-            </a:endParaRPr>
-          </a:p>
-        </p:txBody>
-      </p:sp>
-      <p:sp>
-        <p:nvSpPr>
-          <p:cNvPr id="31" name="标题 1"/>
-          <p:cNvSpPr>
-            <a:spLocks noGrp="1"/>
-          </p:cNvSpPr>
-          <p:nvPr>
-            <p:custDataLst>
-              <p:tags r:id="rId14"/>
-            </p:custDataLst>
-          </p:nvPr>
-        </p:nvSpPr>
-        <p:spPr>
-          <a:xfrm>
-            <a:off x="965200" y="584790"/>
-            <a:ext cx="10515600" cy="864000"/>
-          </a:xfrm>
-          <a:prstGeom prst="rect">
-            <a:avLst/>
-          </a:prstGeom>
-        </p:spPr>
-        <p:txBody>
-          <a:bodyPr vert="horz" lIns="0" tIns="0" rIns="0" bIns="0" rtlCol="0" anchor="ctr">
-            <a:normAutofit/>
-          </a:bodyPr>
-          <a:lstStyle>
-            <a:lvl1pPr algn="ctr" defTabSz="914400" rtl="0" eaLnBrk="1" latinLnBrk="0" hangingPunct="1">
-              <a:lnSpc>
-                <a:spcPct val="100000"/>
-              </a:lnSpc>
-              <a:spcBef>
-                <a:spcPct val="0"/>
-              </a:spcBef>
-              <a:buNone/>
-              <a:defRPr sz="4000" b="1" kern="1200">
-                <a:solidFill>
-                  <a:schemeClr val="accent6"/>
-                </a:solidFill>
-                <a:latin typeface="+mj-lt"/>
-                <a:ea typeface="+mj-ea"/>
-                <a:cs typeface="+mj-cs"/>
-              </a:defRPr>
-            </a:lvl1pPr>
-          </a:lstStyle>
-          <a:p>
-            <a:r>
-              <a:rPr lang="en-US" altLang="zh-CN"/>
-              <a:t>CalmBot Project – Key Challenges </a:t>
-            </a:r>
-            <a:endParaRPr lang="en-US" altLang="zh-CN"/>
-          </a:p>
-        </p:txBody>
-      </p:sp>
-      <p:sp>
-        <p:nvSpPr>
-          <p:cNvPr id="32" name="下箭头 31"/>
-          <p:cNvSpPr/>
-          <p:nvPr/>
-        </p:nvSpPr>
-        <p:spPr>
-          <a:xfrm>
-            <a:off x="1489710" y="3863340"/>
-            <a:ext cx="502920" cy="472440"/>
-          </a:xfrm>
-          <a:prstGeom prst="downArrow">
-            <a:avLst/>
-          </a:prstGeom>
-          <a:solidFill>
-            <a:schemeClr val="accent6"/>
-          </a:solidFill>
-          <a:ln>
-            <a:noFill/>
-          </a:ln>
-        </p:spPr>
-        <p:style>
-          <a:lnRef idx="2">
-            <a:schemeClr val="accent1">
-              <a:lumMod val="75000"/>
-            </a:schemeClr>
-          </a:lnRef>
-          <a:fillRef idx="1">
-            <a:schemeClr val="accent1"/>
-          </a:fillRef>
-          <a:effectRef idx="0">
-            <a:srgbClr val="FFFFFF"/>
-          </a:effectRef>
-          <a:fontRef idx="minor">
-            <a:schemeClr val="lt1"/>
-          </a:fontRef>
-        </p:style>
-        <p:txBody>
-          <a:bodyPr rtlCol="0" anchor="ctr"/>
-          <a:p>
-            <a:pPr algn="ctr"/>
-            <a:endParaRPr lang="zh-CN" altLang="en-US"/>
-          </a:p>
-        </p:txBody>
-      </p:sp>
-      <p:sp>
-        <p:nvSpPr>
-          <p:cNvPr id="65" name="下箭头 64"/>
-          <p:cNvSpPr/>
-          <p:nvPr/>
-        </p:nvSpPr>
-        <p:spPr>
-          <a:xfrm>
-            <a:off x="10020935" y="3863340"/>
-            <a:ext cx="502920" cy="472440"/>
-          </a:xfrm>
-          <a:prstGeom prst="downArrow">
-            <a:avLst/>
-          </a:prstGeom>
-          <a:solidFill>
-            <a:schemeClr val="accent6"/>
-          </a:solidFill>
-          <a:ln>
-            <a:noFill/>
-          </a:ln>
-        </p:spPr>
-        <p:style>
-          <a:lnRef idx="2">
-            <a:schemeClr val="accent1">
-              <a:lumMod val="75000"/>
-            </a:schemeClr>
-          </a:lnRef>
-          <a:fillRef idx="1">
-            <a:schemeClr val="accent1"/>
-          </a:fillRef>
-          <a:effectRef idx="0">
-            <a:srgbClr val="FFFFFF"/>
-          </a:effectRef>
-          <a:fontRef idx="minor">
-            <a:schemeClr val="lt1"/>
-          </a:fontRef>
-        </p:style>
-        <p:txBody>
-          <a:bodyPr rtlCol="0" anchor="ctr"/>
-          <a:p>
-            <a:pPr algn="ctr"/>
-            <a:endParaRPr lang="zh-CN" altLang="en-US"/>
-          </a:p>
-        </p:txBody>
-      </p:sp>
-      <p:sp>
-        <p:nvSpPr>
-          <p:cNvPr id="66" name="下箭头 65"/>
-          <p:cNvSpPr/>
-          <p:nvPr/>
-        </p:nvSpPr>
-        <p:spPr>
-          <a:xfrm>
-            <a:off x="7195820" y="3896995"/>
-            <a:ext cx="502920" cy="472440"/>
-          </a:xfrm>
-          <a:prstGeom prst="downArrow">
-            <a:avLst/>
-          </a:prstGeom>
-          <a:solidFill>
-            <a:schemeClr val="accent6"/>
-          </a:solidFill>
-          <a:ln>
-            <a:noFill/>
-          </a:ln>
-        </p:spPr>
-        <p:style>
-          <a:lnRef idx="2">
-            <a:schemeClr val="accent1">
-              <a:lumMod val="75000"/>
-            </a:schemeClr>
-          </a:lnRef>
-          <a:fillRef idx="1">
-            <a:schemeClr val="accent1"/>
-          </a:fillRef>
-          <a:effectRef idx="0">
-            <a:srgbClr val="FFFFFF"/>
-          </a:effectRef>
-          <a:fontRef idx="minor">
-            <a:schemeClr val="lt1"/>
-          </a:fontRef>
-        </p:style>
-        <p:txBody>
-          <a:bodyPr rtlCol="0" anchor="ctr"/>
-          <a:p>
-            <a:pPr algn="ctr"/>
-            <a:endParaRPr lang="zh-CN" altLang="en-US"/>
-          </a:p>
-        </p:txBody>
-      </p:sp>
-      <p:sp>
-        <p:nvSpPr>
-          <p:cNvPr id="67" name="下箭头 66"/>
-          <p:cNvSpPr/>
-          <p:nvPr/>
-        </p:nvSpPr>
-        <p:spPr>
-          <a:xfrm>
-            <a:off x="4371340" y="3896995"/>
-            <a:ext cx="502920" cy="472440"/>
-          </a:xfrm>
-          <a:prstGeom prst="downArrow">
-            <a:avLst/>
-          </a:prstGeom>
-          <a:solidFill>
-            <a:schemeClr val="accent6"/>
-          </a:solidFill>
-          <a:ln>
-            <a:noFill/>
-          </a:ln>
-        </p:spPr>
-        <p:style>
-          <a:lnRef idx="2">
-            <a:schemeClr val="accent1">
-              <a:lumMod val="75000"/>
-            </a:schemeClr>
-          </a:lnRef>
-          <a:fillRef idx="1">
-            <a:schemeClr val="accent1"/>
-          </a:fillRef>
-          <a:effectRef idx="0">
-            <a:srgbClr val="FFFFFF"/>
-          </a:effectRef>
-          <a:fontRef idx="minor">
-            <a:schemeClr val="lt1"/>
-          </a:fontRef>
-        </p:style>
-        <p:txBody>
-          <a:bodyPr rtlCol="0" anchor="ctr"/>
-          <a:p>
-            <a:pPr algn="ctr"/>
-            <a:endParaRPr lang="zh-CN" altLang="en-US"/>
-          </a:p>
-        </p:txBody>
-      </p:sp>
-    </p:spTree>
-    <p:custDataLst>
-      <p:tags r:id="rId15"/>
-    </p:custDataLst>
-  </p:cSld>
-  <p:clrMapOvr>
-    <a:masterClrMapping/>
-  </p:clrMapOvr>
-</p:sld>
-</file>
-
 <file path=ppt/tags/tag1.xml><?xml version="1.0" encoding="utf-8"?>
 <p:tagLst xmlns:p="http://schemas.openxmlformats.org/presentationml/2006/main">
   <p:tag name="KSO_WM_UNIT_LINE_FORE_SCHEMECOLOR_INDEX_BRIGHTNESS" val="0"/>
@@ -39006,14 +38637,6 @@
 </file>
 
 <file path=ppt/tags/tag481.xml><?xml version="1.0" encoding="utf-8"?>
-<p:tagLst xmlns:p="http://schemas.openxmlformats.org/presentationml/2006/main">
-  <p:tag name="KSO_WM_BEAUTIFY_FLAG" val="#wm#"/>
-  <p:tag name="KSO_WM_TEMPLATE_CATEGORY" val="custom"/>
-  <p:tag name="KSO_WM_TEMPLATE_INDEX" val="20230985"/>
-</p:tagLst>
-</file>
-
-<file path=ppt/tags/tag482.xml><?xml version="1.0" encoding="utf-8"?>
 <p:tagLst xmlns:p="http://schemas.openxmlformats.org/presentationml/2006/main">
   <p:tag name="KSO_WM_UNIT_HIGHLIGHT" val="0"/>
   <p:tag name="KSO_WM_UNIT_COMPATIBLE" val="0"/>
@@ -39041,7 +38664,7 @@
 </p:tagLst>
 </file>
 
-<file path=ppt/tags/tag483.xml><?xml version="1.0" encoding="utf-8"?>
+<file path=ppt/tags/tag482.xml><?xml version="1.0" encoding="utf-8"?>
 <p:tagLst xmlns:p="http://schemas.openxmlformats.org/presentationml/2006/main">
   <p:tag name="KSO_WM_UNIT_SUBTYPE" val="a"/>
   <p:tag name="KSO_WM_UNIT_NOCLEAR" val="0"/>
@@ -39076,7 +38699,7 @@
 </p:tagLst>
 </file>
 
-<file path=ppt/tags/tag484.xml><?xml version="1.0" encoding="utf-8"?>
+<file path=ppt/tags/tag483.xml><?xml version="1.0" encoding="utf-8"?>
 <p:tagLst xmlns:p="http://schemas.openxmlformats.org/presentationml/2006/main">
   <p:tag name="KSO_WM_UNIT_ISCONTENTSTITLE" val="0"/>
   <p:tag name="KSO_WM_UNIT_ISNUMDGMTITLE" val="0"/>
@@ -39111,7 +38734,7 @@
 </p:tagLst>
 </file>
 
-<file path=ppt/tags/tag485.xml><?xml version="1.0" encoding="utf-8"?>
+<file path=ppt/tags/tag484.xml><?xml version="1.0" encoding="utf-8"?>
 <p:tagLst xmlns:p="http://schemas.openxmlformats.org/presentationml/2006/main">
   <p:tag name="KSO_WM_UNIT_HIGHLIGHT" val="0"/>
   <p:tag name="KSO_WM_UNIT_COMPATIBLE" val="0"/>
@@ -39139,7 +38762,7 @@
 </p:tagLst>
 </file>
 
-<file path=ppt/tags/tag486.xml><?xml version="1.0" encoding="utf-8"?>
+<file path=ppt/tags/tag485.xml><?xml version="1.0" encoding="utf-8"?>
 <p:tagLst xmlns:p="http://schemas.openxmlformats.org/presentationml/2006/main">
   <p:tag name="KSO_WM_UNIT_SUBTYPE" val="a"/>
   <p:tag name="KSO_WM_UNIT_NOCLEAR" val="0"/>
@@ -39174,7 +38797,7 @@
 </p:tagLst>
 </file>
 
-<file path=ppt/tags/tag487.xml><?xml version="1.0" encoding="utf-8"?>
+<file path=ppt/tags/tag486.xml><?xml version="1.0" encoding="utf-8"?>
 <p:tagLst xmlns:p="http://schemas.openxmlformats.org/presentationml/2006/main">
   <p:tag name="KSO_WM_UNIT_ISCONTENTSTITLE" val="0"/>
   <p:tag name="KSO_WM_UNIT_ISNUMDGMTITLE" val="0"/>
@@ -39209,7 +38832,7 @@
 </p:tagLst>
 </file>
 
-<file path=ppt/tags/tag488.xml><?xml version="1.0" encoding="utf-8"?>
+<file path=ppt/tags/tag487.xml><?xml version="1.0" encoding="utf-8"?>
 <p:tagLst xmlns:p="http://schemas.openxmlformats.org/presentationml/2006/main">
   <p:tag name="KSO_WM_UNIT_HIGHLIGHT" val="0"/>
   <p:tag name="KSO_WM_UNIT_COMPATIBLE" val="0"/>
@@ -39237,7 +38860,7 @@
 </p:tagLst>
 </file>
 
-<file path=ppt/tags/tag489.xml><?xml version="1.0" encoding="utf-8"?>
+<file path=ppt/tags/tag488.xml><?xml version="1.0" encoding="utf-8"?>
 <p:tagLst xmlns:p="http://schemas.openxmlformats.org/presentationml/2006/main">
   <p:tag name="KSO_WM_UNIT_SUBTYPE" val="a"/>
   <p:tag name="KSO_WM_UNIT_NOCLEAR" val="0"/>
@@ -39272,25 +38895,7 @@
 </p:tagLst>
 </file>
 
-<file path=ppt/tags/tag49.xml><?xml version="1.0" encoding="utf-8"?>
-<p:tagLst xmlns:p="http://schemas.openxmlformats.org/presentationml/2006/main">
-  <p:tag name="KSO_WM_UNIT_LINE_FORE_SCHEMECOLOR_INDEX_BRIGHTNESS" val="0"/>
-  <p:tag name="KSO_WM_UNIT_LINE_FORE_SCHEMECOLOR_INDEX" val="6"/>
-  <p:tag name="KSO_WM_UNIT_LINE_FILL_TYPE" val="2"/>
-  <p:tag name="KSO_WM_BEAUTIFY_FLAG" val="#wm#"/>
-  <p:tag name="KSO_WM_UNIT_HIGHLIGHT" val="0"/>
-  <p:tag name="KSO_WM_UNIT_COMPATIBLE" val="0"/>
-  <p:tag name="KSO_WM_UNIT_DIAGRAM_ISNUMVISUAL" val="0"/>
-  <p:tag name="KSO_WM_UNIT_DIAGRAM_ISREFERUNIT" val="0"/>
-  <p:tag name="KSO_WM_UNIT_ID" val="_1*i*49"/>
-  <p:tag name="KSO_WM_UNIT_LAYERLEVEL" val="1"/>
-  <p:tag name="KSO_WM_TAG_VERSION" val="1.0"/>
-  <p:tag name="KSO_WM_UNIT_TYPE" val="i"/>
-  <p:tag name="KSO_WM_UNIT_INDEX" val="49"/>
-</p:tagLst>
-</file>
-
-<file path=ppt/tags/tag490.xml><?xml version="1.0" encoding="utf-8"?>
+<file path=ppt/tags/tag489.xml><?xml version="1.0" encoding="utf-8"?>
 <p:tagLst xmlns:p="http://schemas.openxmlformats.org/presentationml/2006/main">
   <p:tag name="KSO_WM_UNIT_ISCONTENTSTITLE" val="0"/>
   <p:tag name="KSO_WM_UNIT_ISNUMDGMTITLE" val="0"/>
@@ -39325,7 +38930,25 @@
 </p:tagLst>
 </file>
 
-<file path=ppt/tags/tag491.xml><?xml version="1.0" encoding="utf-8"?>
+<file path=ppt/tags/tag49.xml><?xml version="1.0" encoding="utf-8"?>
+<p:tagLst xmlns:p="http://schemas.openxmlformats.org/presentationml/2006/main">
+  <p:tag name="KSO_WM_UNIT_LINE_FORE_SCHEMECOLOR_INDEX_BRIGHTNESS" val="0"/>
+  <p:tag name="KSO_WM_UNIT_LINE_FORE_SCHEMECOLOR_INDEX" val="6"/>
+  <p:tag name="KSO_WM_UNIT_LINE_FILL_TYPE" val="2"/>
+  <p:tag name="KSO_WM_BEAUTIFY_FLAG" val="#wm#"/>
+  <p:tag name="KSO_WM_UNIT_HIGHLIGHT" val="0"/>
+  <p:tag name="KSO_WM_UNIT_COMPATIBLE" val="0"/>
+  <p:tag name="KSO_WM_UNIT_DIAGRAM_ISNUMVISUAL" val="0"/>
+  <p:tag name="KSO_WM_UNIT_DIAGRAM_ISREFERUNIT" val="0"/>
+  <p:tag name="KSO_WM_UNIT_ID" val="_1*i*49"/>
+  <p:tag name="KSO_WM_UNIT_LAYERLEVEL" val="1"/>
+  <p:tag name="KSO_WM_TAG_VERSION" val="1.0"/>
+  <p:tag name="KSO_WM_UNIT_TYPE" val="i"/>
+  <p:tag name="KSO_WM_UNIT_INDEX" val="49"/>
+</p:tagLst>
+</file>
+
+<file path=ppt/tags/tag490.xml><?xml version="1.0" encoding="utf-8"?>
 <p:tagLst xmlns:p="http://schemas.openxmlformats.org/presentationml/2006/main">
   <p:tag name="KSO_WM_UNIT_HIGHLIGHT" val="0"/>
   <p:tag name="KSO_WM_UNIT_COMPATIBLE" val="0"/>
@@ -39355,7 +38978,7 @@
 </p:tagLst>
 </file>
 
-<file path=ppt/tags/tag492.xml><?xml version="1.0" encoding="utf-8"?>
+<file path=ppt/tags/tag491.xml><?xml version="1.0" encoding="utf-8"?>
 <p:tagLst xmlns:p="http://schemas.openxmlformats.org/presentationml/2006/main">
   <p:tag name="KSO_WM_UNIT_HIGHLIGHT" val="0"/>
   <p:tag name="KSO_WM_UNIT_COMPATIBLE" val="0"/>
@@ -39383,7 +39006,7 @@
 </p:tagLst>
 </file>
 
-<file path=ppt/tags/tag493.xml><?xml version="1.0" encoding="utf-8"?>
+<file path=ppt/tags/tag492.xml><?xml version="1.0" encoding="utf-8"?>
 <p:tagLst xmlns:p="http://schemas.openxmlformats.org/presentationml/2006/main">
   <p:tag name="KSO_WM_UNIT_SUBTYPE" val="a"/>
   <p:tag name="KSO_WM_UNIT_NOCLEAR" val="0"/>
@@ -39418,7 +39041,7 @@
 </p:tagLst>
 </file>
 
-<file path=ppt/tags/tag494.xml><?xml version="1.0" encoding="utf-8"?>
+<file path=ppt/tags/tag493.xml><?xml version="1.0" encoding="utf-8"?>
 <p:tagLst xmlns:p="http://schemas.openxmlformats.org/presentationml/2006/main">
   <p:tag name="KSO_WM_UNIT_ISCONTENTSTITLE" val="0"/>
   <p:tag name="KSO_WM_UNIT_ISNUMDGMTITLE" val="0"/>
@@ -39453,7 +39076,7 @@
 </p:tagLst>
 </file>
 
-<file path=ppt/tags/tag495.xml><?xml version="1.0" encoding="utf-8"?>
+<file path=ppt/tags/tag494.xml><?xml version="1.0" encoding="utf-8"?>
 <p:tagLst xmlns:p="http://schemas.openxmlformats.org/presentationml/2006/main">
   <p:tag name="KSO_WM_UNIT_ISCONTENTSTITLE" val="0"/>
   <p:tag name="KSO_WM_UNIT_ISNUMDGMTITLE" val="0"/>
@@ -39479,7 +39102,7 @@
 </p:tagLst>
 </file>
 
-<file path=ppt/tags/tag496.xml><?xml version="1.0" encoding="utf-8"?>
+<file path=ppt/tags/tag495.xml><?xml version="1.0" encoding="utf-8"?>
 <p:tagLst xmlns:p="http://schemas.openxmlformats.org/presentationml/2006/main">
   <p:tag name="KSO_WM_SLIDE_ID" val="diagram2023178_3"/>
   <p:tag name="KSO_WM_TEMPLATE_SUBCATEGORY" val="0"/>
@@ -39503,7 +39126,7 @@
 </p:tagLst>
 </file>
 
-<file path=ppt/tags/tag497.xml><?xml version="1.0" encoding="utf-8"?>
+<file path=ppt/tags/tag496.xml><?xml version="1.0" encoding="utf-8"?>
 <p:tagLst xmlns:p="http://schemas.openxmlformats.org/presentationml/2006/main">
   <p:tag name="KSO_WM_UNIT_ISCONTENTSTITLE" val="0"/>
   <p:tag name="KSO_WM_UNIT_ISNUMDGMTITLE" val="0"/>
@@ -39530,7 +39153,7 @@
 </p:tagLst>
 </file>
 
-<file path=ppt/tags/tag498.xml><?xml version="1.0" encoding="utf-8"?>
+<file path=ppt/tags/tag497.xml><?xml version="1.0" encoding="utf-8"?>
 <p:tagLst xmlns:p="http://schemas.openxmlformats.org/presentationml/2006/main">
   <p:tag name="KSO_WM_BEAUTIFY_FLAG" val="#wm#"/>
   <p:tag name="KSO_WM_UNIT_HIGHLIGHT" val="0"/>
@@ -39559,7 +39182,7 @@
 </p:tagLst>
 </file>
 
-<file path=ppt/tags/tag499.xml><?xml version="1.0" encoding="utf-8"?>
+<file path=ppt/tags/tag498.xml><?xml version="1.0" encoding="utf-8"?>
 <p:tagLst xmlns:p="http://schemas.openxmlformats.org/presentationml/2006/main">
   <p:tag name="KSO_WM_BEAUTIFY_FLAG" val="#wm#"/>
   <p:tag name="KSO_WM_UNIT_HIGHLIGHT" val="0"/>
@@ -39590,43 +39213,7 @@
 </p:tagLst>
 </file>
 
-<file path=ppt/tags/tag5.xml><?xml version="1.0" encoding="utf-8"?>
-<p:tagLst xmlns:p="http://schemas.openxmlformats.org/presentationml/2006/main">
-  <p:tag name="KSO_WM_UNIT_LINE_FORE_SCHEMECOLOR_INDEX_BRIGHTNESS" val="0"/>
-  <p:tag name="KSO_WM_UNIT_LINE_FORE_SCHEMECOLOR_INDEX" val="6"/>
-  <p:tag name="KSO_WM_UNIT_LINE_FILL_TYPE" val="2"/>
-  <p:tag name="KSO_WM_BEAUTIFY_FLAG" val="#wm#"/>
-  <p:tag name="KSO_WM_UNIT_HIGHLIGHT" val="0"/>
-  <p:tag name="KSO_WM_UNIT_COMPATIBLE" val="0"/>
-  <p:tag name="KSO_WM_UNIT_DIAGRAM_ISNUMVISUAL" val="0"/>
-  <p:tag name="KSO_WM_UNIT_DIAGRAM_ISREFERUNIT" val="0"/>
-  <p:tag name="KSO_WM_UNIT_ID" val="_1*i*5"/>
-  <p:tag name="KSO_WM_UNIT_LAYERLEVEL" val="1"/>
-  <p:tag name="KSO_WM_TAG_VERSION" val="1.0"/>
-  <p:tag name="KSO_WM_UNIT_TYPE" val="i"/>
-  <p:tag name="KSO_WM_UNIT_INDEX" val="5"/>
-</p:tagLst>
-</file>
-
-<file path=ppt/tags/tag50.xml><?xml version="1.0" encoding="utf-8"?>
-<p:tagLst xmlns:p="http://schemas.openxmlformats.org/presentationml/2006/main">
-  <p:tag name="KSO_WM_UNIT_LINE_FORE_SCHEMECOLOR_INDEX_BRIGHTNESS" val="0"/>
-  <p:tag name="KSO_WM_UNIT_LINE_FORE_SCHEMECOLOR_INDEX" val="6"/>
-  <p:tag name="KSO_WM_UNIT_LINE_FILL_TYPE" val="2"/>
-  <p:tag name="KSO_WM_BEAUTIFY_FLAG" val="#wm#"/>
-  <p:tag name="KSO_WM_UNIT_HIGHLIGHT" val="0"/>
-  <p:tag name="KSO_WM_UNIT_COMPATIBLE" val="0"/>
-  <p:tag name="KSO_WM_UNIT_DIAGRAM_ISNUMVISUAL" val="0"/>
-  <p:tag name="KSO_WM_UNIT_DIAGRAM_ISREFERUNIT" val="0"/>
-  <p:tag name="KSO_WM_UNIT_ID" val="_1*i*50"/>
-  <p:tag name="KSO_WM_UNIT_LAYERLEVEL" val="1"/>
-  <p:tag name="KSO_WM_TAG_VERSION" val="1.0"/>
-  <p:tag name="KSO_WM_UNIT_TYPE" val="i"/>
-  <p:tag name="KSO_WM_UNIT_INDEX" val="50"/>
-</p:tagLst>
-</file>
-
-<file path=ppt/tags/tag500.xml><?xml version="1.0" encoding="utf-8"?>
+<file path=ppt/tags/tag499.xml><?xml version="1.0" encoding="utf-8"?>
 <p:tagLst xmlns:p="http://schemas.openxmlformats.org/presentationml/2006/main">
   <p:tag name="KSO_WM_BEAUTIFY_FLAG" val="#wm#"/>
   <p:tag name="KSO_WM_UNIT_HIGHLIGHT" val="0"/>
@@ -39657,7 +39244,43 @@
 </p:tagLst>
 </file>
 
-<file path=ppt/tags/tag501.xml><?xml version="1.0" encoding="utf-8"?>
+<file path=ppt/tags/tag5.xml><?xml version="1.0" encoding="utf-8"?>
+<p:tagLst xmlns:p="http://schemas.openxmlformats.org/presentationml/2006/main">
+  <p:tag name="KSO_WM_UNIT_LINE_FORE_SCHEMECOLOR_INDEX_BRIGHTNESS" val="0"/>
+  <p:tag name="KSO_WM_UNIT_LINE_FORE_SCHEMECOLOR_INDEX" val="6"/>
+  <p:tag name="KSO_WM_UNIT_LINE_FILL_TYPE" val="2"/>
+  <p:tag name="KSO_WM_BEAUTIFY_FLAG" val="#wm#"/>
+  <p:tag name="KSO_WM_UNIT_HIGHLIGHT" val="0"/>
+  <p:tag name="KSO_WM_UNIT_COMPATIBLE" val="0"/>
+  <p:tag name="KSO_WM_UNIT_DIAGRAM_ISNUMVISUAL" val="0"/>
+  <p:tag name="KSO_WM_UNIT_DIAGRAM_ISREFERUNIT" val="0"/>
+  <p:tag name="KSO_WM_UNIT_ID" val="_1*i*5"/>
+  <p:tag name="KSO_WM_UNIT_LAYERLEVEL" val="1"/>
+  <p:tag name="KSO_WM_TAG_VERSION" val="1.0"/>
+  <p:tag name="KSO_WM_UNIT_TYPE" val="i"/>
+  <p:tag name="KSO_WM_UNIT_INDEX" val="5"/>
+</p:tagLst>
+</file>
+
+<file path=ppt/tags/tag50.xml><?xml version="1.0" encoding="utf-8"?>
+<p:tagLst xmlns:p="http://schemas.openxmlformats.org/presentationml/2006/main">
+  <p:tag name="KSO_WM_UNIT_LINE_FORE_SCHEMECOLOR_INDEX_BRIGHTNESS" val="0"/>
+  <p:tag name="KSO_WM_UNIT_LINE_FORE_SCHEMECOLOR_INDEX" val="6"/>
+  <p:tag name="KSO_WM_UNIT_LINE_FILL_TYPE" val="2"/>
+  <p:tag name="KSO_WM_BEAUTIFY_FLAG" val="#wm#"/>
+  <p:tag name="KSO_WM_UNIT_HIGHLIGHT" val="0"/>
+  <p:tag name="KSO_WM_UNIT_COMPATIBLE" val="0"/>
+  <p:tag name="KSO_WM_UNIT_DIAGRAM_ISNUMVISUAL" val="0"/>
+  <p:tag name="KSO_WM_UNIT_DIAGRAM_ISREFERUNIT" val="0"/>
+  <p:tag name="KSO_WM_UNIT_ID" val="_1*i*50"/>
+  <p:tag name="KSO_WM_UNIT_LAYERLEVEL" val="1"/>
+  <p:tag name="KSO_WM_TAG_VERSION" val="1.0"/>
+  <p:tag name="KSO_WM_UNIT_TYPE" val="i"/>
+  <p:tag name="KSO_WM_UNIT_INDEX" val="50"/>
+</p:tagLst>
+</file>
+
+<file path=ppt/tags/tag500.xml><?xml version="1.0" encoding="utf-8"?>
 <p:tagLst xmlns:p="http://schemas.openxmlformats.org/presentationml/2006/main">
   <p:tag name="KSO_WM_BEAUTIFY_FLAG" val="#wm#"/>
   <p:tag name="KSO_WM_UNIT_HIGHLIGHT" val="0"/>
@@ -39685,7 +39308,7 @@
 </p:tagLst>
 </file>
 
-<file path=ppt/tags/tag502.xml><?xml version="1.0" encoding="utf-8"?>
+<file path=ppt/tags/tag501.xml><?xml version="1.0" encoding="utf-8"?>
 <p:tagLst xmlns:p="http://schemas.openxmlformats.org/presentationml/2006/main">
   <p:tag name="KSO_WM_UNIT_ISCONTENTSTITLE" val="0"/>
   <p:tag name="KSO_WM_UNIT_ISNUMDGMTITLE" val="0"/>
@@ -39718,7 +39341,7 @@
 </p:tagLst>
 </file>
 
-<file path=ppt/tags/tag503.xml><?xml version="1.0" encoding="utf-8"?>
+<file path=ppt/tags/tag502.xml><?xml version="1.0" encoding="utf-8"?>
 <p:tagLst xmlns:p="http://schemas.openxmlformats.org/presentationml/2006/main">
   <p:tag name="KSO_WM_UNIT_SUBTYPE" val="a"/>
   <p:tag name="KSO_WM_UNIT_NOCLEAR" val="0"/>
@@ -39750,7 +39373,7 @@
 </p:tagLst>
 </file>
 
-<file path=ppt/tags/tag504.xml><?xml version="1.0" encoding="utf-8"?>
+<file path=ppt/tags/tag503.xml><?xml version="1.0" encoding="utf-8"?>
 <p:tagLst xmlns:p="http://schemas.openxmlformats.org/presentationml/2006/main">
   <p:tag name="KSO_WM_BEAUTIFY_FLAG" val="#wm#"/>
   <p:tag name="KSO_WM_UNIT_HIGHLIGHT" val="0"/>
@@ -39781,7 +39404,7 @@
 </p:tagLst>
 </file>
 
-<file path=ppt/tags/tag505.xml><?xml version="1.0" encoding="utf-8"?>
+<file path=ppt/tags/tag504.xml><?xml version="1.0" encoding="utf-8"?>
 <p:tagLst xmlns:p="http://schemas.openxmlformats.org/presentationml/2006/main">
   <p:tag name="KSO_WM_BEAUTIFY_FLAG" val="#wm#"/>
   <p:tag name="KSO_WM_UNIT_HIGHLIGHT" val="0"/>
@@ -39812,7 +39435,7 @@
 </p:tagLst>
 </file>
 
-<file path=ppt/tags/tag506.xml><?xml version="1.0" encoding="utf-8"?>
+<file path=ppt/tags/tag505.xml><?xml version="1.0" encoding="utf-8"?>
 <p:tagLst xmlns:p="http://schemas.openxmlformats.org/presentationml/2006/main">
   <p:tag name="KSO_WM_BEAUTIFY_FLAG" val="#wm#"/>
   <p:tag name="KSO_WM_UNIT_HIGHLIGHT" val="0"/>
@@ -39843,7 +39466,7 @@
 </p:tagLst>
 </file>
 
-<file path=ppt/tags/tag507.xml><?xml version="1.0" encoding="utf-8"?>
+<file path=ppt/tags/tag506.xml><?xml version="1.0" encoding="utf-8"?>
 <p:tagLst xmlns:p="http://schemas.openxmlformats.org/presentationml/2006/main">
   <p:tag name="KSO_WM_BEAUTIFY_FLAG" val="#wm#"/>
   <p:tag name="KSO_WM_UNIT_HIGHLIGHT" val="0"/>
@@ -39871,7 +39494,7 @@
 </p:tagLst>
 </file>
 
-<file path=ppt/tags/tag508.xml><?xml version="1.0" encoding="utf-8"?>
+<file path=ppt/tags/tag507.xml><?xml version="1.0" encoding="utf-8"?>
 <p:tagLst xmlns:p="http://schemas.openxmlformats.org/presentationml/2006/main">
   <p:tag name="KSO_WM_UNIT_ISCONTENTSTITLE" val="0"/>
   <p:tag name="KSO_WM_UNIT_ISNUMDGMTITLE" val="0"/>
@@ -39905,7 +39528,7 @@
 </p:tagLst>
 </file>
 
-<file path=ppt/tags/tag509.xml><?xml version="1.0" encoding="utf-8"?>
+<file path=ppt/tags/tag508.xml><?xml version="1.0" encoding="utf-8"?>
 <p:tagLst xmlns:p="http://schemas.openxmlformats.org/presentationml/2006/main">
   <p:tag name="KSO_WM_UNIT_SUBTYPE" val="a"/>
   <p:tag name="KSO_WM_UNIT_NOCLEAR" val="0"/>
@@ -39938,25 +39561,7 @@
 </p:tagLst>
 </file>
 
-<file path=ppt/tags/tag51.xml><?xml version="1.0" encoding="utf-8"?>
-<p:tagLst xmlns:p="http://schemas.openxmlformats.org/presentationml/2006/main">
-  <p:tag name="KSO_WM_UNIT_LINE_FORE_SCHEMECOLOR_INDEX_BRIGHTNESS" val="0"/>
-  <p:tag name="KSO_WM_UNIT_LINE_FORE_SCHEMECOLOR_INDEX" val="6"/>
-  <p:tag name="KSO_WM_UNIT_LINE_FILL_TYPE" val="2"/>
-  <p:tag name="KSO_WM_BEAUTIFY_FLAG" val="#wm#"/>
-  <p:tag name="KSO_WM_UNIT_HIGHLIGHT" val="0"/>
-  <p:tag name="KSO_WM_UNIT_COMPATIBLE" val="0"/>
-  <p:tag name="KSO_WM_UNIT_DIAGRAM_ISNUMVISUAL" val="0"/>
-  <p:tag name="KSO_WM_UNIT_DIAGRAM_ISREFERUNIT" val="0"/>
-  <p:tag name="KSO_WM_UNIT_ID" val="_1*i*51"/>
-  <p:tag name="KSO_WM_UNIT_LAYERLEVEL" val="1"/>
-  <p:tag name="KSO_WM_TAG_VERSION" val="1.0"/>
-  <p:tag name="KSO_WM_UNIT_TYPE" val="i"/>
-  <p:tag name="KSO_WM_UNIT_INDEX" val="51"/>
-</p:tagLst>
-</file>
-
-<file path=ppt/tags/tag510.xml><?xml version="1.0" encoding="utf-8"?>
+<file path=ppt/tags/tag509.xml><?xml version="1.0" encoding="utf-8"?>
 <p:tagLst xmlns:p="http://schemas.openxmlformats.org/presentationml/2006/main">
   <p:tag name="KSO_WM_BEAUTIFY_FLAG" val="#wm#"/>
   <p:tag name="KSO_WM_UNIT_HIGHLIGHT" val="0"/>
@@ -39987,7 +39592,25 @@
 </p:tagLst>
 </file>
 
-<file path=ppt/tags/tag511.xml><?xml version="1.0" encoding="utf-8"?>
+<file path=ppt/tags/tag51.xml><?xml version="1.0" encoding="utf-8"?>
+<p:tagLst xmlns:p="http://schemas.openxmlformats.org/presentationml/2006/main">
+  <p:tag name="KSO_WM_UNIT_LINE_FORE_SCHEMECOLOR_INDEX_BRIGHTNESS" val="0"/>
+  <p:tag name="KSO_WM_UNIT_LINE_FORE_SCHEMECOLOR_INDEX" val="6"/>
+  <p:tag name="KSO_WM_UNIT_LINE_FILL_TYPE" val="2"/>
+  <p:tag name="KSO_WM_BEAUTIFY_FLAG" val="#wm#"/>
+  <p:tag name="KSO_WM_UNIT_HIGHLIGHT" val="0"/>
+  <p:tag name="KSO_WM_UNIT_COMPATIBLE" val="0"/>
+  <p:tag name="KSO_WM_UNIT_DIAGRAM_ISNUMVISUAL" val="0"/>
+  <p:tag name="KSO_WM_UNIT_DIAGRAM_ISREFERUNIT" val="0"/>
+  <p:tag name="KSO_WM_UNIT_ID" val="_1*i*51"/>
+  <p:tag name="KSO_WM_UNIT_LAYERLEVEL" val="1"/>
+  <p:tag name="KSO_WM_TAG_VERSION" val="1.0"/>
+  <p:tag name="KSO_WM_UNIT_TYPE" val="i"/>
+  <p:tag name="KSO_WM_UNIT_INDEX" val="51"/>
+</p:tagLst>
+</file>
+
+<file path=ppt/tags/tag510.xml><?xml version="1.0" encoding="utf-8"?>
 <p:tagLst xmlns:p="http://schemas.openxmlformats.org/presentationml/2006/main">
   <p:tag name="KSO_WM_BEAUTIFY_FLAG" val="#wm#"/>
   <p:tag name="KSO_WM_UNIT_HIGHLIGHT" val="0"/>
@@ -40018,7 +39641,7 @@
 </p:tagLst>
 </file>
 
-<file path=ppt/tags/tag512.xml><?xml version="1.0" encoding="utf-8"?>
+<file path=ppt/tags/tag511.xml><?xml version="1.0" encoding="utf-8"?>
 <p:tagLst xmlns:p="http://schemas.openxmlformats.org/presentationml/2006/main">
   <p:tag name="KSO_WM_BEAUTIFY_FLAG" val="#wm#"/>
   <p:tag name="KSO_WM_UNIT_HIGHLIGHT" val="0"/>
@@ -40049,7 +39672,7 @@
 </p:tagLst>
 </file>
 
-<file path=ppt/tags/tag513.xml><?xml version="1.0" encoding="utf-8"?>
+<file path=ppt/tags/tag512.xml><?xml version="1.0" encoding="utf-8"?>
 <p:tagLst xmlns:p="http://schemas.openxmlformats.org/presentationml/2006/main">
   <p:tag name="KSO_WM_BEAUTIFY_FLAG" val="#wm#"/>
   <p:tag name="KSO_WM_UNIT_HIGHLIGHT" val="0"/>
@@ -40077,7 +39700,7 @@
 </p:tagLst>
 </file>
 
-<file path=ppt/tags/tag514.xml><?xml version="1.0" encoding="utf-8"?>
+<file path=ppt/tags/tag513.xml><?xml version="1.0" encoding="utf-8"?>
 <p:tagLst xmlns:p="http://schemas.openxmlformats.org/presentationml/2006/main">
   <p:tag name="KSO_WM_UNIT_ISCONTENTSTITLE" val="0"/>
   <p:tag name="KSO_WM_UNIT_ISNUMDGMTITLE" val="0"/>
@@ -40110,7 +39733,7 @@
 </p:tagLst>
 </file>
 
-<file path=ppt/tags/tag515.xml><?xml version="1.0" encoding="utf-8"?>
+<file path=ppt/tags/tag514.xml><?xml version="1.0" encoding="utf-8"?>
 <p:tagLst xmlns:p="http://schemas.openxmlformats.org/presentationml/2006/main">
   <p:tag name="KSO_WM_UNIT_SUBTYPE" val="a"/>
   <p:tag name="KSO_WM_UNIT_NOCLEAR" val="0"/>
@@ -40142,7 +39765,7 @@
 </p:tagLst>
 </file>
 
-<file path=ppt/tags/tag516.xml><?xml version="1.0" encoding="utf-8"?>
+<file path=ppt/tags/tag515.xml><?xml version="1.0" encoding="utf-8"?>
 <p:tagLst xmlns:p="http://schemas.openxmlformats.org/presentationml/2006/main">
   <p:tag name="KSO_WM_BEAUTIFY_FLAG" val="#wm#"/>
   <p:tag name="KSO_WM_UNIT_HIGHLIGHT" val="0"/>
@@ -40173,7 +39796,7 @@
 </p:tagLst>
 </file>
 
-<file path=ppt/tags/tag517.xml><?xml version="1.0" encoding="utf-8"?>
+<file path=ppt/tags/tag516.xml><?xml version="1.0" encoding="utf-8"?>
 <p:tagLst xmlns:p="http://schemas.openxmlformats.org/presentationml/2006/main">
   <p:tag name="KSO_WM_BEAUTIFY_FLAG" val="#wm#"/>
   <p:tag name="KSO_WM_UNIT_HIGHLIGHT" val="0"/>
@@ -40204,7 +39827,7 @@
 </p:tagLst>
 </file>
 
-<file path=ppt/tags/tag518.xml><?xml version="1.0" encoding="utf-8"?>
+<file path=ppt/tags/tag517.xml><?xml version="1.0" encoding="utf-8"?>
 <p:tagLst xmlns:p="http://schemas.openxmlformats.org/presentationml/2006/main">
   <p:tag name="KSO_WM_BEAUTIFY_FLAG" val="#wm#"/>
   <p:tag name="KSO_WM_UNIT_HIGHLIGHT" val="0"/>
@@ -40235,7 +39858,7 @@
 </p:tagLst>
 </file>
 
-<file path=ppt/tags/tag519.xml><?xml version="1.0" encoding="utf-8"?>
+<file path=ppt/tags/tag518.xml><?xml version="1.0" encoding="utf-8"?>
 <p:tagLst xmlns:p="http://schemas.openxmlformats.org/presentationml/2006/main">
   <p:tag name="KSO_WM_BEAUTIFY_FLAG" val="#wm#"/>
   <p:tag name="KSO_WM_UNIT_HIGHLIGHT" val="0"/>
@@ -40263,25 +39886,7 @@
 </p:tagLst>
 </file>
 
-<file path=ppt/tags/tag52.xml><?xml version="1.0" encoding="utf-8"?>
-<p:tagLst xmlns:p="http://schemas.openxmlformats.org/presentationml/2006/main">
-  <p:tag name="KSO_WM_UNIT_LINE_FORE_SCHEMECOLOR_INDEX_BRIGHTNESS" val="0"/>
-  <p:tag name="KSO_WM_UNIT_LINE_FORE_SCHEMECOLOR_INDEX" val="6"/>
-  <p:tag name="KSO_WM_UNIT_LINE_FILL_TYPE" val="2"/>
-  <p:tag name="KSO_WM_BEAUTIFY_FLAG" val="#wm#"/>
-  <p:tag name="KSO_WM_UNIT_HIGHLIGHT" val="0"/>
-  <p:tag name="KSO_WM_UNIT_COMPATIBLE" val="0"/>
-  <p:tag name="KSO_WM_UNIT_DIAGRAM_ISNUMVISUAL" val="0"/>
-  <p:tag name="KSO_WM_UNIT_DIAGRAM_ISREFERUNIT" val="0"/>
-  <p:tag name="KSO_WM_UNIT_ID" val="_1*i*52"/>
-  <p:tag name="KSO_WM_UNIT_LAYERLEVEL" val="1"/>
-  <p:tag name="KSO_WM_TAG_VERSION" val="1.0"/>
-  <p:tag name="KSO_WM_UNIT_TYPE" val="i"/>
-  <p:tag name="KSO_WM_UNIT_INDEX" val="52"/>
-</p:tagLst>
-</file>
-
-<file path=ppt/tags/tag520.xml><?xml version="1.0" encoding="utf-8"?>
+<file path=ppt/tags/tag519.xml><?xml version="1.0" encoding="utf-8"?>
 <p:tagLst xmlns:p="http://schemas.openxmlformats.org/presentationml/2006/main">
   <p:tag name="KSO_WM_UNIT_ISCONTENTSTITLE" val="0"/>
   <p:tag name="KSO_WM_UNIT_ISNUMDGMTITLE" val="0"/>
@@ -40315,7 +39920,25 @@
 </p:tagLst>
 </file>
 
-<file path=ppt/tags/tag521.xml><?xml version="1.0" encoding="utf-8"?>
+<file path=ppt/tags/tag52.xml><?xml version="1.0" encoding="utf-8"?>
+<p:tagLst xmlns:p="http://schemas.openxmlformats.org/presentationml/2006/main">
+  <p:tag name="KSO_WM_UNIT_LINE_FORE_SCHEMECOLOR_INDEX_BRIGHTNESS" val="0"/>
+  <p:tag name="KSO_WM_UNIT_LINE_FORE_SCHEMECOLOR_INDEX" val="6"/>
+  <p:tag name="KSO_WM_UNIT_LINE_FILL_TYPE" val="2"/>
+  <p:tag name="KSO_WM_BEAUTIFY_FLAG" val="#wm#"/>
+  <p:tag name="KSO_WM_UNIT_HIGHLIGHT" val="0"/>
+  <p:tag name="KSO_WM_UNIT_COMPATIBLE" val="0"/>
+  <p:tag name="KSO_WM_UNIT_DIAGRAM_ISNUMVISUAL" val="0"/>
+  <p:tag name="KSO_WM_UNIT_DIAGRAM_ISREFERUNIT" val="0"/>
+  <p:tag name="KSO_WM_UNIT_ID" val="_1*i*52"/>
+  <p:tag name="KSO_WM_UNIT_LAYERLEVEL" val="1"/>
+  <p:tag name="KSO_WM_TAG_VERSION" val="1.0"/>
+  <p:tag name="KSO_WM_UNIT_TYPE" val="i"/>
+  <p:tag name="KSO_WM_UNIT_INDEX" val="52"/>
+</p:tagLst>
+</file>
+
+<file path=ppt/tags/tag520.xml><?xml version="1.0" encoding="utf-8"?>
 <p:tagLst xmlns:p="http://schemas.openxmlformats.org/presentationml/2006/main">
   <p:tag name="KSO_WM_UNIT_SUBTYPE" val="a"/>
   <p:tag name="KSO_WM_UNIT_NOCLEAR" val="0"/>
@@ -40348,7 +39971,7 @@
 </p:tagLst>
 </file>
 
-<file path=ppt/tags/tag522.xml><?xml version="1.0" encoding="utf-8"?>
+<file path=ppt/tags/tag521.xml><?xml version="1.0" encoding="utf-8"?>
 <p:tagLst xmlns:p="http://schemas.openxmlformats.org/presentationml/2006/main">
   <p:tag name="KSO_WM_UNIT_SUBTYPE" val="a"/>
   <p:tag name="KSO_WM_UNIT_NOCLEAR" val="0"/>
@@ -40380,7 +40003,7 @@
 </p:tagLst>
 </file>
 
-<file path=ppt/tags/tag523.xml><?xml version="1.0" encoding="utf-8"?>
+<file path=ppt/tags/tag522.xml><?xml version="1.0" encoding="utf-8"?>
 <p:tagLst xmlns:p="http://schemas.openxmlformats.org/presentationml/2006/main">
   <p:tag name="KSO_WM_SLIDE_ID" val="diagram20231069_4"/>
   <p:tag name="KSO_WM_TEMPLATE_SUBCATEGORY" val="0"/>
@@ -40404,7 +40027,7 @@
 </p:tagLst>
 </file>
 
-<file path=ppt/tags/tag524.xml><?xml version="1.0" encoding="utf-8"?>
+<file path=ppt/tags/tag523.xml><?xml version="1.0" encoding="utf-8"?>
 <p:tagLst xmlns:p="http://schemas.openxmlformats.org/presentationml/2006/main">
   <p:tag name="KSO_WM_BEAUTIFY_FLAG" val="#wm#"/>
   <p:tag name="KSO_WM_TEMPLATE_CATEGORY" val="custom"/>
@@ -40412,7 +40035,7 @@
 </p:tagLst>
 </file>
 
-<file path=ppt/tags/tag525.xml><?xml version="1.0" encoding="utf-8"?>
+<file path=ppt/tags/tag524.xml><?xml version="1.0" encoding="utf-8"?>
 <p:tagLst xmlns:p="http://schemas.openxmlformats.org/presentationml/2006/main">
   <p:tag name="KSO_WM_UNIT_HIGHLIGHT" val="0"/>
   <p:tag name="KSO_WM_UNIT_COMPATIBLE" val="0"/>
@@ -40432,7 +40055,7 @@
 </p:tagLst>
 </file>
 
-<file path=ppt/tags/tag526.xml><?xml version="1.0" encoding="utf-8"?>
+<file path=ppt/tags/tag525.xml><?xml version="1.0" encoding="utf-8"?>
 <p:tagLst xmlns:p="http://schemas.openxmlformats.org/presentationml/2006/main">
   <p:tag name="KSO_WM_SLIDE_ID" val="custom20230985_9"/>
   <p:tag name="KSO_WM_TEMPLATE_SUBCATEGORY" val="29"/>

--- a/CalmBot.pptx
+++ b/CalmBot.pptx
@@ -704,7 +704,11 @@
           <a:p>
             <a:r>
               <a:rPr lang="en-US" altLang="zh-CN"/>
-              <a:t>Mental health remains a major crisis in the United States.</a:t>
+              <a:t>Mental health remains a major </a:t>
+            </a:r>
+            <a:r>
+              <a:rPr lang="en-US" altLang="zh-CN"/>
+              <a:t>isssue in the United States.</a:t>
             </a:r>
             <a:endParaRPr lang="en-US" altLang="zh-CN"/>
           </a:p>
@@ -874,7 +878,7 @@
           <a:p>
             <a:r>
               <a:rPr lang="en-US" altLang="zh-CN"/>
-              <a:t>First, I prepared the environment by installing the necessary Python libraries.</a:t>
+              <a:t>First, I prepared the environment .</a:t>
             </a:r>
             <a:endParaRPr lang="en-US" altLang="zh-CN"/>
           </a:p>
@@ -970,7 +974,7 @@
           <a:p>
             <a:r>
               <a:rPr lang="en-US" altLang="zh-CN"/>
-              <a:t>The first part covers how CalmBot processes emotion detection, builds dynamic prompts, generates text responses, and cleans outputs into clear sentences.</a:t>
+              <a:t>The first part covers how CalmBot processes emotion detection, builds prompts, generates text responses, and cleans outputs into clear sentences.</a:t>
             </a:r>
             <a:endParaRPr lang="en-US" altLang="zh-CN"/>
           </a:p>
@@ -1185,7 +1189,7 @@
           <a:p>
             <a:r>
               <a:rPr lang="en-US" altLang="zh-CN" dirty="0"/>
-              <a:t>Although tuning generation parameters helped, output drift — where responses trail off into unrelated content — could not be fully eliminated.</a:t>
+              <a:t>Although tuning generation parameters helped, output drift could not be fully eliminated.</a:t>
             </a:r>
             <a:endParaRPr lang="en-US" altLang="zh-CN" dirty="0"/>
           </a:p>
@@ -1286,7 +1290,7 @@
           <a:p>
             <a:r>
               <a:rPr lang="en-US" altLang="zh-CN"/>
-              <a:t>Second, developing a custom multi-label emotion classifier would allow more granular detection of complex emotional states.</a:t>
+              <a:t>Second, developing a custom multi-label emotion classifier would allow better detection of complex emotional states.</a:t>
             </a:r>
             <a:endParaRPr lang="en-US" altLang="zh-CN"/>
           </a:p>
@@ -21491,8 +21495,8 @@
         </p:nvSpPr>
         <p:spPr>
           <a:xfrm>
-            <a:off x="520700" y="1409700"/>
-            <a:ext cx="11273790" cy="4368165"/>
+            <a:off x="520700" y="1245235"/>
+            <a:ext cx="7579360" cy="4368165"/>
           </a:xfrm>
         </p:spPr>
         <p:txBody>
@@ -21597,7 +21601,7 @@
             </a:pPr>
             <a:r>
               <a:rPr lang="en-US" altLang="zh-CN" sz="2000"/>
-              <a:t>- Without immediate intervention, risks of self-harm or worsening mental health escalate.</a:t>
+              <a:t>- Without immediate intervention, risks of self-harm or worse  mental health conditions escalate.</a:t>
             </a:r>
             <a:endParaRPr lang="en-US" altLang="zh-CN" sz="2000"/>
           </a:p>
@@ -21616,9 +21620,33 @@
           </a:p>
         </p:txBody>
       </p:sp>
+      <p:pic>
+        <p:nvPicPr>
+          <p:cNvPr id="4" name="图片 3"/>
+          <p:cNvPicPr>
+            <a:picLocks noChangeAspect="1"/>
+          </p:cNvPicPr>
+          <p:nvPr/>
+        </p:nvPicPr>
+        <p:blipFill>
+          <a:blip r:embed="rId3"/>
+          <a:stretch>
+            <a:fillRect/>
+          </a:stretch>
+        </p:blipFill>
+        <p:spPr>
+          <a:xfrm>
+            <a:off x="8273415" y="1816735"/>
+            <a:ext cx="3256915" cy="3453765"/>
+          </a:xfrm>
+          <a:prstGeom prst="rect">
+            <a:avLst/>
+          </a:prstGeom>
+        </p:spPr>
+      </p:pic>
     </p:spTree>
     <p:custDataLst>
-      <p:tags r:id="rId3"/>
+      <p:tags r:id="rId4"/>
     </p:custDataLst>
   </p:cSld>
   <p:clrMapOvr>

--- a/CalmBot.pptx
+++ b/CalmBot.pptx
@@ -729,28 +729,49 @@
           <a:p>
             <a:r>
               <a:rPr lang="en-US" altLang="zh-CN"/>
-              <a:t>In moments of acute emotional distress, such as fear, sadness, or anxiety, individuals often struggle to clearly express their needs.</a:t>
+              <a:t>In moments of acute emotional distress, such as f</a:t>
+            </a:r>
+            <a:r>
+              <a:rPr lang="en-US" altLang="zh-CN">
+                <a:sym typeface="+mn-ea"/>
+              </a:rPr>
+              <a:t>ear, despair, anxiety</a:t>
+            </a:r>
+            <a:r>
+              <a:rPr lang="en-US" altLang="zh-CN"/>
+              <a:t>, individuals often struggle to clearly express their needs, their minds would be taken by those emotions.</a:t>
             </a:r>
             <a:endParaRPr lang="en-US" altLang="zh-CN"/>
           </a:p>
           <a:p>
             <a:r>
               <a:rPr lang="en-US" altLang="zh-CN"/>
-              <a:t>Traditional AI chatbots are not equipped to provide real-time, empathetic support in such situations.</a:t>
+              <a:t>Traditional AI chatbots are not equipped to provide real-time, empathetic support in such situations. In the screenshot... the chatbot only outputs some words like your not alone, but as in extreme emotions, these words didnt help a lot. and Without immediate intervention, the risks</a:t>
+            </a:r>
+            <a:r>
+              <a:rPr lang="en-US" altLang="zh-CN">
+                <a:sym typeface="+mn-ea"/>
+              </a:rPr>
+              <a:t> of impulsive actions including self-harm or even social violence incidents escalate.</a:t>
             </a:r>
             <a:endParaRPr lang="en-US" altLang="zh-CN"/>
           </a:p>
           <a:p>
+            <a:pPr marL="0" indent="0" fontAlgn="auto">
+              <a:lnSpc>
+                <a:spcPct val="100000"/>
+              </a:lnSpc>
+              <a:buNone/>
+            </a:pPr>
             <a:r>
               <a:rPr lang="en-US" altLang="zh-CN"/>
-              <a:t>Without immediate intervention, the risks of self-harm and worsening mental health escalate dramatically.</a:t>
+              <a:t>Recognizing this gap, </a:t>
             </a:r>
-            <a:endParaRPr lang="en-US" altLang="zh-CN"/>
-          </a:p>
-          <a:p>
             <a:r>
-              <a:rPr lang="en-US" altLang="zh-CN"/>
-              <a:t>Recognizing this gap, there is a critical need for fast, empathetic, and accessible emotional assistance.</a:t>
+              <a:rPr lang="en-US" altLang="zh-CN">
+                <a:sym typeface="+mn-ea"/>
+              </a:rPr>
+              <a:t>There is a critical need for fast, empathetic, and accessible support which AI alone could not fully provide.</a:t>
             </a:r>
             <a:endParaRPr lang="en-US" altLang="zh-CN"/>
           </a:p>
@@ -1107,6 +1128,10 @@
             <a:endParaRPr lang="en-US" altLang="zh-CN"/>
           </a:p>
           <a:p>
+            <a:r>
+              <a:rPr lang="en-US" altLang="zh-CN"/>
+              <a:t> </a:t>
+            </a:r>
             <a:endParaRPr lang="en-US" altLang="zh-CN"/>
           </a:p>
           <a:p>
@@ -8713,7 +8738,7 @@
               </a:spcBef>
               <a:buClrTx/>
               <a:buSzTx/>
-              <a:buFont typeface="Arial" panose="020B0604020202020204" pitchFamily="34" charset="0"/>
+              <a:buFont typeface="Arial" panose="020B0604020202090204" pitchFamily="34" charset="0"/>
               <a:buNone/>
               <a:defRPr kumimoji="0" lang="zh-CN" altLang="en-US" sz="2000" b="1" i="0" u="none" strike="noStrike" kern="1200" cap="none" spc="0" normalizeH="0" baseline="0" noProof="1" dirty="0">
                 <a:solidFill>
@@ -20699,7 +20724,7 @@
         <a:spcBef>
           <a:spcPts val="1000"/>
         </a:spcBef>
-        <a:buFont typeface="Arial" panose="020B0604020202020204" pitchFamily="34" charset="0"/>
+        <a:buFont typeface="Arial" panose="020B0604020202090204" pitchFamily="34" charset="0"/>
         <a:buChar char="•"/>
         <a:defRPr sz="2400" kern="1200">
           <a:solidFill>
@@ -20717,7 +20742,7 @@
         <a:spcBef>
           <a:spcPts val="0"/>
         </a:spcBef>
-        <a:buFont typeface="Arial" panose="020B0604020202020204" pitchFamily="34" charset="0"/>
+        <a:buFont typeface="Arial" panose="020B0604020202090204" pitchFamily="34" charset="0"/>
         <a:buChar char="•"/>
         <a:defRPr sz="2000" kern="1200">
           <a:solidFill>
@@ -20738,7 +20763,7 @@
         <a:spcBef>
           <a:spcPts val="0"/>
         </a:spcBef>
-        <a:buFont typeface="Arial" panose="020B0604020202020204" pitchFamily="34" charset="0"/>
+        <a:buFont typeface="Arial" panose="020B0604020202090204" pitchFamily="34" charset="0"/>
         <a:buChar char="•"/>
         <a:defRPr sz="1800" kern="1200">
           <a:solidFill>
@@ -20759,7 +20784,7 @@
         <a:spcBef>
           <a:spcPts val="0"/>
         </a:spcBef>
-        <a:buFont typeface="Arial" panose="020B0604020202020204" pitchFamily="34" charset="0"/>
+        <a:buFont typeface="Arial" panose="020B0604020202090204" pitchFamily="34" charset="0"/>
         <a:buChar char="•"/>
         <a:defRPr sz="1600" kern="1200">
           <a:solidFill>
@@ -20780,7 +20805,7 @@
         <a:spcBef>
           <a:spcPts val="0"/>
         </a:spcBef>
-        <a:buFont typeface="Arial" panose="020B0604020202020204" pitchFamily="34" charset="0"/>
+        <a:buFont typeface="Arial" panose="020B0604020202090204" pitchFamily="34" charset="0"/>
         <a:buChar char="•"/>
         <a:defRPr sz="1400" kern="1200">
           <a:solidFill>
@@ -20801,7 +20826,7 @@
         <a:spcBef>
           <a:spcPts val="500"/>
         </a:spcBef>
-        <a:buFont typeface="Arial" panose="020B0604020202020204" pitchFamily="34" charset="0"/>
+        <a:buFont typeface="Arial" panose="020B0604020202090204" pitchFamily="34" charset="0"/>
         <a:buChar char="•"/>
         <a:defRPr sz="1800" kern="1200">
           <a:solidFill>
@@ -20819,7 +20844,7 @@
         <a:spcBef>
           <a:spcPts val="500"/>
         </a:spcBef>
-        <a:buFont typeface="Arial" panose="020B0604020202020204" pitchFamily="34" charset="0"/>
+        <a:buFont typeface="Arial" panose="020B0604020202090204" pitchFamily="34" charset="0"/>
         <a:buChar char="•"/>
         <a:defRPr sz="1800" kern="1200">
           <a:solidFill>
@@ -20837,7 +20862,7 @@
         <a:spcBef>
           <a:spcPts val="500"/>
         </a:spcBef>
-        <a:buFont typeface="Arial" panose="020B0604020202020204" pitchFamily="34" charset="0"/>
+        <a:buFont typeface="Arial" panose="020B0604020202090204" pitchFamily="34" charset="0"/>
         <a:buChar char="•"/>
         <a:defRPr sz="1800" kern="1200">
           <a:solidFill>
@@ -20855,7 +20880,7 @@
         <a:spcBef>
           <a:spcPts val="500"/>
         </a:spcBef>
-        <a:buFont typeface="Arial" panose="020B0604020202020204" pitchFamily="34" charset="0"/>
+        <a:buFont typeface="Arial" panose="020B0604020202090204" pitchFamily="34" charset="0"/>
         <a:buChar char="•"/>
         <a:defRPr sz="1800" kern="1200">
           <a:solidFill>
@@ -21166,7 +21191,7 @@
               </a:lnSpc>
               <a:buClrTx/>
               <a:buSzTx/>
-              <a:buFont typeface="Arial" panose="020B0604020202020204"/>
+              <a:buFont typeface="Arial" panose="020B0604020202090204"/>
               <a:buChar char="•"/>
             </a:pPr>
             <a:r>
@@ -21192,7 +21217,7 @@
               </a:lnSpc>
               <a:buClrTx/>
               <a:buSzTx/>
-              <a:buFont typeface="Arial" panose="020B0604020202020204"/>
+              <a:buFont typeface="Arial" panose="020B0604020202090204"/>
               <a:buChar char="•"/>
             </a:pPr>
             <a:r>
@@ -21216,7 +21241,7 @@
               <a:lnSpc>
                 <a:spcPct val="150000"/>
               </a:lnSpc>
-              <a:buFont typeface="Arial" panose="020B0604020202020204"/>
+              <a:buFont typeface="Arial" panose="020B0604020202090204"/>
               <a:buChar char="•"/>
             </a:pPr>
             <a:r>
@@ -21240,7 +21265,7 @@
               <a:lnSpc>
                 <a:spcPct val="150000"/>
               </a:lnSpc>
-              <a:buFont typeface="Arial" panose="020B0604020202020204"/>
+              <a:buFont typeface="Arial" panose="020B0604020202090204"/>
               <a:buChar char="•"/>
             </a:pPr>
             <a:r>
@@ -21264,7 +21289,7 @@
               <a:lnSpc>
                 <a:spcPct val="150000"/>
               </a:lnSpc>
-              <a:buFont typeface="Arial" panose="020B0604020202020204"/>
+              <a:buFont typeface="Arial" panose="020B0604020202090204"/>
               <a:buChar char="•"/>
             </a:pPr>
             <a:r>
@@ -21288,7 +21313,7 @@
               <a:lnSpc>
                 <a:spcPct val="150000"/>
               </a:lnSpc>
-              <a:buFont typeface="Arial" panose="020B0604020202020204"/>
+              <a:buFont typeface="Arial" panose="020B0604020202090204"/>
               <a:buChar char="•"/>
             </a:pPr>
             <a:r>
@@ -21312,7 +21337,7 @@
               <a:lnSpc>
                 <a:spcPct val="150000"/>
               </a:lnSpc>
-              <a:buFont typeface="Arial" panose="020B0604020202020204" pitchFamily="34" charset="0"/>
+              <a:buFont typeface="Arial" panose="020B0604020202090204" pitchFamily="34" charset="0"/>
               <a:buChar char="•"/>
             </a:pPr>
             <a:r>
@@ -21336,7 +21361,7 @@
               <a:lnSpc>
                 <a:spcPct val="150000"/>
               </a:lnSpc>
-              <a:buFont typeface="Arial" panose="020B0604020202020204"/>
+              <a:buFont typeface="Arial" panose="020B0604020202090204"/>
               <a:buChar char="•"/>
             </a:pPr>
             <a:r>
@@ -21495,8 +21520,8 @@
         </p:nvSpPr>
         <p:spPr>
           <a:xfrm>
-            <a:off x="520700" y="1245235"/>
-            <a:ext cx="7579360" cy="4368165"/>
+            <a:off x="520700" y="1128395"/>
+            <a:ext cx="7943850" cy="4368165"/>
           </a:xfrm>
         </p:spPr>
         <p:txBody>
@@ -21563,7 +21588,7 @@
             </a:pPr>
             <a:r>
               <a:rPr lang="en-US" altLang="zh-CN" sz="2000"/>
-              <a:t>- Individuals in acute emotional distress (fear, sadness, anxiety) often cannot clearly express their needs.</a:t>
+              <a:t>- Individuals in acute emotional distress (fear, despair, anxiety) often cannot clearly express their needs.</a:t>
             </a:r>
             <a:endParaRPr lang="en-US" altLang="zh-CN" sz="2000"/>
           </a:p>
@@ -21601,7 +21626,7 @@
             </a:pPr>
             <a:r>
               <a:rPr lang="en-US" altLang="zh-CN" sz="2000"/>
-              <a:t>- Without immediate intervention, risks of self-harm or worse  mental health conditions escalate.</a:t>
+              <a:t>- Without immediate intervention, risks of impulsive actions including actionsself-harm or even social violence incidents escalate.</a:t>
             </a:r>
             <a:endParaRPr lang="en-US" altLang="zh-CN" sz="2000"/>
           </a:p>
@@ -21614,7 +21639,7 @@
             </a:pPr>
             <a:r>
               <a:rPr lang="en-US" altLang="zh-CN" sz="2000"/>
-              <a:t>- There is a critical need for fast, empathetic, and accessible support.</a:t>
+              <a:t>- There is a critical need for fast, empathetic, and accessible support which AI alone could not fully provide.</a:t>
             </a:r>
             <a:endParaRPr lang="en-US" altLang="zh-CN" sz="2000"/>
           </a:p>
@@ -21736,7 +21761,7 @@
         <p:spPr>
           <a:xfrm>
             <a:off x="514350" y="1111885"/>
-            <a:ext cx="7978140" cy="521970"/>
+            <a:ext cx="7978140" cy="460375"/>
           </a:xfrm>
           <a:prstGeom prst="rect">
             <a:avLst/>
@@ -21756,7 +21781,7 @@
               </a:spcAft>
             </a:pPr>
             <a:r>
-              <a:rPr lang="en-US" altLang="zh-CN" sz="2800" b="0" i="0">
+              <a:rPr lang="en-US" altLang="zh-CN" sz="2400" b="0" i="0">
                 <a:solidFill>
                   <a:srgbClr val="666666"/>
                 </a:solidFill>
@@ -21765,7 +21790,7 @@
               </a:rPr>
               <a:t>CalmBot: An AI-Driven Emotional First Aid Assistant</a:t>
             </a:r>
-            <a:endParaRPr lang="en-US" altLang="zh-CN" sz="2800" b="0" i="0">
+            <a:endParaRPr lang="en-US" altLang="zh-CN" sz="2400" b="0" i="0">
               <a:solidFill>
                 <a:srgbClr val="666666"/>
               </a:solidFill>
@@ -21784,7 +21809,7 @@
         <p:spPr>
           <a:xfrm>
             <a:off x="514350" y="1809115"/>
-            <a:ext cx="7256145" cy="3659505"/>
+            <a:ext cx="6369050" cy="3659505"/>
           </a:xfrm>
           <a:prstGeom prst="rect">
             <a:avLst/>
@@ -21805,11 +21830,11 @@
               <a:spcAft>
                 <a:spcPts val="1200"/>
               </a:spcAft>
-              <a:buFont typeface="Arial" panose="020B0604020202020204"/>
+              <a:buFont typeface="Arial" panose="020B0604020202090204"/>
               <a:buChar char="•"/>
             </a:pPr>
             <a:r>
-              <a:rPr lang="en-US" altLang="zh-CN" sz="2800" b="0" i="0">
+              <a:rPr lang="en-US" altLang="zh-CN" sz="2400" b="0" i="0">
                 <a:solidFill>
                   <a:srgbClr val="1F2728"/>
                 </a:solidFill>
@@ -21818,7 +21843,7 @@
               </a:rPr>
               <a:t> Emotion Detection: Classifies user emotions (e.g., fear, sadness) using fine-tuned NLP.</a:t>
             </a:r>
-            <a:endParaRPr lang="en-US" altLang="zh-CN" sz="2800" b="0" i="0">
+            <a:endParaRPr lang="en-US" altLang="zh-CN" sz="2400" b="0" i="0">
               <a:solidFill>
                 <a:srgbClr val="1F2728"/>
               </a:solidFill>
@@ -21837,11 +21862,11 @@
               <a:spcAft>
                 <a:spcPts val="1200"/>
               </a:spcAft>
-              <a:buFont typeface="Arial" panose="020B0604020202020204"/>
+              <a:buFont typeface="Arial" panose="020B0604020202090204"/>
               <a:buChar char="•"/>
             </a:pPr>
             <a:r>
-              <a:rPr lang="en-US" altLang="zh-CN" sz="2800" b="0" i="0">
+              <a:rPr lang="en-US" altLang="zh-CN" sz="2400" b="0" i="0">
                 <a:solidFill>
                   <a:srgbClr val="1F2728"/>
                 </a:solidFill>
@@ -21850,7 +21875,7 @@
               </a:rPr>
               <a:t> Empathetic Responses: Generates warm, supportive replies with LLMs.</a:t>
             </a:r>
-            <a:endParaRPr lang="en-US" altLang="zh-CN" sz="2800" b="0" i="0">
+            <a:endParaRPr lang="en-US" altLang="zh-CN" sz="2400" b="0" i="0">
               <a:solidFill>
                 <a:srgbClr val="1F2728"/>
               </a:solidFill>
@@ -21869,11 +21894,11 @@
               <a:spcAft>
                 <a:spcPts val="1200"/>
               </a:spcAft>
-              <a:buFont typeface="Arial" panose="020B0604020202020204"/>
+              <a:buFont typeface="Arial" panose="020B0604020202090204"/>
               <a:buChar char="•"/>
             </a:pPr>
             <a:r>
-              <a:rPr lang="en-US" altLang="zh-CN" sz="2800" b="0" i="0">
+              <a:rPr lang="en-US" altLang="zh-CN" sz="2400" b="0" i="0">
                 <a:solidFill>
                   <a:srgbClr val="1F2728"/>
                 </a:solidFill>
@@ -21882,7 +21907,7 @@
               </a:rPr>
               <a:t> Hotline Recommendation: If severe distress is detected, suggests relevant national hotlines.</a:t>
             </a:r>
-            <a:endParaRPr lang="en-US" altLang="zh-CN" sz="2800" b="0" i="0">
+            <a:endParaRPr lang="en-US" altLang="zh-CN" sz="2400" b="0" i="0">
               <a:solidFill>
                 <a:srgbClr val="1F2728"/>
               </a:solidFill>
@@ -21901,11 +21926,11 @@
               <a:spcAft>
                 <a:spcPts val="1200"/>
               </a:spcAft>
-              <a:buFont typeface="Arial" panose="020B0604020202020204"/>
+              <a:buFont typeface="Arial" panose="020B0604020202090204"/>
               <a:buChar char="•"/>
             </a:pPr>
             <a:r>
-              <a:rPr lang="en-US" altLang="zh-CN" sz="2800" b="0" i="0">
+              <a:rPr lang="en-US" altLang="zh-CN" sz="2400" b="0" i="0">
                 <a:solidFill>
                   <a:srgbClr val="1F2728"/>
                 </a:solidFill>
@@ -21914,7 +21939,7 @@
               </a:rPr>
               <a:t> AI-Human Hybrid Model: AI provides immediate help; human services are escalated when needed.</a:t>
             </a:r>
-            <a:endParaRPr lang="en-US" altLang="zh-CN" sz="2800" b="0" i="0">
+            <a:endParaRPr lang="en-US" altLang="zh-CN" sz="2400" b="0" i="0">
               <a:solidFill>
                 <a:srgbClr val="1F2728"/>
               </a:solidFill>
@@ -38619,6 +38644,7 @@
   <p:tag name="KSO_WM_BEAUTIFY_FLAG" val="#wm#"/>
   <p:tag name="KSO_WM_TEMPLATE_CATEGORY" val="custom"/>
   <p:tag name="KSO_WM_TEMPLATE_INDEX" val="20230985"/>
+  <p:tag name="KSO_WM_SPECIAL_SOURCE" val="bdnull"/>
 </p:tagLst>
 </file>
 
@@ -38627,6 +38653,7 @@
   <p:tag name="KSO_WM_BEAUTIFY_FLAG" val="#wm#"/>
   <p:tag name="KSO_WM_TEMPLATE_CATEGORY" val="custom"/>
   <p:tag name="KSO_WM_TEMPLATE_INDEX" val="20230985"/>
+  <p:tag name="KSO_WM_SPECIAL_SOURCE" val="bdnull"/>
 </p:tagLst>
 </file>
 
@@ -38635,6 +38662,7 @@
   <p:tag name="KSO_WM_BEAUTIFY_FLAG" val="#wm#"/>
   <p:tag name="KSO_WM_TEMPLATE_CATEGORY" val="custom"/>
   <p:tag name="KSO_WM_TEMPLATE_INDEX" val="20230985"/>
+  <p:tag name="KSO_WM_SPECIAL_SOURCE" val="bdnull"/>
 </p:tagLst>
 </file>
 
@@ -38661,6 +38689,7 @@
   <p:tag name="KSO_WM_BEAUTIFY_FLAG" val="#wm#"/>
   <p:tag name="KSO_WM_TEMPLATE_CATEGORY" val="custom"/>
   <p:tag name="KSO_WM_TEMPLATE_INDEX" val="20230985"/>
+  <p:tag name="KSO_WM_SPECIAL_SOURCE" val="bdnull"/>
 </p:tagLst>
 </file>
 
@@ -40060,6 +40089,7 @@
   <p:tag name="KSO_WM_BEAUTIFY_FLAG" val="#wm#"/>
   <p:tag name="KSO_WM_TEMPLATE_CATEGORY" val="custom"/>
   <p:tag name="KSO_WM_TEMPLATE_INDEX" val="20230985"/>
+  <p:tag name="KSO_WM_SPECIAL_SOURCE" val="bdnull"/>
 </p:tagLst>
 </file>
 

--- a/CalmBot.pptx
+++ b/CalmBot.pptx
@@ -1322,7 +1322,7 @@
           <a:p>
             <a:r>
               <a:rPr lang="en-US" altLang="zh-CN"/>
-              <a:t>Third, integrating semantic search would improve hotline matching accuracy based on user context.</a:t>
+              <a:t>Third, integrating semantic search or topic classification would improve hotline matching accuracy based on user context.</a:t>
             </a:r>
             <a:endParaRPr lang="en-US" altLang="zh-CN"/>
           </a:p>
@@ -31190,7 +31190,7 @@
                 <a:cs typeface="+mn-ea"/>
                 <a:sym typeface="+mn-ea"/>
               </a:rPr>
-              <a:t>Integrate semantic search (e.g., FAISS) to dynamically match hotline resources based on user context and emotional state.</a:t>
+              <a:t>Integrate semantic search or topic classification to dynamically match hotline resources based on user context and emotional state.</a:t>
             </a:r>
             <a:endParaRPr lang="en-US" altLang="zh-CN" sz="1400">
               <a:solidFill>
